--- a/week6進度報告.pptx
+++ b/week6進度報告.pptx
@@ -269,7 +269,7 @@
           <a:p>
             <a:fld id="{B28AABCA-3EF2-4316-A591-5150F8AE44F4}" type="datetimeFigureOut">
               <a:rPr lang="zh-TW" altLang="en-US" smtClean="0"/>
-              <a:t>2023/10/19</a:t>
+              <a:t>2023/10/20</a:t>
             </a:fld>
             <a:endParaRPr lang="zh-TW" altLang="en-US"/>
           </a:p>
@@ -467,7 +467,7 @@
           <a:p>
             <a:fld id="{B28AABCA-3EF2-4316-A591-5150F8AE44F4}" type="datetimeFigureOut">
               <a:rPr lang="zh-TW" altLang="en-US" smtClean="0"/>
-              <a:t>2023/10/19</a:t>
+              <a:t>2023/10/20</a:t>
             </a:fld>
             <a:endParaRPr lang="zh-TW" altLang="en-US"/>
           </a:p>
@@ -675,7 +675,7 @@
           <a:p>
             <a:fld id="{B28AABCA-3EF2-4316-A591-5150F8AE44F4}" type="datetimeFigureOut">
               <a:rPr lang="zh-TW" altLang="en-US" smtClean="0"/>
-              <a:t>2023/10/19</a:t>
+              <a:t>2023/10/20</a:t>
             </a:fld>
             <a:endParaRPr lang="zh-TW" altLang="en-US"/>
           </a:p>
@@ -873,7 +873,7 @@
           <a:p>
             <a:fld id="{B28AABCA-3EF2-4316-A591-5150F8AE44F4}" type="datetimeFigureOut">
               <a:rPr lang="zh-TW" altLang="en-US" smtClean="0"/>
-              <a:t>2023/10/19</a:t>
+              <a:t>2023/10/20</a:t>
             </a:fld>
             <a:endParaRPr lang="zh-TW" altLang="en-US"/>
           </a:p>
@@ -1148,7 +1148,7 @@
           <a:p>
             <a:fld id="{B28AABCA-3EF2-4316-A591-5150F8AE44F4}" type="datetimeFigureOut">
               <a:rPr lang="zh-TW" altLang="en-US" smtClean="0"/>
-              <a:t>2023/10/19</a:t>
+              <a:t>2023/10/20</a:t>
             </a:fld>
             <a:endParaRPr lang="zh-TW" altLang="en-US"/>
           </a:p>
@@ -1413,7 +1413,7 @@
           <a:p>
             <a:fld id="{B28AABCA-3EF2-4316-A591-5150F8AE44F4}" type="datetimeFigureOut">
               <a:rPr lang="zh-TW" altLang="en-US" smtClean="0"/>
-              <a:t>2023/10/19</a:t>
+              <a:t>2023/10/20</a:t>
             </a:fld>
             <a:endParaRPr lang="zh-TW" altLang="en-US"/>
           </a:p>
@@ -1825,7 +1825,7 @@
           <a:p>
             <a:fld id="{B28AABCA-3EF2-4316-A591-5150F8AE44F4}" type="datetimeFigureOut">
               <a:rPr lang="zh-TW" altLang="en-US" smtClean="0"/>
-              <a:t>2023/10/19</a:t>
+              <a:t>2023/10/20</a:t>
             </a:fld>
             <a:endParaRPr lang="zh-TW" altLang="en-US"/>
           </a:p>
@@ -1966,7 +1966,7 @@
           <a:p>
             <a:fld id="{B28AABCA-3EF2-4316-A591-5150F8AE44F4}" type="datetimeFigureOut">
               <a:rPr lang="zh-TW" altLang="en-US" smtClean="0"/>
-              <a:t>2023/10/19</a:t>
+              <a:t>2023/10/20</a:t>
             </a:fld>
             <a:endParaRPr lang="zh-TW" altLang="en-US"/>
           </a:p>
@@ -2079,7 +2079,7 @@
           <a:p>
             <a:fld id="{B28AABCA-3EF2-4316-A591-5150F8AE44F4}" type="datetimeFigureOut">
               <a:rPr lang="zh-TW" altLang="en-US" smtClean="0"/>
-              <a:t>2023/10/19</a:t>
+              <a:t>2023/10/20</a:t>
             </a:fld>
             <a:endParaRPr lang="zh-TW" altLang="en-US"/>
           </a:p>
@@ -2390,7 +2390,7 @@
           <a:p>
             <a:fld id="{B28AABCA-3EF2-4316-A591-5150F8AE44F4}" type="datetimeFigureOut">
               <a:rPr lang="zh-TW" altLang="en-US" smtClean="0"/>
-              <a:t>2023/10/19</a:t>
+              <a:t>2023/10/20</a:t>
             </a:fld>
             <a:endParaRPr lang="zh-TW" altLang="en-US"/>
           </a:p>
@@ -2678,7 +2678,7 @@
           <a:p>
             <a:fld id="{B28AABCA-3EF2-4316-A591-5150F8AE44F4}" type="datetimeFigureOut">
               <a:rPr lang="zh-TW" altLang="en-US" smtClean="0"/>
-              <a:t>2023/10/19</a:t>
+              <a:t>2023/10/20</a:t>
             </a:fld>
             <a:endParaRPr lang="zh-TW" altLang="en-US"/>
           </a:p>
@@ -2919,7 +2919,7 @@
           <a:p>
             <a:fld id="{B28AABCA-3EF2-4316-A591-5150F8AE44F4}" type="datetimeFigureOut">
               <a:rPr lang="zh-TW" altLang="en-US" smtClean="0"/>
-              <a:t>2023/10/19</a:t>
+              <a:t>2023/10/20</a:t>
             </a:fld>
             <a:endParaRPr lang="zh-TW" altLang="en-US"/>
           </a:p>
@@ -3372,7 +3372,7 @@
               <a:t>Week6</a:t>
             </a:r>
             <a:r>
-              <a:rPr lang="zh-TW" altLang="en-US" dirty="0">
+              <a:rPr lang="zh-TW" altLang="en-US">
                 <a:latin typeface="標楷體" panose="03000509000000000000" pitchFamily="65" charset="-120"/>
                 <a:ea typeface="標楷體" panose="03000509000000000000" pitchFamily="65" charset="-120"/>
               </a:rPr>

--- a/week6進度報告.pptx
+++ b/week6進度報告.pptx
@@ -4168,22 +4168,16 @@
             </a:endParaRPr>
           </a:p>
           <a:p>
-            <a:pPr marL="0" indent="0">
-              <a:buNone/>
+            <a:pPr>
+              <a:buFont typeface="Wingdings" panose="05000000000000000000" pitchFamily="2" charset="2"/>
+              <a:buChar char="ü"/>
             </a:pPr>
             <a:r>
-              <a:rPr lang="zh-TW" altLang="en-US" dirty="0">
-                <a:latin typeface="標楷體" panose="03000509000000000000" pitchFamily="65" charset="-120"/>
-                <a:ea typeface="標楷體" panose="03000509000000000000" pitchFamily="65" charset="-120"/>
-              </a:rPr>
-              <a:t>  </a:t>
-            </a:r>
-            <a:r>
               <a:rPr lang="zh-TW" altLang="en-US" sz="2400" dirty="0">
                 <a:latin typeface="標楷體" panose="03000509000000000000" pitchFamily="65" charset="-120"/>
                 <a:ea typeface="標楷體" panose="03000509000000000000" pitchFamily="65" charset="-120"/>
               </a:rPr>
-              <a:t>摘要、海報製作</a:t>
+              <a:t> 摘要、海報製作</a:t>
             </a:r>
             <a:r>
               <a:rPr lang="en-US" altLang="zh-TW" sz="2400" dirty="0">
@@ -4433,56 +4427,7 @@
         </p:nvSpPr>
         <p:spPr>
           <a:xfrm>
-            <a:off x="6112429" y="2513143"/>
-            <a:ext cx="184558" cy="184558"/>
-          </a:xfrm>
-          <a:prstGeom prst="rect">
-            <a:avLst/>
-          </a:prstGeom>
-          <a:solidFill>
-            <a:schemeClr val="bg1"/>
-          </a:solidFill>
-        </p:spPr>
-        <p:style>
-          <a:lnRef idx="2">
-            <a:schemeClr val="dk1">
-              <a:shade val="15000"/>
-            </a:schemeClr>
-          </a:lnRef>
-          <a:fillRef idx="1">
-            <a:schemeClr val="dk1"/>
-          </a:fillRef>
-          <a:effectRef idx="0">
-            <a:schemeClr val="dk1"/>
-          </a:effectRef>
-          <a:fontRef idx="minor">
-            <a:schemeClr val="lt1"/>
-          </a:fontRef>
-        </p:style>
-        <p:txBody>
-          <a:bodyPr rtlCol="0" anchor="ctr"/>
-          <a:lstStyle/>
-          <a:p>
-            <a:pPr algn="ctr"/>
-            <a:endParaRPr lang="zh-TW" altLang="en-US"/>
-          </a:p>
-        </p:txBody>
-      </p:sp>
-      <p:sp>
-        <p:nvSpPr>
-          <p:cNvPr id="6" name="矩形 5">
-            <a:extLst>
-              <a:ext uri="{FF2B5EF4-FFF2-40B4-BE49-F238E27FC236}">
-                <a16:creationId xmlns:a16="http://schemas.microsoft.com/office/drawing/2014/main" id="{1F007839-3C88-FA23-265E-6A05FF636554}"/>
-              </a:ext>
-            </a:extLst>
-          </p:cNvPr>
-          <p:cNvSpPr/>
-          <p:nvPr/>
-        </p:nvSpPr>
-        <p:spPr>
-          <a:xfrm>
-            <a:off x="6112429" y="2001794"/>
+            <a:off x="6096000" y="2001794"/>
             <a:ext cx="184558" cy="184558"/>
           </a:xfrm>
           <a:prstGeom prst="rect">

--- a/week6進度報告.pptx
+++ b/week6進度報告.pptx
@@ -4,6 +4,9 @@
   <p:sldMasterIdLst>
     <p:sldMasterId id="2147483648" r:id="rId1"/>
   </p:sldMasterIdLst>
+  <p:notesMasterIdLst>
+    <p:notesMasterId r:id="rId13"/>
+  </p:notesMasterIdLst>
   <p:sldIdLst>
     <p:sldId id="256" r:id="rId2"/>
     <p:sldId id="262" r:id="rId3"/>
@@ -122,6 +125,355 @@
 </p:presentation>
 </file>
 
+<file path=ppt/notesMasters/notesMaster1.xml><?xml version="1.0" encoding="utf-8"?>
+<p:notesMaster xmlns:a="http://schemas.openxmlformats.org/drawingml/2006/main" xmlns:r="http://schemas.openxmlformats.org/officeDocument/2006/relationships" xmlns:p="http://schemas.openxmlformats.org/presentationml/2006/main">
+  <p:cSld>
+    <p:bg>
+      <p:bgRef idx="1001">
+        <a:schemeClr val="bg1"/>
+      </p:bgRef>
+    </p:bg>
+    <p:spTree>
+      <p:nvGrpSpPr>
+        <p:cNvPr id="1" name=""/>
+        <p:cNvGrpSpPr/>
+        <p:nvPr/>
+      </p:nvGrpSpPr>
+      <p:grpSpPr>
+        <a:xfrm>
+          <a:off x="0" y="0"/>
+          <a:ext cx="0" cy="0"/>
+          <a:chOff x="0" y="0"/>
+          <a:chExt cx="0" cy="0"/>
+        </a:xfrm>
+      </p:grpSpPr>
+      <p:sp>
+        <p:nvSpPr>
+          <p:cNvPr id="2" name="頁首版面配置區 1"/>
+          <p:cNvSpPr>
+            <a:spLocks noGrp="1"/>
+          </p:cNvSpPr>
+          <p:nvPr>
+            <p:ph type="hdr" sz="quarter"/>
+          </p:nvPr>
+        </p:nvSpPr>
+        <p:spPr>
+          <a:xfrm>
+            <a:off x="0" y="0"/>
+            <a:ext cx="2971800" cy="458788"/>
+          </a:xfrm>
+          <a:prstGeom prst="rect">
+            <a:avLst/>
+          </a:prstGeom>
+        </p:spPr>
+        <p:txBody>
+          <a:bodyPr vert="horz" lIns="91440" tIns="45720" rIns="91440" bIns="45720" rtlCol="0"/>
+          <a:lstStyle>
+            <a:lvl1pPr algn="l">
+              <a:defRPr sz="1200"/>
+            </a:lvl1pPr>
+          </a:lstStyle>
+          <a:p>
+            <a:endParaRPr lang="zh-TW" altLang="en-US"/>
+          </a:p>
+        </p:txBody>
+      </p:sp>
+      <p:sp>
+        <p:nvSpPr>
+          <p:cNvPr id="3" name="日期版面配置區 2"/>
+          <p:cNvSpPr>
+            <a:spLocks noGrp="1"/>
+          </p:cNvSpPr>
+          <p:nvPr>
+            <p:ph type="dt" idx="1"/>
+          </p:nvPr>
+        </p:nvSpPr>
+        <p:spPr>
+          <a:xfrm>
+            <a:off x="3884613" y="0"/>
+            <a:ext cx="2971800" cy="458788"/>
+          </a:xfrm>
+          <a:prstGeom prst="rect">
+            <a:avLst/>
+          </a:prstGeom>
+        </p:spPr>
+        <p:txBody>
+          <a:bodyPr vert="horz" lIns="91440" tIns="45720" rIns="91440" bIns="45720" rtlCol="0"/>
+          <a:lstStyle>
+            <a:lvl1pPr algn="r">
+              <a:defRPr sz="1200"/>
+            </a:lvl1pPr>
+          </a:lstStyle>
+          <a:p>
+            <a:fld id="{8E9E9090-5842-4D96-97DD-7BBD6ACE00A9}" type="datetimeFigureOut">
+              <a:rPr lang="zh-TW" altLang="en-US" smtClean="0"/>
+              <a:t>2023/10/20</a:t>
+            </a:fld>
+            <a:endParaRPr lang="zh-TW" altLang="en-US"/>
+          </a:p>
+        </p:txBody>
+      </p:sp>
+      <p:sp>
+        <p:nvSpPr>
+          <p:cNvPr id="4" name="投影片影像版面配置區 3"/>
+          <p:cNvSpPr>
+            <a:spLocks noGrp="1" noRot="1" noChangeAspect="1"/>
+          </p:cNvSpPr>
+          <p:nvPr>
+            <p:ph type="sldImg" idx="2"/>
+          </p:nvPr>
+        </p:nvSpPr>
+        <p:spPr>
+          <a:xfrm>
+            <a:off x="685800" y="1143000"/>
+            <a:ext cx="5486400" cy="3086100"/>
+          </a:xfrm>
+          <a:prstGeom prst="rect">
+            <a:avLst/>
+          </a:prstGeom>
+          <a:noFill/>
+          <a:ln w="12700">
+            <a:solidFill>
+              <a:prstClr val="black"/>
+            </a:solidFill>
+          </a:ln>
+        </p:spPr>
+        <p:txBody>
+          <a:bodyPr vert="horz" lIns="91440" tIns="45720" rIns="91440" bIns="45720" rtlCol="0" anchor="ctr"/>
+          <a:lstStyle/>
+          <a:p>
+            <a:endParaRPr lang="zh-TW" altLang="en-US"/>
+          </a:p>
+        </p:txBody>
+      </p:sp>
+      <p:sp>
+        <p:nvSpPr>
+          <p:cNvPr id="5" name="備忘稿版面配置區 4"/>
+          <p:cNvSpPr>
+            <a:spLocks noGrp="1"/>
+          </p:cNvSpPr>
+          <p:nvPr>
+            <p:ph type="body" sz="quarter" idx="3"/>
+          </p:nvPr>
+        </p:nvSpPr>
+        <p:spPr>
+          <a:xfrm>
+            <a:off x="685800" y="4400550"/>
+            <a:ext cx="5486400" cy="3600450"/>
+          </a:xfrm>
+          <a:prstGeom prst="rect">
+            <a:avLst/>
+          </a:prstGeom>
+        </p:spPr>
+        <p:txBody>
+          <a:bodyPr vert="horz" lIns="91440" tIns="45720" rIns="91440" bIns="45720" rtlCol="0"/>
+          <a:lstStyle/>
+          <a:p>
+            <a:pPr lvl="0"/>
+            <a:r>
+              <a:rPr lang="zh-TW" altLang="en-US"/>
+              <a:t>按一下以編輯母片文字樣式</a:t>
+            </a:r>
+          </a:p>
+          <a:p>
+            <a:pPr lvl="1"/>
+            <a:r>
+              <a:rPr lang="zh-TW" altLang="en-US"/>
+              <a:t>第二層</a:t>
+            </a:r>
+          </a:p>
+          <a:p>
+            <a:pPr lvl="2"/>
+            <a:r>
+              <a:rPr lang="zh-TW" altLang="en-US"/>
+              <a:t>第三層</a:t>
+            </a:r>
+          </a:p>
+          <a:p>
+            <a:pPr lvl="3"/>
+            <a:r>
+              <a:rPr lang="zh-TW" altLang="en-US"/>
+              <a:t>第四層</a:t>
+            </a:r>
+          </a:p>
+          <a:p>
+            <a:pPr lvl="4"/>
+            <a:r>
+              <a:rPr lang="zh-TW" altLang="en-US"/>
+              <a:t>第五層</a:t>
+            </a:r>
+          </a:p>
+        </p:txBody>
+      </p:sp>
+      <p:sp>
+        <p:nvSpPr>
+          <p:cNvPr id="6" name="頁尾版面配置區 5"/>
+          <p:cNvSpPr>
+            <a:spLocks noGrp="1"/>
+          </p:cNvSpPr>
+          <p:nvPr>
+            <p:ph type="ftr" sz="quarter" idx="4"/>
+          </p:nvPr>
+        </p:nvSpPr>
+        <p:spPr>
+          <a:xfrm>
+            <a:off x="0" y="8685213"/>
+            <a:ext cx="2971800" cy="458787"/>
+          </a:xfrm>
+          <a:prstGeom prst="rect">
+            <a:avLst/>
+          </a:prstGeom>
+        </p:spPr>
+        <p:txBody>
+          <a:bodyPr vert="horz" lIns="91440" tIns="45720" rIns="91440" bIns="45720" rtlCol="0" anchor="b"/>
+          <a:lstStyle>
+            <a:lvl1pPr algn="l">
+              <a:defRPr sz="1200"/>
+            </a:lvl1pPr>
+          </a:lstStyle>
+          <a:p>
+            <a:endParaRPr lang="zh-TW" altLang="en-US"/>
+          </a:p>
+        </p:txBody>
+      </p:sp>
+      <p:sp>
+        <p:nvSpPr>
+          <p:cNvPr id="7" name="投影片編號版面配置區 6"/>
+          <p:cNvSpPr>
+            <a:spLocks noGrp="1"/>
+          </p:cNvSpPr>
+          <p:nvPr>
+            <p:ph type="sldNum" sz="quarter" idx="5"/>
+          </p:nvPr>
+        </p:nvSpPr>
+        <p:spPr>
+          <a:xfrm>
+            <a:off x="3884613" y="8685213"/>
+            <a:ext cx="2971800" cy="458787"/>
+          </a:xfrm>
+          <a:prstGeom prst="rect">
+            <a:avLst/>
+          </a:prstGeom>
+        </p:spPr>
+        <p:txBody>
+          <a:bodyPr vert="horz" lIns="91440" tIns="45720" rIns="91440" bIns="45720" rtlCol="0" anchor="b"/>
+          <a:lstStyle>
+            <a:lvl1pPr algn="r">
+              <a:defRPr sz="1200"/>
+            </a:lvl1pPr>
+          </a:lstStyle>
+          <a:p>
+            <a:fld id="{F7ADFFEA-7122-43FF-B1C7-1B2BD82F7ADA}" type="slidenum">
+              <a:rPr lang="zh-TW" altLang="en-US" smtClean="0"/>
+              <a:t>‹#›</a:t>
+            </a:fld>
+            <a:endParaRPr lang="zh-TW" altLang="en-US"/>
+          </a:p>
+        </p:txBody>
+      </p:sp>
+    </p:spTree>
+    <p:extLst>
+      <p:ext uri="{BB962C8B-B14F-4D97-AF65-F5344CB8AC3E}">
+        <p14:creationId xmlns:p14="http://schemas.microsoft.com/office/powerpoint/2010/main" val="3193926122"/>
+      </p:ext>
+    </p:extLst>
+  </p:cSld>
+  <p:clrMap bg1="lt1" tx1="dk1" bg2="lt2" tx2="dk2" accent1="accent1" accent2="accent2" accent3="accent3" accent4="accent4" accent5="accent5" accent6="accent6" hlink="hlink" folHlink="folHlink"/>
+  <p:notesStyle>
+    <a:lvl1pPr marL="0" algn="l" defTabSz="914400" rtl="0" eaLnBrk="1" latinLnBrk="0" hangingPunct="1">
+      <a:defRPr sz="1200" kern="1200">
+        <a:solidFill>
+          <a:schemeClr val="tx1"/>
+        </a:solidFill>
+        <a:latin typeface="+mn-lt"/>
+        <a:ea typeface="+mn-ea"/>
+        <a:cs typeface="+mn-cs"/>
+      </a:defRPr>
+    </a:lvl1pPr>
+    <a:lvl2pPr marL="457200" algn="l" defTabSz="914400" rtl="0" eaLnBrk="1" latinLnBrk="0" hangingPunct="1">
+      <a:defRPr sz="1200" kern="1200">
+        <a:solidFill>
+          <a:schemeClr val="tx1"/>
+        </a:solidFill>
+        <a:latin typeface="+mn-lt"/>
+        <a:ea typeface="+mn-ea"/>
+        <a:cs typeface="+mn-cs"/>
+      </a:defRPr>
+    </a:lvl2pPr>
+    <a:lvl3pPr marL="914400" algn="l" defTabSz="914400" rtl="0" eaLnBrk="1" latinLnBrk="0" hangingPunct="1">
+      <a:defRPr sz="1200" kern="1200">
+        <a:solidFill>
+          <a:schemeClr val="tx1"/>
+        </a:solidFill>
+        <a:latin typeface="+mn-lt"/>
+        <a:ea typeface="+mn-ea"/>
+        <a:cs typeface="+mn-cs"/>
+      </a:defRPr>
+    </a:lvl3pPr>
+    <a:lvl4pPr marL="1371600" algn="l" defTabSz="914400" rtl="0" eaLnBrk="1" latinLnBrk="0" hangingPunct="1">
+      <a:defRPr sz="1200" kern="1200">
+        <a:solidFill>
+          <a:schemeClr val="tx1"/>
+        </a:solidFill>
+        <a:latin typeface="+mn-lt"/>
+        <a:ea typeface="+mn-ea"/>
+        <a:cs typeface="+mn-cs"/>
+      </a:defRPr>
+    </a:lvl4pPr>
+    <a:lvl5pPr marL="1828800" algn="l" defTabSz="914400" rtl="0" eaLnBrk="1" latinLnBrk="0" hangingPunct="1">
+      <a:defRPr sz="1200" kern="1200">
+        <a:solidFill>
+          <a:schemeClr val="tx1"/>
+        </a:solidFill>
+        <a:latin typeface="+mn-lt"/>
+        <a:ea typeface="+mn-ea"/>
+        <a:cs typeface="+mn-cs"/>
+      </a:defRPr>
+    </a:lvl5pPr>
+    <a:lvl6pPr marL="2286000" algn="l" defTabSz="914400" rtl="0" eaLnBrk="1" latinLnBrk="0" hangingPunct="1">
+      <a:defRPr sz="1200" kern="1200">
+        <a:solidFill>
+          <a:schemeClr val="tx1"/>
+        </a:solidFill>
+        <a:latin typeface="+mn-lt"/>
+        <a:ea typeface="+mn-ea"/>
+        <a:cs typeface="+mn-cs"/>
+      </a:defRPr>
+    </a:lvl6pPr>
+    <a:lvl7pPr marL="2743200" algn="l" defTabSz="914400" rtl="0" eaLnBrk="1" latinLnBrk="0" hangingPunct="1">
+      <a:defRPr sz="1200" kern="1200">
+        <a:solidFill>
+          <a:schemeClr val="tx1"/>
+        </a:solidFill>
+        <a:latin typeface="+mn-lt"/>
+        <a:ea typeface="+mn-ea"/>
+        <a:cs typeface="+mn-cs"/>
+      </a:defRPr>
+    </a:lvl7pPr>
+    <a:lvl8pPr marL="3200400" algn="l" defTabSz="914400" rtl="0" eaLnBrk="1" latinLnBrk="0" hangingPunct="1">
+      <a:defRPr sz="1200" kern="1200">
+        <a:solidFill>
+          <a:schemeClr val="tx1"/>
+        </a:solidFill>
+        <a:latin typeface="+mn-lt"/>
+        <a:ea typeface="+mn-ea"/>
+        <a:cs typeface="+mn-cs"/>
+      </a:defRPr>
+    </a:lvl8pPr>
+    <a:lvl9pPr marL="3657600" algn="l" defTabSz="914400" rtl="0" eaLnBrk="1" latinLnBrk="0" hangingPunct="1">
+      <a:defRPr sz="1200" kern="1200">
+        <a:solidFill>
+          <a:schemeClr val="tx1"/>
+        </a:solidFill>
+        <a:latin typeface="+mn-lt"/>
+        <a:ea typeface="+mn-ea"/>
+        <a:cs typeface="+mn-cs"/>
+      </a:defRPr>
+    </a:lvl9pPr>
+  </p:notesStyle>
+</p:notesMaster>
+</file>
+
 <file path=ppt/slideLayouts/slideLayout1.xml><?xml version="1.0" encoding="utf-8"?>
 <p:sldLayout xmlns:a="http://schemas.openxmlformats.org/drawingml/2006/main" xmlns:r="http://schemas.openxmlformats.org/officeDocument/2006/relationships" xmlns:p="http://schemas.openxmlformats.org/presentationml/2006/main" type="title" preserve="1">
   <p:cSld name="標題投影片">
@@ -267,7 +619,7 @@
           <a:bodyPr/>
           <a:lstStyle/>
           <a:p>
-            <a:fld id="{B28AABCA-3EF2-4316-A591-5150F8AE44F4}" type="datetimeFigureOut">
+            <a:fld id="{F1E72881-B085-4AAD-A55D-1CBAB535D640}" type="datetime1">
               <a:rPr lang="zh-TW" altLang="en-US" smtClean="0"/>
               <a:t>2023/10/20</a:t>
             </a:fld>
@@ -465,7 +817,7 @@
           <a:bodyPr/>
           <a:lstStyle/>
           <a:p>
-            <a:fld id="{B28AABCA-3EF2-4316-A591-5150F8AE44F4}" type="datetimeFigureOut">
+            <a:fld id="{9EA985B6-3EED-4641-A930-CEF44AB4597F}" type="datetime1">
               <a:rPr lang="zh-TW" altLang="en-US" smtClean="0"/>
               <a:t>2023/10/20</a:t>
             </a:fld>
@@ -673,7 +1025,7 @@
           <a:bodyPr/>
           <a:lstStyle/>
           <a:p>
-            <a:fld id="{B28AABCA-3EF2-4316-A591-5150F8AE44F4}" type="datetimeFigureOut">
+            <a:fld id="{D6196CD1-4549-4D00-9624-ABA7FD1EE515}" type="datetime1">
               <a:rPr lang="zh-TW" altLang="en-US" smtClean="0"/>
               <a:t>2023/10/20</a:t>
             </a:fld>
@@ -871,7 +1223,7 @@
           <a:bodyPr/>
           <a:lstStyle/>
           <a:p>
-            <a:fld id="{B28AABCA-3EF2-4316-A591-5150F8AE44F4}" type="datetimeFigureOut">
+            <a:fld id="{C29664AA-03C7-4EB8-B215-505C6DB6AF12}" type="datetime1">
               <a:rPr lang="zh-TW" altLang="en-US" smtClean="0"/>
               <a:t>2023/10/20</a:t>
             </a:fld>
@@ -1146,7 +1498,7 @@
           <a:bodyPr/>
           <a:lstStyle/>
           <a:p>
-            <a:fld id="{B28AABCA-3EF2-4316-A591-5150F8AE44F4}" type="datetimeFigureOut">
+            <a:fld id="{5B68D68B-414D-4B7C-A0AB-F04541F3528F}" type="datetime1">
               <a:rPr lang="zh-TW" altLang="en-US" smtClean="0"/>
               <a:t>2023/10/20</a:t>
             </a:fld>
@@ -1411,7 +1763,7 @@
           <a:bodyPr/>
           <a:lstStyle/>
           <a:p>
-            <a:fld id="{B28AABCA-3EF2-4316-A591-5150F8AE44F4}" type="datetimeFigureOut">
+            <a:fld id="{ABD1BC3C-1805-4A4A-BB04-CB053FFF4838}" type="datetime1">
               <a:rPr lang="zh-TW" altLang="en-US" smtClean="0"/>
               <a:t>2023/10/20</a:t>
             </a:fld>
@@ -1823,7 +2175,7 @@
           <a:bodyPr/>
           <a:lstStyle/>
           <a:p>
-            <a:fld id="{B28AABCA-3EF2-4316-A591-5150F8AE44F4}" type="datetimeFigureOut">
+            <a:fld id="{EBC3DFF4-4E9A-4D89-8CB2-63E8D66E7BEA}" type="datetime1">
               <a:rPr lang="zh-TW" altLang="en-US" smtClean="0"/>
               <a:t>2023/10/20</a:t>
             </a:fld>
@@ -1964,7 +2316,7 @@
           <a:bodyPr/>
           <a:lstStyle/>
           <a:p>
-            <a:fld id="{B28AABCA-3EF2-4316-A591-5150F8AE44F4}" type="datetimeFigureOut">
+            <a:fld id="{4165A2B2-CA30-481A-BF54-934D0909E597}" type="datetime1">
               <a:rPr lang="zh-TW" altLang="en-US" smtClean="0"/>
               <a:t>2023/10/20</a:t>
             </a:fld>
@@ -2077,7 +2429,7 @@
           <a:bodyPr/>
           <a:lstStyle/>
           <a:p>
-            <a:fld id="{B28AABCA-3EF2-4316-A591-5150F8AE44F4}" type="datetimeFigureOut">
+            <a:fld id="{1C80B441-82C6-4212-AC62-225E1D09DD4B}" type="datetime1">
               <a:rPr lang="zh-TW" altLang="en-US" smtClean="0"/>
               <a:t>2023/10/20</a:t>
             </a:fld>
@@ -2388,7 +2740,7 @@
           <a:bodyPr/>
           <a:lstStyle/>
           <a:p>
-            <a:fld id="{B28AABCA-3EF2-4316-A591-5150F8AE44F4}" type="datetimeFigureOut">
+            <a:fld id="{4410A6D5-0FC7-4205-98EF-1AFF61C2FECD}" type="datetime1">
               <a:rPr lang="zh-TW" altLang="en-US" smtClean="0"/>
               <a:t>2023/10/20</a:t>
             </a:fld>
@@ -2676,7 +3028,7 @@
           <a:bodyPr/>
           <a:lstStyle/>
           <a:p>
-            <a:fld id="{B28AABCA-3EF2-4316-A591-5150F8AE44F4}" type="datetimeFigureOut">
+            <a:fld id="{EDAC785B-C497-49F3-A1E5-329996178C11}" type="datetime1">
               <a:rPr lang="zh-TW" altLang="en-US" smtClean="0"/>
               <a:t>2023/10/20</a:t>
             </a:fld>
@@ -2917,7 +3269,7 @@
             </a:lvl1pPr>
           </a:lstStyle>
           <a:p>
-            <a:fld id="{B28AABCA-3EF2-4316-A591-5150F8AE44F4}" type="datetimeFigureOut">
+            <a:fld id="{6743F9EB-CDA8-436A-AF50-EDE0BCDCFF12}" type="datetime1">
               <a:rPr lang="zh-TW" altLang="en-US" smtClean="0"/>
               <a:t>2023/10/20</a:t>
             </a:fld>
@@ -3036,6 +3388,7 @@
     <p:sldLayoutId id="2147483658" r:id="rId10"/>
     <p:sldLayoutId id="2147483659" r:id="rId11"/>
   </p:sldLayoutIdLst>
+  <p:hf hdr="0" ftr="0" dt="0"/>
   <p:txStyles>
     <p:titleStyle>
       <a:lvl1pPr algn="l" defTabSz="914400" rtl="0" eaLnBrk="1" latinLnBrk="0" hangingPunct="1">
@@ -3452,6 +3805,35 @@
           </a:p>
         </p:txBody>
       </p:sp>
+      <p:sp>
+        <p:nvSpPr>
+          <p:cNvPr id="2" name="投影片編號版面配置區 1">
+            <a:extLst>
+              <a:ext uri="{FF2B5EF4-FFF2-40B4-BE49-F238E27FC236}">
+                <a16:creationId xmlns:a16="http://schemas.microsoft.com/office/drawing/2014/main" id="{1AE07C28-3FBA-3BCB-3C3B-C35DF1FE0D27}"/>
+              </a:ext>
+            </a:extLst>
+          </p:cNvPr>
+          <p:cNvSpPr>
+            <a:spLocks noGrp="1"/>
+          </p:cNvSpPr>
+          <p:nvPr>
+            <p:ph type="sldNum" sz="quarter" idx="12"/>
+          </p:nvPr>
+        </p:nvSpPr>
+        <p:spPr/>
+        <p:txBody>
+          <a:bodyPr/>
+          <a:lstStyle/>
+          <a:p>
+            <a:fld id="{983C7559-4B51-43AB-8024-A24F832BBAF1}" type="slidenum">
+              <a:rPr lang="zh-TW" altLang="en-US" smtClean="0"/>
+              <a:t>1</a:t>
+            </a:fld>
+            <a:endParaRPr lang="zh-TW" altLang="en-US"/>
+          </a:p>
+        </p:txBody>
+      </p:sp>
     </p:spTree>
     <p:extLst>
       <p:ext uri="{BB962C8B-B14F-4D97-AF65-F5344CB8AC3E}">
@@ -3596,6 +3978,35 @@
           </a:p>
         </p:txBody>
       </p:sp>
+      <p:sp>
+        <p:nvSpPr>
+          <p:cNvPr id="4" name="投影片編號版面配置區 3">
+            <a:extLst>
+              <a:ext uri="{FF2B5EF4-FFF2-40B4-BE49-F238E27FC236}">
+                <a16:creationId xmlns:a16="http://schemas.microsoft.com/office/drawing/2014/main" id="{1C37D99A-E95E-0261-4F74-AFDED05FC0E1}"/>
+              </a:ext>
+            </a:extLst>
+          </p:cNvPr>
+          <p:cNvSpPr>
+            <a:spLocks noGrp="1"/>
+          </p:cNvSpPr>
+          <p:nvPr>
+            <p:ph type="sldNum" sz="quarter" idx="12"/>
+          </p:nvPr>
+        </p:nvSpPr>
+        <p:spPr/>
+        <p:txBody>
+          <a:bodyPr/>
+          <a:lstStyle/>
+          <a:p>
+            <a:fld id="{983C7559-4B51-43AB-8024-A24F832BBAF1}" type="slidenum">
+              <a:rPr lang="zh-TW" altLang="en-US" smtClean="0"/>
+              <a:t>10</a:t>
+            </a:fld>
+            <a:endParaRPr lang="zh-TW" altLang="en-US"/>
+          </a:p>
+        </p:txBody>
+      </p:sp>
     </p:spTree>
     <p:extLst>
       <p:ext uri="{BB962C8B-B14F-4D97-AF65-F5344CB8AC3E}">
@@ -3707,6 +4118,35 @@
               </a:rPr>
               <a:t>模型進行矯正，最後將結果個別在網頁上呈現</a:t>
             </a:r>
+          </a:p>
+        </p:txBody>
+      </p:sp>
+      <p:sp>
+        <p:nvSpPr>
+          <p:cNvPr id="4" name="投影片編號版面配置區 3">
+            <a:extLst>
+              <a:ext uri="{FF2B5EF4-FFF2-40B4-BE49-F238E27FC236}">
+                <a16:creationId xmlns:a16="http://schemas.microsoft.com/office/drawing/2014/main" id="{7F240605-EFCC-E078-4D6E-ABDB8CC72F94}"/>
+              </a:ext>
+            </a:extLst>
+          </p:cNvPr>
+          <p:cNvSpPr>
+            <a:spLocks noGrp="1"/>
+          </p:cNvSpPr>
+          <p:nvPr>
+            <p:ph type="sldNum" sz="quarter" idx="12"/>
+          </p:nvPr>
+        </p:nvSpPr>
+        <p:spPr/>
+        <p:txBody>
+          <a:bodyPr/>
+          <a:lstStyle/>
+          <a:p>
+            <a:fld id="{983C7559-4B51-43AB-8024-A24F832BBAF1}" type="slidenum">
+              <a:rPr lang="zh-TW" altLang="en-US" smtClean="0"/>
+              <a:t>11</a:t>
+            </a:fld>
+            <a:endParaRPr lang="zh-TW" altLang="en-US"/>
           </a:p>
         </p:txBody>
       </p:sp>
@@ -3807,6 +4247,35 @@
           </a:p>
         </p:txBody>
       </p:sp>
+      <p:sp>
+        <p:nvSpPr>
+          <p:cNvPr id="3" name="投影片編號版面配置區 2">
+            <a:extLst>
+              <a:ext uri="{FF2B5EF4-FFF2-40B4-BE49-F238E27FC236}">
+                <a16:creationId xmlns:a16="http://schemas.microsoft.com/office/drawing/2014/main" id="{A9CCB11E-FB1E-252C-506D-2363498B912A}"/>
+              </a:ext>
+            </a:extLst>
+          </p:cNvPr>
+          <p:cNvSpPr>
+            <a:spLocks noGrp="1"/>
+          </p:cNvSpPr>
+          <p:nvPr>
+            <p:ph type="sldNum" sz="quarter" idx="12"/>
+          </p:nvPr>
+        </p:nvSpPr>
+        <p:spPr/>
+        <p:txBody>
+          <a:bodyPr/>
+          <a:lstStyle/>
+          <a:p>
+            <a:fld id="{983C7559-4B51-43AB-8024-A24F832BBAF1}" type="slidenum">
+              <a:rPr lang="zh-TW" altLang="en-US" smtClean="0"/>
+              <a:t>2</a:t>
+            </a:fld>
+            <a:endParaRPr lang="zh-TW" altLang="en-US"/>
+          </a:p>
+        </p:txBody>
+      </p:sp>
     </p:spTree>
     <p:extLst>
       <p:ext uri="{BB962C8B-B14F-4D97-AF65-F5344CB8AC3E}">
@@ -4511,6 +4980,35 @@
           </a:p>
         </p:txBody>
       </p:sp>
+      <p:sp>
+        <p:nvSpPr>
+          <p:cNvPr id="4" name="投影片編號版面配置區 3">
+            <a:extLst>
+              <a:ext uri="{FF2B5EF4-FFF2-40B4-BE49-F238E27FC236}">
+                <a16:creationId xmlns:a16="http://schemas.microsoft.com/office/drawing/2014/main" id="{C1FF685B-6F8E-F4B3-3924-EDE5D2090EFD}"/>
+              </a:ext>
+            </a:extLst>
+          </p:cNvPr>
+          <p:cNvSpPr>
+            <a:spLocks noGrp="1"/>
+          </p:cNvSpPr>
+          <p:nvPr>
+            <p:ph type="sldNum" sz="quarter" idx="12"/>
+          </p:nvPr>
+        </p:nvSpPr>
+        <p:spPr/>
+        <p:txBody>
+          <a:bodyPr/>
+          <a:lstStyle/>
+          <a:p>
+            <a:fld id="{983C7559-4B51-43AB-8024-A24F832BBAF1}" type="slidenum">
+              <a:rPr lang="zh-TW" altLang="en-US" smtClean="0"/>
+              <a:t>3</a:t>
+            </a:fld>
+            <a:endParaRPr lang="zh-TW" altLang="en-US"/>
+          </a:p>
+        </p:txBody>
+      </p:sp>
     </p:spTree>
     <p:extLst>
       <p:ext uri="{BB962C8B-B14F-4D97-AF65-F5344CB8AC3E}">
@@ -4802,6 +5300,35 @@
           </a:p>
         </p:txBody>
       </p:sp>
+      <p:sp>
+        <p:nvSpPr>
+          <p:cNvPr id="3" name="投影片編號版面配置區 2">
+            <a:extLst>
+              <a:ext uri="{FF2B5EF4-FFF2-40B4-BE49-F238E27FC236}">
+                <a16:creationId xmlns:a16="http://schemas.microsoft.com/office/drawing/2014/main" id="{E6890FA6-0AF8-36E0-CA44-B6488432C7A6}"/>
+              </a:ext>
+            </a:extLst>
+          </p:cNvPr>
+          <p:cNvSpPr>
+            <a:spLocks noGrp="1"/>
+          </p:cNvSpPr>
+          <p:nvPr>
+            <p:ph type="sldNum" sz="quarter" idx="12"/>
+          </p:nvPr>
+        </p:nvSpPr>
+        <p:spPr/>
+        <p:txBody>
+          <a:bodyPr/>
+          <a:lstStyle/>
+          <a:p>
+            <a:fld id="{983C7559-4B51-43AB-8024-A24F832BBAF1}" type="slidenum">
+              <a:rPr lang="zh-TW" altLang="en-US" smtClean="0"/>
+              <a:t>4</a:t>
+            </a:fld>
+            <a:endParaRPr lang="zh-TW" altLang="en-US"/>
+          </a:p>
+        </p:txBody>
+      </p:sp>
     </p:spTree>
     <p:extLst>
       <p:ext uri="{BB962C8B-B14F-4D97-AF65-F5344CB8AC3E}">
@@ -5164,6 +5691,35 @@
           </a:prstGeom>
         </p:spPr>
       </p:pic>
+      <p:sp>
+        <p:nvSpPr>
+          <p:cNvPr id="3" name="投影片編號版面配置區 2">
+            <a:extLst>
+              <a:ext uri="{FF2B5EF4-FFF2-40B4-BE49-F238E27FC236}">
+                <a16:creationId xmlns:a16="http://schemas.microsoft.com/office/drawing/2014/main" id="{00937ED3-B360-8C84-5C65-C207B85BBA0A}"/>
+              </a:ext>
+            </a:extLst>
+          </p:cNvPr>
+          <p:cNvSpPr>
+            <a:spLocks noGrp="1"/>
+          </p:cNvSpPr>
+          <p:nvPr>
+            <p:ph type="sldNum" sz="quarter" idx="12"/>
+          </p:nvPr>
+        </p:nvSpPr>
+        <p:spPr/>
+        <p:txBody>
+          <a:bodyPr/>
+          <a:lstStyle/>
+          <a:p>
+            <a:fld id="{983C7559-4B51-43AB-8024-A24F832BBAF1}" type="slidenum">
+              <a:rPr lang="zh-TW" altLang="en-US" smtClean="0"/>
+              <a:t>5</a:t>
+            </a:fld>
+            <a:endParaRPr lang="zh-TW" altLang="en-US"/>
+          </a:p>
+        </p:txBody>
+      </p:sp>
     </p:spTree>
     <p:extLst>
       <p:ext uri="{BB962C8B-B14F-4D97-AF65-F5344CB8AC3E}">
@@ -5352,6 +5908,35 @@
               </a:rPr>
               <a:t>嘗試的解決方法</a:t>
             </a:r>
+          </a:p>
+        </p:txBody>
+      </p:sp>
+      <p:sp>
+        <p:nvSpPr>
+          <p:cNvPr id="2" name="投影片編號版面配置區 1">
+            <a:extLst>
+              <a:ext uri="{FF2B5EF4-FFF2-40B4-BE49-F238E27FC236}">
+                <a16:creationId xmlns:a16="http://schemas.microsoft.com/office/drawing/2014/main" id="{E94C7866-02B9-8822-4BB9-780B1BD81198}"/>
+              </a:ext>
+            </a:extLst>
+          </p:cNvPr>
+          <p:cNvSpPr>
+            <a:spLocks noGrp="1"/>
+          </p:cNvSpPr>
+          <p:nvPr>
+            <p:ph type="sldNum" sz="quarter" idx="12"/>
+          </p:nvPr>
+        </p:nvSpPr>
+        <p:spPr/>
+        <p:txBody>
+          <a:bodyPr/>
+          <a:lstStyle/>
+          <a:p>
+            <a:fld id="{983C7559-4B51-43AB-8024-A24F832BBAF1}" type="slidenum">
+              <a:rPr lang="zh-TW" altLang="en-US" smtClean="0"/>
+              <a:t>6</a:t>
+            </a:fld>
+            <a:endParaRPr lang="zh-TW" altLang="en-US"/>
           </a:p>
         </p:txBody>
       </p:sp>
@@ -5470,6 +6055,35 @@
           </a:prstGeom>
         </p:spPr>
       </p:pic>
+      <p:sp>
+        <p:nvSpPr>
+          <p:cNvPr id="2" name="投影片編號版面配置區 1">
+            <a:extLst>
+              <a:ext uri="{FF2B5EF4-FFF2-40B4-BE49-F238E27FC236}">
+                <a16:creationId xmlns:a16="http://schemas.microsoft.com/office/drawing/2014/main" id="{F5E7AD00-7839-A329-5450-FF67096713FD}"/>
+              </a:ext>
+            </a:extLst>
+          </p:cNvPr>
+          <p:cNvSpPr>
+            <a:spLocks noGrp="1"/>
+          </p:cNvSpPr>
+          <p:nvPr>
+            <p:ph type="sldNum" sz="quarter" idx="12"/>
+          </p:nvPr>
+        </p:nvSpPr>
+        <p:spPr/>
+        <p:txBody>
+          <a:bodyPr/>
+          <a:lstStyle/>
+          <a:p>
+            <a:fld id="{983C7559-4B51-43AB-8024-A24F832BBAF1}" type="slidenum">
+              <a:rPr lang="zh-TW" altLang="en-US" smtClean="0"/>
+              <a:t>7</a:t>
+            </a:fld>
+            <a:endParaRPr lang="zh-TW" altLang="en-US"/>
+          </a:p>
+        </p:txBody>
+      </p:sp>
     </p:spTree>
     <p:extLst>
       <p:ext uri="{BB962C8B-B14F-4D97-AF65-F5344CB8AC3E}">
@@ -5705,6 +6319,35 @@
               </a:rPr>
               <a:t>圖表</a:t>
             </a:r>
+          </a:p>
+        </p:txBody>
+      </p:sp>
+      <p:sp>
+        <p:nvSpPr>
+          <p:cNvPr id="6" name="投影片編號版面配置區 5">
+            <a:extLst>
+              <a:ext uri="{FF2B5EF4-FFF2-40B4-BE49-F238E27FC236}">
+                <a16:creationId xmlns:a16="http://schemas.microsoft.com/office/drawing/2014/main" id="{18A7E256-7317-97C2-8E70-78CDBFD6082E}"/>
+              </a:ext>
+            </a:extLst>
+          </p:cNvPr>
+          <p:cNvSpPr>
+            <a:spLocks noGrp="1"/>
+          </p:cNvSpPr>
+          <p:nvPr>
+            <p:ph type="sldNum" sz="quarter" idx="12"/>
+          </p:nvPr>
+        </p:nvSpPr>
+        <p:spPr/>
+        <p:txBody>
+          <a:bodyPr/>
+          <a:lstStyle/>
+          <a:p>
+            <a:fld id="{983C7559-4B51-43AB-8024-A24F832BBAF1}" type="slidenum">
+              <a:rPr lang="zh-TW" altLang="en-US" smtClean="0"/>
+              <a:t>8</a:t>
+            </a:fld>
+            <a:endParaRPr lang="zh-TW" altLang="en-US"/>
           </a:p>
         </p:txBody>
       </p:sp>
@@ -6638,6 +7281,35 @@
           </a:fontRef>
         </p:style>
       </p:cxnSp>
+      <p:sp>
+        <p:nvSpPr>
+          <p:cNvPr id="2" name="投影片編號版面配置區 1">
+            <a:extLst>
+              <a:ext uri="{FF2B5EF4-FFF2-40B4-BE49-F238E27FC236}">
+                <a16:creationId xmlns:a16="http://schemas.microsoft.com/office/drawing/2014/main" id="{D1EC80B0-82AB-E48C-1088-FD6DBDD155B1}"/>
+              </a:ext>
+            </a:extLst>
+          </p:cNvPr>
+          <p:cNvSpPr>
+            <a:spLocks noGrp="1"/>
+          </p:cNvSpPr>
+          <p:nvPr>
+            <p:ph type="sldNum" sz="quarter" idx="12"/>
+          </p:nvPr>
+        </p:nvSpPr>
+        <p:spPr/>
+        <p:txBody>
+          <a:bodyPr/>
+          <a:lstStyle/>
+          <a:p>
+            <a:fld id="{983C7559-4B51-43AB-8024-A24F832BBAF1}" type="slidenum">
+              <a:rPr lang="zh-TW" altLang="en-US" smtClean="0"/>
+              <a:t>9</a:t>
+            </a:fld>
+            <a:endParaRPr lang="zh-TW" altLang="en-US"/>
+          </a:p>
+        </p:txBody>
+      </p:sp>
     </p:spTree>
     <p:extLst>
       <p:ext uri="{BB962C8B-B14F-4D97-AF65-F5344CB8AC3E}">
@@ -6944,4 +7616,299 @@
     </a:ext>
   </a:extLst>
 </a:theme>
+</file>
+
+<file path=ppt/theme/theme2.xml><?xml version="1.0" encoding="utf-8"?>
+<a:theme xmlns:a="http://schemas.openxmlformats.org/drawingml/2006/main" name="Office 佈景主題">
+  <a:themeElements>
+    <a:clrScheme name="Office">
+      <a:dk1>
+        <a:sysClr val="windowText" lastClr="000000"/>
+      </a:dk1>
+      <a:lt1>
+        <a:sysClr val="window" lastClr="FFFFFF"/>
+      </a:lt1>
+      <a:dk2>
+        <a:srgbClr val="44546A"/>
+      </a:dk2>
+      <a:lt2>
+        <a:srgbClr val="E7E6E6"/>
+      </a:lt2>
+      <a:accent1>
+        <a:srgbClr val="4472C4"/>
+      </a:accent1>
+      <a:accent2>
+        <a:srgbClr val="ED7D31"/>
+      </a:accent2>
+      <a:accent3>
+        <a:srgbClr val="A5A5A5"/>
+      </a:accent3>
+      <a:accent4>
+        <a:srgbClr val="FFC000"/>
+      </a:accent4>
+      <a:accent5>
+        <a:srgbClr val="5B9BD5"/>
+      </a:accent5>
+      <a:accent6>
+        <a:srgbClr val="70AD47"/>
+      </a:accent6>
+      <a:hlink>
+        <a:srgbClr val="0563C1"/>
+      </a:hlink>
+      <a:folHlink>
+        <a:srgbClr val="954F72"/>
+      </a:folHlink>
+    </a:clrScheme>
+    <a:fontScheme name="Office">
+      <a:majorFont>
+        <a:latin typeface="Calibri Light" panose="020F0302020204030204"/>
+        <a:ea typeface=""/>
+        <a:cs typeface=""/>
+        <a:font script="Jpan" typeface="游ゴシック Light"/>
+        <a:font script="Hang" typeface="맑은 고딕"/>
+        <a:font script="Hans" typeface="等线 Light"/>
+        <a:font script="Hant" typeface="新細明體"/>
+        <a:font script="Arab" typeface="Times New Roman"/>
+        <a:font script="Hebr" typeface="Times New Roman"/>
+        <a:font script="Thai" typeface="Angsana New"/>
+        <a:font script="Ethi" typeface="Nyala"/>
+        <a:font script="Beng" typeface="Vrinda"/>
+        <a:font script="Gujr" typeface="Shruti"/>
+        <a:font script="Khmr" typeface="MoolBoran"/>
+        <a:font script="Knda" typeface="Tunga"/>
+        <a:font script="Guru" typeface="Raavi"/>
+        <a:font script="Cans" typeface="Euphemia"/>
+        <a:font script="Cher" typeface="Plantagenet Cherokee"/>
+        <a:font script="Yiii" typeface="Microsoft Yi Baiti"/>
+        <a:font script="Tibt" typeface="Microsoft Himalaya"/>
+        <a:font script="Thaa" typeface="MV Boli"/>
+        <a:font script="Deva" typeface="Mangal"/>
+        <a:font script="Telu" typeface="Gautami"/>
+        <a:font script="Taml" typeface="Latha"/>
+        <a:font script="Syrc" typeface="Estrangelo Edessa"/>
+        <a:font script="Orya" typeface="Kalinga"/>
+        <a:font script="Mlym" typeface="Kartika"/>
+        <a:font script="Laoo" typeface="DokChampa"/>
+        <a:font script="Sinh" typeface="Iskoola Pota"/>
+        <a:font script="Mong" typeface="Mongolian Baiti"/>
+        <a:font script="Viet" typeface="Times New Roman"/>
+        <a:font script="Uigh" typeface="Microsoft Uighur"/>
+        <a:font script="Geor" typeface="Sylfaen"/>
+        <a:font script="Armn" typeface="Arial"/>
+        <a:font script="Bugi" typeface="Leelawadee UI"/>
+        <a:font script="Bopo" typeface="Microsoft JhengHei"/>
+        <a:font script="Java" typeface="Javanese Text"/>
+        <a:font script="Lisu" typeface="Segoe UI"/>
+        <a:font script="Mymr" typeface="Myanmar Text"/>
+        <a:font script="Nkoo" typeface="Ebrima"/>
+        <a:font script="Olck" typeface="Nirmala UI"/>
+        <a:font script="Osma" typeface="Ebrima"/>
+        <a:font script="Phag" typeface="Phagspa"/>
+        <a:font script="Syrn" typeface="Estrangelo Edessa"/>
+        <a:font script="Syrj" typeface="Estrangelo Edessa"/>
+        <a:font script="Syre" typeface="Estrangelo Edessa"/>
+        <a:font script="Sora" typeface="Nirmala UI"/>
+        <a:font script="Tale" typeface="Microsoft Tai Le"/>
+        <a:font script="Talu" typeface="Microsoft New Tai Lue"/>
+        <a:font script="Tfng" typeface="Ebrima"/>
+      </a:majorFont>
+      <a:minorFont>
+        <a:latin typeface="Calibri" panose="020F0502020204030204"/>
+        <a:ea typeface=""/>
+        <a:cs typeface=""/>
+        <a:font script="Jpan" typeface="游ゴシック"/>
+        <a:font script="Hang" typeface="맑은 고딕"/>
+        <a:font script="Hans" typeface="等线"/>
+        <a:font script="Hant" typeface="新細明體"/>
+        <a:font script="Arab" typeface="Arial"/>
+        <a:font script="Hebr" typeface="Arial"/>
+        <a:font script="Thai" typeface="Cordia New"/>
+        <a:font script="Ethi" typeface="Nyala"/>
+        <a:font script="Beng" typeface="Vrinda"/>
+        <a:font script="Gujr" typeface="Shruti"/>
+        <a:font script="Khmr" typeface="DaunPenh"/>
+        <a:font script="Knda" typeface="Tunga"/>
+        <a:font script="Guru" typeface="Raavi"/>
+        <a:font script="Cans" typeface="Euphemia"/>
+        <a:font script="Cher" typeface="Plantagenet Cherokee"/>
+        <a:font script="Yiii" typeface="Microsoft Yi Baiti"/>
+        <a:font script="Tibt" typeface="Microsoft Himalaya"/>
+        <a:font script="Thaa" typeface="MV Boli"/>
+        <a:font script="Deva" typeface="Mangal"/>
+        <a:font script="Telu" typeface="Gautami"/>
+        <a:font script="Taml" typeface="Latha"/>
+        <a:font script="Syrc" typeface="Estrangelo Edessa"/>
+        <a:font script="Orya" typeface="Kalinga"/>
+        <a:font script="Mlym" typeface="Kartika"/>
+        <a:font script="Laoo" typeface="DokChampa"/>
+        <a:font script="Sinh" typeface="Iskoola Pota"/>
+        <a:font script="Mong" typeface="Mongolian Baiti"/>
+        <a:font script="Viet" typeface="Arial"/>
+        <a:font script="Uigh" typeface="Microsoft Uighur"/>
+        <a:font script="Geor" typeface="Sylfaen"/>
+        <a:font script="Armn" typeface="Arial"/>
+        <a:font script="Bugi" typeface="Leelawadee UI"/>
+        <a:font script="Bopo" typeface="Microsoft JhengHei"/>
+        <a:font script="Java" typeface="Javanese Text"/>
+        <a:font script="Lisu" typeface="Segoe UI"/>
+        <a:font script="Mymr" typeface="Myanmar Text"/>
+        <a:font script="Nkoo" typeface="Ebrima"/>
+        <a:font script="Olck" typeface="Nirmala UI"/>
+        <a:font script="Osma" typeface="Ebrima"/>
+        <a:font script="Phag" typeface="Phagspa"/>
+        <a:font script="Syrn" typeface="Estrangelo Edessa"/>
+        <a:font script="Syrj" typeface="Estrangelo Edessa"/>
+        <a:font script="Syre" typeface="Estrangelo Edessa"/>
+        <a:font script="Sora" typeface="Nirmala UI"/>
+        <a:font script="Tale" typeface="Microsoft Tai Le"/>
+        <a:font script="Talu" typeface="Microsoft New Tai Lue"/>
+        <a:font script="Tfng" typeface="Ebrima"/>
+      </a:minorFont>
+    </a:fontScheme>
+    <a:fmtScheme name="Office">
+      <a:fillStyleLst>
+        <a:solidFill>
+          <a:schemeClr val="phClr"/>
+        </a:solidFill>
+        <a:gradFill rotWithShape="1">
+          <a:gsLst>
+            <a:gs pos="0">
+              <a:schemeClr val="phClr">
+                <a:lumMod val="110000"/>
+                <a:satMod val="105000"/>
+                <a:tint val="67000"/>
+              </a:schemeClr>
+            </a:gs>
+            <a:gs pos="50000">
+              <a:schemeClr val="phClr">
+                <a:lumMod val="105000"/>
+                <a:satMod val="103000"/>
+                <a:tint val="73000"/>
+              </a:schemeClr>
+            </a:gs>
+            <a:gs pos="100000">
+              <a:schemeClr val="phClr">
+                <a:lumMod val="105000"/>
+                <a:satMod val="109000"/>
+                <a:tint val="81000"/>
+              </a:schemeClr>
+            </a:gs>
+          </a:gsLst>
+          <a:lin ang="5400000" scaled="0"/>
+        </a:gradFill>
+        <a:gradFill rotWithShape="1">
+          <a:gsLst>
+            <a:gs pos="0">
+              <a:schemeClr val="phClr">
+                <a:satMod val="103000"/>
+                <a:lumMod val="102000"/>
+                <a:tint val="94000"/>
+              </a:schemeClr>
+            </a:gs>
+            <a:gs pos="50000">
+              <a:schemeClr val="phClr">
+                <a:satMod val="110000"/>
+                <a:lumMod val="100000"/>
+                <a:shade val="100000"/>
+              </a:schemeClr>
+            </a:gs>
+            <a:gs pos="100000">
+              <a:schemeClr val="phClr">
+                <a:lumMod val="99000"/>
+                <a:satMod val="120000"/>
+                <a:shade val="78000"/>
+              </a:schemeClr>
+            </a:gs>
+          </a:gsLst>
+          <a:lin ang="5400000" scaled="0"/>
+        </a:gradFill>
+      </a:fillStyleLst>
+      <a:lnStyleLst>
+        <a:ln w="6350" cap="flat" cmpd="sng" algn="ctr">
+          <a:solidFill>
+            <a:schemeClr val="phClr"/>
+          </a:solidFill>
+          <a:prstDash val="solid"/>
+          <a:miter lim="800000"/>
+        </a:ln>
+        <a:ln w="12700" cap="flat" cmpd="sng" algn="ctr">
+          <a:solidFill>
+            <a:schemeClr val="phClr"/>
+          </a:solidFill>
+          <a:prstDash val="solid"/>
+          <a:miter lim="800000"/>
+        </a:ln>
+        <a:ln w="19050" cap="flat" cmpd="sng" algn="ctr">
+          <a:solidFill>
+            <a:schemeClr val="phClr"/>
+          </a:solidFill>
+          <a:prstDash val="solid"/>
+          <a:miter lim="800000"/>
+        </a:ln>
+      </a:lnStyleLst>
+      <a:effectStyleLst>
+        <a:effectStyle>
+          <a:effectLst/>
+        </a:effectStyle>
+        <a:effectStyle>
+          <a:effectLst/>
+        </a:effectStyle>
+        <a:effectStyle>
+          <a:effectLst>
+            <a:outerShdw blurRad="57150" dist="19050" dir="5400000" algn="ctr" rotWithShape="0">
+              <a:srgbClr val="000000">
+                <a:alpha val="63000"/>
+              </a:srgbClr>
+            </a:outerShdw>
+          </a:effectLst>
+        </a:effectStyle>
+      </a:effectStyleLst>
+      <a:bgFillStyleLst>
+        <a:solidFill>
+          <a:schemeClr val="phClr"/>
+        </a:solidFill>
+        <a:solidFill>
+          <a:schemeClr val="phClr">
+            <a:tint val="95000"/>
+            <a:satMod val="170000"/>
+          </a:schemeClr>
+        </a:solidFill>
+        <a:gradFill rotWithShape="1">
+          <a:gsLst>
+            <a:gs pos="0">
+              <a:schemeClr val="phClr">
+                <a:tint val="93000"/>
+                <a:satMod val="150000"/>
+                <a:shade val="98000"/>
+                <a:lumMod val="102000"/>
+              </a:schemeClr>
+            </a:gs>
+            <a:gs pos="50000">
+              <a:schemeClr val="phClr">
+                <a:tint val="98000"/>
+                <a:satMod val="130000"/>
+                <a:shade val="90000"/>
+                <a:lumMod val="103000"/>
+              </a:schemeClr>
+            </a:gs>
+            <a:gs pos="100000">
+              <a:schemeClr val="phClr">
+                <a:shade val="63000"/>
+                <a:satMod val="120000"/>
+              </a:schemeClr>
+            </a:gs>
+          </a:gsLst>
+          <a:lin ang="5400000" scaled="0"/>
+        </a:gradFill>
+      </a:bgFillStyleLst>
+    </a:fmtScheme>
+  </a:themeElements>
+  <a:objectDefaults/>
+  <a:extraClrSchemeLst/>
+  <a:extLst>
+    <a:ext uri="{05A4C25C-085E-4340-85A3-A5531E510DB2}">
+      <thm15:themeFamily xmlns:thm15="http://schemas.microsoft.com/office/thememl/2012/main" name="Office Theme" id="{62F939B6-93AF-4DB8-9C6B-D6C7DFDC589F}" vid="{4A3C46E8-61CC-4603-A589-7422A47A8E4A}"/>
+    </a:ext>
+  </a:extLst>
+</a:theme>
 </file>
--- a/week6進度報告.pptx
+++ b/week6進度報告.pptx
@@ -11,11 +11,16 @@
     <p:sldId id="296" r:id="rId5"/>
     <p:sldId id="298" r:id="rId6"/>
     <p:sldId id="299" r:id="rId7"/>
-    <p:sldId id="297" r:id="rId8"/>
-    <p:sldId id="294" r:id="rId9"/>
-    <p:sldId id="265" r:id="rId10"/>
-    <p:sldId id="293" r:id="rId11"/>
-    <p:sldId id="266" r:id="rId12"/>
+    <p:sldId id="300" r:id="rId8"/>
+    <p:sldId id="301" r:id="rId9"/>
+    <p:sldId id="302" r:id="rId10"/>
+    <p:sldId id="304" r:id="rId11"/>
+    <p:sldId id="305" r:id="rId12"/>
+    <p:sldId id="306" r:id="rId13"/>
+    <p:sldId id="294" r:id="rId14"/>
+    <p:sldId id="265" r:id="rId15"/>
+    <p:sldId id="293" r:id="rId16"/>
+    <p:sldId id="266" r:id="rId17"/>
   </p:sldIdLst>
   <p:sldSz cx="12192000" cy="6858000"/>
   <p:notesSz cx="6858000" cy="9144000"/>
@@ -3484,6 +3489,1818 @@
       </p:grpSpPr>
       <p:sp>
         <p:nvSpPr>
+          <p:cNvPr id="4" name="標題 1">
+            <a:extLst>
+              <a:ext uri="{FF2B5EF4-FFF2-40B4-BE49-F238E27FC236}">
+                <a16:creationId xmlns:a16="http://schemas.microsoft.com/office/drawing/2014/main" id="{842518F5-CC49-DAD2-6D17-74EDB8B7B9AD}"/>
+              </a:ext>
+            </a:extLst>
+          </p:cNvPr>
+          <p:cNvSpPr>
+            <a:spLocks noGrp="1"/>
+          </p:cNvSpPr>
+          <p:nvPr>
+            <p:ph type="title"/>
+          </p:nvPr>
+        </p:nvSpPr>
+        <p:spPr>
+          <a:xfrm>
+            <a:off x="838200" y="365125"/>
+            <a:ext cx="10515600" cy="1325563"/>
+          </a:xfrm>
+        </p:spPr>
+        <p:txBody>
+          <a:bodyPr/>
+          <a:lstStyle/>
+          <a:p>
+            <a:pPr algn="ctr"/>
+            <a:r>
+              <a:rPr lang="zh-TW" altLang="en-US" dirty="0">
+                <a:latin typeface="標楷體" panose="03000509000000000000" pitchFamily="65" charset="-120"/>
+                <a:ea typeface="標楷體" panose="03000509000000000000" pitchFamily="65" charset="-120"/>
+              </a:rPr>
+              <a:t>獨立測試集的測試結果</a:t>
+            </a:r>
+          </a:p>
+        </p:txBody>
+      </p:sp>
+      <p:pic>
+        <p:nvPicPr>
+          <p:cNvPr id="2" name="圖片 1">
+            <a:extLst>
+              <a:ext uri="{FF2B5EF4-FFF2-40B4-BE49-F238E27FC236}">
+                <a16:creationId xmlns:a16="http://schemas.microsoft.com/office/drawing/2014/main" id="{B43B0C08-AD08-8278-93DE-D5DF32C648E2}"/>
+              </a:ext>
+            </a:extLst>
+          </p:cNvPr>
+          <p:cNvPicPr>
+            <a:picLocks noChangeAspect="1"/>
+          </p:cNvPicPr>
+          <p:nvPr/>
+        </p:nvPicPr>
+        <p:blipFill>
+          <a:blip r:embed="rId2"/>
+          <a:stretch>
+            <a:fillRect/>
+          </a:stretch>
+        </p:blipFill>
+        <p:spPr>
+          <a:xfrm>
+            <a:off x="289689" y="1560536"/>
+            <a:ext cx="6164832" cy="1835331"/>
+          </a:xfrm>
+          <a:prstGeom prst="rect">
+            <a:avLst/>
+          </a:prstGeom>
+        </p:spPr>
+      </p:pic>
+      <p:pic>
+        <p:nvPicPr>
+          <p:cNvPr id="7" name="圖片 6">
+            <a:extLst>
+              <a:ext uri="{FF2B5EF4-FFF2-40B4-BE49-F238E27FC236}">
+                <a16:creationId xmlns:a16="http://schemas.microsoft.com/office/drawing/2014/main" id="{62100DBB-27D8-7017-2E17-DD50248EAB8E}"/>
+              </a:ext>
+            </a:extLst>
+          </p:cNvPr>
+          <p:cNvPicPr>
+            <a:picLocks noChangeAspect="1"/>
+          </p:cNvPicPr>
+          <p:nvPr/>
+        </p:nvPicPr>
+        <p:blipFill>
+          <a:blip r:embed="rId3"/>
+          <a:stretch>
+            <a:fillRect/>
+          </a:stretch>
+        </p:blipFill>
+        <p:spPr>
+          <a:xfrm>
+            <a:off x="6640704" y="1478129"/>
+            <a:ext cx="5064741" cy="2205407"/>
+          </a:xfrm>
+          <a:prstGeom prst="rect">
+            <a:avLst/>
+          </a:prstGeom>
+        </p:spPr>
+      </p:pic>
+      <p:cxnSp>
+        <p:nvCxnSpPr>
+          <p:cNvPr id="9" name="直線接點 8">
+            <a:extLst>
+              <a:ext uri="{FF2B5EF4-FFF2-40B4-BE49-F238E27FC236}">
+                <a16:creationId xmlns:a16="http://schemas.microsoft.com/office/drawing/2014/main" id="{F2939719-FF59-865A-B1BB-28DFA0FD638D}"/>
+              </a:ext>
+            </a:extLst>
+          </p:cNvPr>
+          <p:cNvCxnSpPr/>
+          <p:nvPr/>
+        </p:nvCxnSpPr>
+        <p:spPr>
+          <a:xfrm>
+            <a:off x="6640704" y="3187336"/>
+            <a:ext cx="4606834" cy="0"/>
+          </a:xfrm>
+          <a:prstGeom prst="line">
+            <a:avLst/>
+          </a:prstGeom>
+        </p:spPr>
+        <p:style>
+          <a:lnRef idx="3">
+            <a:schemeClr val="accent2"/>
+          </a:lnRef>
+          <a:fillRef idx="0">
+            <a:schemeClr val="accent2"/>
+          </a:fillRef>
+          <a:effectRef idx="2">
+            <a:schemeClr val="accent2"/>
+          </a:effectRef>
+          <a:fontRef idx="minor">
+            <a:schemeClr val="tx1"/>
+          </a:fontRef>
+        </p:style>
+      </p:cxnSp>
+      <p:pic>
+        <p:nvPicPr>
+          <p:cNvPr id="10" name="圖片 9">
+            <a:extLst>
+              <a:ext uri="{FF2B5EF4-FFF2-40B4-BE49-F238E27FC236}">
+                <a16:creationId xmlns:a16="http://schemas.microsoft.com/office/drawing/2014/main" id="{E76BD2B2-1E4B-ED02-AEE5-A230F9A7579C}"/>
+              </a:ext>
+            </a:extLst>
+          </p:cNvPr>
+          <p:cNvPicPr>
+            <a:picLocks noChangeAspect="1"/>
+          </p:cNvPicPr>
+          <p:nvPr/>
+        </p:nvPicPr>
+        <p:blipFill>
+          <a:blip r:embed="rId4"/>
+          <a:stretch>
+            <a:fillRect/>
+          </a:stretch>
+        </p:blipFill>
+        <p:spPr>
+          <a:xfrm>
+            <a:off x="1453320" y="3730025"/>
+            <a:ext cx="9285360" cy="1414499"/>
+          </a:xfrm>
+          <a:prstGeom prst="rect">
+            <a:avLst/>
+          </a:prstGeom>
+        </p:spPr>
+      </p:pic>
+      <p:pic>
+        <p:nvPicPr>
+          <p:cNvPr id="12" name="圖片 11">
+            <a:extLst>
+              <a:ext uri="{FF2B5EF4-FFF2-40B4-BE49-F238E27FC236}">
+                <a16:creationId xmlns:a16="http://schemas.microsoft.com/office/drawing/2014/main" id="{7A1C2EF1-D659-081C-52FB-83AF43674F88}"/>
+              </a:ext>
+            </a:extLst>
+          </p:cNvPr>
+          <p:cNvPicPr>
+            <a:picLocks noChangeAspect="1"/>
+          </p:cNvPicPr>
+          <p:nvPr/>
+        </p:nvPicPr>
+        <p:blipFill>
+          <a:blip r:embed="rId5"/>
+          <a:stretch>
+            <a:fillRect/>
+          </a:stretch>
+        </p:blipFill>
+        <p:spPr>
+          <a:xfrm>
+            <a:off x="1453320" y="5180184"/>
+            <a:ext cx="9285360" cy="1416648"/>
+          </a:xfrm>
+          <a:prstGeom prst="rect">
+            <a:avLst/>
+          </a:prstGeom>
+        </p:spPr>
+      </p:pic>
+      <p:cxnSp>
+        <p:nvCxnSpPr>
+          <p:cNvPr id="14" name="直線接點 13">
+            <a:extLst>
+              <a:ext uri="{FF2B5EF4-FFF2-40B4-BE49-F238E27FC236}">
+                <a16:creationId xmlns:a16="http://schemas.microsoft.com/office/drawing/2014/main" id="{623B38BF-5DC9-59C8-8124-A1B66A027C1E}"/>
+              </a:ext>
+            </a:extLst>
+          </p:cNvPr>
+          <p:cNvCxnSpPr/>
+          <p:nvPr/>
+        </p:nvCxnSpPr>
+        <p:spPr>
+          <a:xfrm>
+            <a:off x="6714309" y="3429000"/>
+            <a:ext cx="4406537" cy="0"/>
+          </a:xfrm>
+          <a:prstGeom prst="line">
+            <a:avLst/>
+          </a:prstGeom>
+        </p:spPr>
+        <p:style>
+          <a:lnRef idx="3">
+            <a:schemeClr val="accent2"/>
+          </a:lnRef>
+          <a:fillRef idx="0">
+            <a:schemeClr val="accent2"/>
+          </a:fillRef>
+          <a:effectRef idx="2">
+            <a:schemeClr val="accent2"/>
+          </a:effectRef>
+          <a:fontRef idx="minor">
+            <a:schemeClr val="tx1"/>
+          </a:fontRef>
+        </p:style>
+      </p:cxnSp>
+    </p:spTree>
+    <p:extLst>
+      <p:ext uri="{BB962C8B-B14F-4D97-AF65-F5344CB8AC3E}">
+        <p14:creationId xmlns:p14="http://schemas.microsoft.com/office/powerpoint/2010/main" val="3501512748"/>
+      </p:ext>
+    </p:extLst>
+  </p:cSld>
+  <p:clrMapOvr>
+    <a:masterClrMapping/>
+  </p:clrMapOvr>
+</p:sld>
+</file>
+
+<file path=ppt/slides/slide11.xml><?xml version="1.0" encoding="utf-8"?>
+<p:sld xmlns:a="http://schemas.openxmlformats.org/drawingml/2006/main" xmlns:r="http://schemas.openxmlformats.org/officeDocument/2006/relationships" xmlns:p="http://schemas.openxmlformats.org/presentationml/2006/main">
+  <p:cSld>
+    <p:spTree>
+      <p:nvGrpSpPr>
+        <p:cNvPr id="1" name=""/>
+        <p:cNvGrpSpPr/>
+        <p:nvPr/>
+      </p:nvGrpSpPr>
+      <p:grpSpPr>
+        <a:xfrm>
+          <a:off x="0" y="0"/>
+          <a:ext cx="0" cy="0"/>
+          <a:chOff x="0" y="0"/>
+          <a:chExt cx="0" cy="0"/>
+        </a:xfrm>
+      </p:grpSpPr>
+      <p:sp>
+        <p:nvSpPr>
+          <p:cNvPr id="2" name="標題 1">
+            <a:extLst>
+              <a:ext uri="{FF2B5EF4-FFF2-40B4-BE49-F238E27FC236}">
+                <a16:creationId xmlns:a16="http://schemas.microsoft.com/office/drawing/2014/main" id="{F0EB2975-F583-E926-4C44-A1CCB1E7F898}"/>
+              </a:ext>
+            </a:extLst>
+          </p:cNvPr>
+          <p:cNvSpPr>
+            <a:spLocks noGrp="1"/>
+          </p:cNvSpPr>
+          <p:nvPr>
+            <p:ph type="title"/>
+          </p:nvPr>
+        </p:nvSpPr>
+        <p:spPr/>
+        <p:txBody>
+          <a:bodyPr/>
+          <a:lstStyle/>
+          <a:p>
+            <a:pPr algn="ctr"/>
+            <a:r>
+              <a:rPr lang="zh-TW" altLang="en-US" dirty="0">
+                <a:latin typeface="標楷體" panose="03000509000000000000" pitchFamily="65" charset="-120"/>
+                <a:ea typeface="標楷體" panose="03000509000000000000" pitchFamily="65" charset="-120"/>
+              </a:rPr>
+              <a:t>過寬</a:t>
+            </a:r>
+            <a:r>
+              <a:rPr lang="en-US" altLang="zh-TW" dirty="0">
+                <a:latin typeface="標楷體" panose="03000509000000000000" pitchFamily="65" charset="-120"/>
+                <a:ea typeface="標楷體" panose="03000509000000000000" pitchFamily="65" charset="-120"/>
+              </a:rPr>
+              <a:t>_</a:t>
+            </a:r>
+            <a:r>
+              <a:rPr lang="zh-TW" altLang="en-US" dirty="0">
+                <a:latin typeface="標楷體" panose="03000509000000000000" pitchFamily="65" charset="-120"/>
+                <a:ea typeface="標楷體" panose="03000509000000000000" pitchFamily="65" charset="-120"/>
+              </a:rPr>
+              <a:t>標準訓練集</a:t>
+            </a:r>
+          </a:p>
+        </p:txBody>
+      </p:sp>
+      <p:sp>
+        <p:nvSpPr>
+          <p:cNvPr id="3" name="內容版面配置區 2">
+            <a:extLst>
+              <a:ext uri="{FF2B5EF4-FFF2-40B4-BE49-F238E27FC236}">
+                <a16:creationId xmlns:a16="http://schemas.microsoft.com/office/drawing/2014/main" id="{9FA11F7C-2E32-3141-324C-98A05A676B46}"/>
+              </a:ext>
+            </a:extLst>
+          </p:cNvPr>
+          <p:cNvSpPr>
+            <a:spLocks noGrp="1"/>
+          </p:cNvSpPr>
+          <p:nvPr>
+            <p:ph idx="1"/>
+          </p:nvPr>
+        </p:nvSpPr>
+        <p:spPr>
+          <a:xfrm>
+            <a:off x="358958" y="1555659"/>
+            <a:ext cx="11615327" cy="4351338"/>
+          </a:xfrm>
+        </p:spPr>
+        <p:txBody>
+          <a:bodyPr/>
+          <a:lstStyle/>
+          <a:p>
+            <a:pPr marL="0" indent="0">
+              <a:buNone/>
+            </a:pPr>
+            <a:r>
+              <a:rPr lang="zh-TW" altLang="en-US" dirty="0">
+                <a:latin typeface="標楷體" panose="03000509000000000000" pitchFamily="65" charset="-120"/>
+                <a:ea typeface="標楷體" panose="03000509000000000000" pitchFamily="65" charset="-120"/>
+              </a:rPr>
+              <a:t>    一部分訓練集雙腳距離不夠寬                  合格的資料  </a:t>
+            </a:r>
+          </a:p>
+        </p:txBody>
+      </p:sp>
+      <p:pic>
+        <p:nvPicPr>
+          <p:cNvPr id="5" name="圖片 4">
+            <a:extLst>
+              <a:ext uri="{FF2B5EF4-FFF2-40B4-BE49-F238E27FC236}">
+                <a16:creationId xmlns:a16="http://schemas.microsoft.com/office/drawing/2014/main" id="{8DA03EFF-AA9C-66A7-B141-CAAB67B4BA36}"/>
+              </a:ext>
+            </a:extLst>
+          </p:cNvPr>
+          <p:cNvPicPr>
+            <a:picLocks noChangeAspect="1"/>
+          </p:cNvPicPr>
+          <p:nvPr/>
+        </p:nvPicPr>
+        <p:blipFill>
+          <a:blip r:embed="rId2"/>
+          <a:stretch>
+            <a:fillRect/>
+          </a:stretch>
+        </p:blipFill>
+        <p:spPr>
+          <a:xfrm>
+            <a:off x="0" y="2231251"/>
+            <a:ext cx="3029149" cy="4453211"/>
+          </a:xfrm>
+          <a:prstGeom prst="rect">
+            <a:avLst/>
+          </a:prstGeom>
+        </p:spPr>
+      </p:pic>
+      <p:pic>
+        <p:nvPicPr>
+          <p:cNvPr id="7" name="圖片 6">
+            <a:extLst>
+              <a:ext uri="{FF2B5EF4-FFF2-40B4-BE49-F238E27FC236}">
+                <a16:creationId xmlns:a16="http://schemas.microsoft.com/office/drawing/2014/main" id="{CDE59756-954E-4769-BC80-B1AE58FDA4C2}"/>
+              </a:ext>
+            </a:extLst>
+          </p:cNvPr>
+          <p:cNvPicPr>
+            <a:picLocks noChangeAspect="1"/>
+          </p:cNvPicPr>
+          <p:nvPr/>
+        </p:nvPicPr>
+        <p:blipFill>
+          <a:blip r:embed="rId3"/>
+          <a:stretch>
+            <a:fillRect/>
+          </a:stretch>
+        </p:blipFill>
+        <p:spPr>
+          <a:xfrm>
+            <a:off x="3197314" y="2273559"/>
+            <a:ext cx="3619691" cy="4368594"/>
+          </a:xfrm>
+          <a:prstGeom prst="rect">
+            <a:avLst/>
+          </a:prstGeom>
+        </p:spPr>
+      </p:pic>
+      <p:pic>
+        <p:nvPicPr>
+          <p:cNvPr id="9" name="圖片 8">
+            <a:extLst>
+              <a:ext uri="{FF2B5EF4-FFF2-40B4-BE49-F238E27FC236}">
+                <a16:creationId xmlns:a16="http://schemas.microsoft.com/office/drawing/2014/main" id="{EF7347F5-443B-57F4-13BA-6AD5E6053FDB}"/>
+              </a:ext>
+            </a:extLst>
+          </p:cNvPr>
+          <p:cNvPicPr>
+            <a:picLocks noChangeAspect="1"/>
+          </p:cNvPicPr>
+          <p:nvPr/>
+        </p:nvPicPr>
+        <p:blipFill>
+          <a:blip r:embed="rId4"/>
+          <a:stretch>
+            <a:fillRect/>
+          </a:stretch>
+        </p:blipFill>
+        <p:spPr>
+          <a:xfrm>
+            <a:off x="7925489" y="2314445"/>
+            <a:ext cx="3976813" cy="4327708"/>
+          </a:xfrm>
+          <a:prstGeom prst="rect">
+            <a:avLst/>
+          </a:prstGeom>
+        </p:spPr>
+      </p:pic>
+    </p:spTree>
+    <p:extLst>
+      <p:ext uri="{BB962C8B-B14F-4D97-AF65-F5344CB8AC3E}">
+        <p14:creationId xmlns:p14="http://schemas.microsoft.com/office/powerpoint/2010/main" val="3941865218"/>
+      </p:ext>
+    </p:extLst>
+  </p:cSld>
+  <p:clrMapOvr>
+    <a:masterClrMapping/>
+  </p:clrMapOvr>
+</p:sld>
+</file>
+
+<file path=ppt/slides/slide12.xml><?xml version="1.0" encoding="utf-8"?>
+<p:sld xmlns:a="http://schemas.openxmlformats.org/drawingml/2006/main" xmlns:r="http://schemas.openxmlformats.org/officeDocument/2006/relationships" xmlns:p="http://schemas.openxmlformats.org/presentationml/2006/main">
+  <p:cSld>
+    <p:spTree>
+      <p:nvGrpSpPr>
+        <p:cNvPr id="1" name=""/>
+        <p:cNvGrpSpPr/>
+        <p:nvPr/>
+      </p:nvGrpSpPr>
+      <p:grpSpPr>
+        <a:xfrm>
+          <a:off x="0" y="0"/>
+          <a:ext cx="0" cy="0"/>
+          <a:chOff x="0" y="0"/>
+          <a:chExt cx="0" cy="0"/>
+        </a:xfrm>
+      </p:grpSpPr>
+      <p:sp>
+        <p:nvSpPr>
+          <p:cNvPr id="4" name="標題 1">
+            <a:extLst>
+              <a:ext uri="{FF2B5EF4-FFF2-40B4-BE49-F238E27FC236}">
+                <a16:creationId xmlns:a16="http://schemas.microsoft.com/office/drawing/2014/main" id="{6DCC09A1-2727-BFBB-F369-A8B4D3C2DDE9}"/>
+              </a:ext>
+            </a:extLst>
+          </p:cNvPr>
+          <p:cNvSpPr>
+            <a:spLocks noGrp="1"/>
+          </p:cNvSpPr>
+          <p:nvPr>
+            <p:ph type="title"/>
+          </p:nvPr>
+        </p:nvSpPr>
+        <p:spPr>
+          <a:xfrm>
+            <a:off x="838200" y="365125"/>
+            <a:ext cx="10515600" cy="1325563"/>
+          </a:xfrm>
+        </p:spPr>
+        <p:txBody>
+          <a:bodyPr/>
+          <a:lstStyle/>
+          <a:p>
+            <a:pPr algn="ctr"/>
+            <a:r>
+              <a:rPr lang="zh-TW" altLang="en-US" dirty="0">
+                <a:latin typeface="標楷體" panose="03000509000000000000" pitchFamily="65" charset="-120"/>
+                <a:ea typeface="標楷體" panose="03000509000000000000" pitchFamily="65" charset="-120"/>
+              </a:rPr>
+              <a:t>過寬</a:t>
+            </a:r>
+            <a:r>
+              <a:rPr lang="en-US" altLang="zh-TW" dirty="0">
+                <a:latin typeface="標楷體" panose="03000509000000000000" pitchFamily="65" charset="-120"/>
+                <a:ea typeface="標楷體" panose="03000509000000000000" pitchFamily="65" charset="-120"/>
+              </a:rPr>
+              <a:t>_</a:t>
+            </a:r>
+            <a:r>
+              <a:rPr lang="zh-TW" altLang="en-US" dirty="0">
+                <a:latin typeface="標楷體" panose="03000509000000000000" pitchFamily="65" charset="-120"/>
+                <a:ea typeface="標楷體" panose="03000509000000000000" pitchFamily="65" charset="-120"/>
+              </a:rPr>
+              <a:t>過窄訓練集</a:t>
+            </a:r>
+          </a:p>
+        </p:txBody>
+      </p:sp>
+      <p:pic>
+        <p:nvPicPr>
+          <p:cNvPr id="6" name="圖片 5">
+            <a:extLst>
+              <a:ext uri="{FF2B5EF4-FFF2-40B4-BE49-F238E27FC236}">
+                <a16:creationId xmlns:a16="http://schemas.microsoft.com/office/drawing/2014/main" id="{F103A14E-BA08-9253-E6EB-D68553B15A7C}"/>
+              </a:ext>
+            </a:extLst>
+          </p:cNvPr>
+          <p:cNvPicPr>
+            <a:picLocks noChangeAspect="1"/>
+          </p:cNvPicPr>
+          <p:nvPr/>
+        </p:nvPicPr>
+        <p:blipFill>
+          <a:blip r:embed="rId2"/>
+          <a:stretch>
+            <a:fillRect/>
+          </a:stretch>
+        </p:blipFill>
+        <p:spPr>
+          <a:xfrm>
+            <a:off x="1610465" y="2333300"/>
+            <a:ext cx="3259798" cy="4524700"/>
+          </a:xfrm>
+          <a:prstGeom prst="rect">
+            <a:avLst/>
+          </a:prstGeom>
+        </p:spPr>
+      </p:pic>
+      <p:pic>
+        <p:nvPicPr>
+          <p:cNvPr id="8" name="圖片 7">
+            <a:extLst>
+              <a:ext uri="{FF2B5EF4-FFF2-40B4-BE49-F238E27FC236}">
+                <a16:creationId xmlns:a16="http://schemas.microsoft.com/office/drawing/2014/main" id="{4E739179-C582-6351-0AF2-7866EBF880DD}"/>
+              </a:ext>
+            </a:extLst>
+          </p:cNvPr>
+          <p:cNvPicPr>
+            <a:picLocks noChangeAspect="1"/>
+          </p:cNvPicPr>
+          <p:nvPr/>
+        </p:nvPicPr>
+        <p:blipFill>
+          <a:blip r:embed="rId3"/>
+          <a:stretch>
+            <a:fillRect/>
+          </a:stretch>
+        </p:blipFill>
+        <p:spPr>
+          <a:xfrm>
+            <a:off x="7609455" y="2333300"/>
+            <a:ext cx="3976678" cy="4524701"/>
+          </a:xfrm>
+          <a:prstGeom prst="rect">
+            <a:avLst/>
+          </a:prstGeom>
+        </p:spPr>
+      </p:pic>
+      <p:sp>
+        <p:nvSpPr>
+          <p:cNvPr id="9" name="內容版面配置區 2">
+            <a:extLst>
+              <a:ext uri="{FF2B5EF4-FFF2-40B4-BE49-F238E27FC236}">
+                <a16:creationId xmlns:a16="http://schemas.microsoft.com/office/drawing/2014/main" id="{F2E8648E-3BA5-29C8-BC34-EED0B8FF3903}"/>
+              </a:ext>
+            </a:extLst>
+          </p:cNvPr>
+          <p:cNvSpPr>
+            <a:spLocks noGrp="1"/>
+          </p:cNvSpPr>
+          <p:nvPr>
+            <p:ph idx="1"/>
+          </p:nvPr>
+        </p:nvSpPr>
+        <p:spPr>
+          <a:xfrm>
+            <a:off x="0" y="1825625"/>
+            <a:ext cx="12192000" cy="4351338"/>
+          </a:xfrm>
+        </p:spPr>
+        <p:txBody>
+          <a:bodyPr/>
+          <a:lstStyle/>
+          <a:p>
+            <a:pPr marL="0" indent="0">
+              <a:buNone/>
+            </a:pPr>
+            <a:r>
+              <a:rPr lang="zh-TW" altLang="en-US" dirty="0">
+                <a:latin typeface="標楷體" panose="03000509000000000000" pitchFamily="65" charset="-120"/>
+                <a:ea typeface="標楷體" panose="03000509000000000000" pitchFamily="65" charset="-120"/>
+              </a:rPr>
+              <a:t>    一部分訓練集雙腳距離不夠寬                  合格的資料  </a:t>
+            </a:r>
+          </a:p>
+        </p:txBody>
+      </p:sp>
+    </p:spTree>
+    <p:extLst>
+      <p:ext uri="{BB962C8B-B14F-4D97-AF65-F5344CB8AC3E}">
+        <p14:creationId xmlns:p14="http://schemas.microsoft.com/office/powerpoint/2010/main" val="127077336"/>
+      </p:ext>
+    </p:extLst>
+  </p:cSld>
+  <p:clrMapOvr>
+    <a:masterClrMapping/>
+  </p:clrMapOvr>
+</p:sld>
+</file>
+
+<file path=ppt/slides/slide13.xml><?xml version="1.0" encoding="utf-8"?>
+<p:sld xmlns:a="http://schemas.openxmlformats.org/drawingml/2006/main" xmlns:r="http://schemas.openxmlformats.org/officeDocument/2006/relationships" xmlns:p="http://schemas.openxmlformats.org/presentationml/2006/main">
+  <p:cSld>
+    <p:spTree>
+      <p:nvGrpSpPr>
+        <p:cNvPr id="1" name=""/>
+        <p:cNvGrpSpPr/>
+        <p:nvPr/>
+      </p:nvGrpSpPr>
+      <p:grpSpPr>
+        <a:xfrm>
+          <a:off x="0" y="0"/>
+          <a:ext cx="0" cy="0"/>
+          <a:chOff x="0" y="0"/>
+          <a:chExt cx="0" cy="0"/>
+        </a:xfrm>
+      </p:grpSpPr>
+      <p:sp>
+        <p:nvSpPr>
+          <p:cNvPr id="2" name="標題 1">
+            <a:extLst>
+              <a:ext uri="{FF2B5EF4-FFF2-40B4-BE49-F238E27FC236}">
+                <a16:creationId xmlns:a16="http://schemas.microsoft.com/office/drawing/2014/main" id="{6BC88751-49FD-10C2-9A54-E5F2B7D92F33}"/>
+              </a:ext>
+            </a:extLst>
+          </p:cNvPr>
+          <p:cNvSpPr>
+            <a:spLocks noGrp="1"/>
+          </p:cNvSpPr>
+          <p:nvPr>
+            <p:ph type="title"/>
+          </p:nvPr>
+        </p:nvSpPr>
+        <p:spPr/>
+        <p:txBody>
+          <a:bodyPr/>
+          <a:lstStyle/>
+          <a:p>
+            <a:pPr algn="ctr"/>
+            <a:r>
+              <a:rPr lang="zh-TW" altLang="en-US" dirty="0">
+                <a:latin typeface="標楷體" panose="03000509000000000000" pitchFamily="65" charset="-120"/>
+                <a:ea typeface="標楷體" panose="03000509000000000000" pitchFamily="65" charset="-120"/>
+              </a:rPr>
+              <a:t>系統優化</a:t>
+            </a:r>
+          </a:p>
+        </p:txBody>
+      </p:sp>
+      <p:sp>
+        <p:nvSpPr>
+          <p:cNvPr id="3" name="內容版面配置區 2">
+            <a:extLst>
+              <a:ext uri="{FF2B5EF4-FFF2-40B4-BE49-F238E27FC236}">
+                <a16:creationId xmlns:a16="http://schemas.microsoft.com/office/drawing/2014/main" id="{3EB2FC36-6AA1-B562-DBB5-4AA24E20272C}"/>
+              </a:ext>
+            </a:extLst>
+          </p:cNvPr>
+          <p:cNvSpPr>
+            <a:spLocks noGrp="1"/>
+          </p:cNvSpPr>
+          <p:nvPr>
+            <p:ph idx="1"/>
+          </p:nvPr>
+        </p:nvSpPr>
+        <p:spPr/>
+        <p:txBody>
+          <a:bodyPr/>
+          <a:lstStyle/>
+          <a:p>
+            <a:r>
+              <a:rPr lang="zh-TW" altLang="en-US" dirty="0">
+                <a:latin typeface="標楷體" panose="03000509000000000000" pitchFamily="65" charset="-120"/>
+                <a:ea typeface="標楷體" panose="03000509000000000000" pitchFamily="65" charset="-120"/>
+              </a:rPr>
+              <a:t>深蹲姿勢矯正模型</a:t>
+            </a:r>
+            <a:endParaRPr lang="en-US" altLang="zh-TW" dirty="0">
+              <a:latin typeface="標楷體" panose="03000509000000000000" pitchFamily="65" charset="-120"/>
+              <a:ea typeface="標楷體" panose="03000509000000000000" pitchFamily="65" charset="-120"/>
+            </a:endParaRPr>
+          </a:p>
+          <a:p>
+            <a:r>
+              <a:rPr lang="zh-TW" altLang="en-US" dirty="0">
+                <a:latin typeface="標楷體" panose="03000509000000000000" pitchFamily="65" charset="-120"/>
+                <a:ea typeface="標楷體" panose="03000509000000000000" pitchFamily="65" charset="-120"/>
+              </a:rPr>
+              <a:t>資料集</a:t>
+            </a:r>
+            <a:r>
+              <a:rPr lang="en-US" altLang="zh-TW" dirty="0">
+                <a:latin typeface="標楷體" panose="03000509000000000000" pitchFamily="65" charset="-120"/>
+                <a:ea typeface="標楷體" panose="03000509000000000000" pitchFamily="65" charset="-120"/>
+              </a:rPr>
+              <a:t>:600</a:t>
+            </a:r>
+          </a:p>
+          <a:p>
+            <a:r>
+              <a:rPr lang="zh-TW" altLang="en-US" dirty="0">
+                <a:latin typeface="標楷體" panose="03000509000000000000" pitchFamily="65" charset="-120"/>
+                <a:ea typeface="標楷體" panose="03000509000000000000" pitchFamily="65" charset="-120"/>
+              </a:rPr>
+              <a:t>訓練集</a:t>
+            </a:r>
+            <a:r>
+              <a:rPr lang="en-US" altLang="zh-TW" dirty="0">
+                <a:latin typeface="標楷體" panose="03000509000000000000" pitchFamily="65" charset="-120"/>
+                <a:ea typeface="標楷體" panose="03000509000000000000" pitchFamily="65" charset="-120"/>
+              </a:rPr>
+              <a:t>:540</a:t>
+            </a:r>
+          </a:p>
+          <a:p>
+            <a:r>
+              <a:rPr lang="zh-TW" altLang="en-US" dirty="0">
+                <a:latin typeface="標楷體" panose="03000509000000000000" pitchFamily="65" charset="-120"/>
+                <a:ea typeface="標楷體" panose="03000509000000000000" pitchFamily="65" charset="-120"/>
+              </a:rPr>
+              <a:t>測試集</a:t>
+            </a:r>
+            <a:r>
+              <a:rPr lang="en-US" altLang="zh-TW" dirty="0">
+                <a:latin typeface="標楷體" panose="03000509000000000000" pitchFamily="65" charset="-120"/>
+                <a:ea typeface="標楷體" panose="03000509000000000000" pitchFamily="65" charset="-120"/>
+              </a:rPr>
+              <a:t>:60</a:t>
+            </a:r>
+          </a:p>
+          <a:p>
+            <a:r>
+              <a:rPr lang="en-US" altLang="zh-TW" dirty="0">
+                <a:latin typeface="標楷體" panose="03000509000000000000" pitchFamily="65" charset="-120"/>
+                <a:ea typeface="標楷體" panose="03000509000000000000" pitchFamily="65" charset="-120"/>
+              </a:rPr>
+              <a:t>Epoch:500</a:t>
+            </a:r>
+          </a:p>
+          <a:p>
+            <a:r>
+              <a:rPr lang="en-US" altLang="zh-TW" dirty="0">
+                <a:latin typeface="標楷體" panose="03000509000000000000" pitchFamily="65" charset="-120"/>
+                <a:ea typeface="標楷體" panose="03000509000000000000" pitchFamily="65" charset="-120"/>
+              </a:rPr>
+              <a:t>Batch  size:1</a:t>
+            </a:r>
+            <a:endParaRPr lang="zh-TW" altLang="en-US" dirty="0">
+              <a:latin typeface="標楷體" panose="03000509000000000000" pitchFamily="65" charset="-120"/>
+              <a:ea typeface="標楷體" panose="03000509000000000000" pitchFamily="65" charset="-120"/>
+            </a:endParaRPr>
+          </a:p>
+        </p:txBody>
+      </p:sp>
+      <p:pic>
+        <p:nvPicPr>
+          <p:cNvPr id="4" name="圖片 3">
+            <a:extLst>
+              <a:ext uri="{FF2B5EF4-FFF2-40B4-BE49-F238E27FC236}">
+                <a16:creationId xmlns:a16="http://schemas.microsoft.com/office/drawing/2014/main" id="{0207E140-7D59-D167-73A8-BDF6FC9E7140}"/>
+              </a:ext>
+            </a:extLst>
+          </p:cNvPr>
+          <p:cNvPicPr>
+            <a:picLocks noChangeAspect="1"/>
+          </p:cNvPicPr>
+          <p:nvPr/>
+        </p:nvPicPr>
+        <p:blipFill rotWithShape="1">
+          <a:blip r:embed="rId2"/>
+          <a:srcRect r="67358"/>
+          <a:stretch/>
+        </p:blipFill>
+        <p:spPr>
+          <a:xfrm>
+            <a:off x="6163112" y="1978031"/>
+            <a:ext cx="3541098" cy="3082623"/>
+          </a:xfrm>
+          <a:prstGeom prst="rect">
+            <a:avLst/>
+          </a:prstGeom>
+        </p:spPr>
+      </p:pic>
+      <p:sp>
+        <p:nvSpPr>
+          <p:cNvPr id="5" name="文字方塊 4">
+            <a:extLst>
+              <a:ext uri="{FF2B5EF4-FFF2-40B4-BE49-F238E27FC236}">
+                <a16:creationId xmlns:a16="http://schemas.microsoft.com/office/drawing/2014/main" id="{A5BE0D99-BC02-BEF3-8F88-C91B8110E1B8}"/>
+              </a:ext>
+            </a:extLst>
+          </p:cNvPr>
+          <p:cNvSpPr txBox="1"/>
+          <p:nvPr/>
+        </p:nvSpPr>
+        <p:spPr>
+          <a:xfrm>
+            <a:off x="7410921" y="5195591"/>
+            <a:ext cx="1045479" cy="369332"/>
+          </a:xfrm>
+          <a:prstGeom prst="rect">
+            <a:avLst/>
+          </a:prstGeom>
+          <a:noFill/>
+        </p:spPr>
+        <p:txBody>
+          <a:bodyPr wrap="none" rtlCol="0">
+            <a:spAutoFit/>
+          </a:bodyPr>
+          <a:lstStyle/>
+          <a:p>
+            <a:r>
+              <a:rPr lang="en-US" altLang="zh-TW" dirty="0"/>
+              <a:t>Loss</a:t>
+            </a:r>
+            <a:r>
+              <a:rPr lang="zh-TW" altLang="en-US" dirty="0">
+                <a:latin typeface="標楷體" panose="03000509000000000000" pitchFamily="65" charset="-120"/>
+                <a:ea typeface="標楷體" panose="03000509000000000000" pitchFamily="65" charset="-120"/>
+              </a:rPr>
+              <a:t>圖表</a:t>
+            </a:r>
+          </a:p>
+        </p:txBody>
+      </p:sp>
+    </p:spTree>
+    <p:extLst>
+      <p:ext uri="{BB962C8B-B14F-4D97-AF65-F5344CB8AC3E}">
+        <p14:creationId xmlns:p14="http://schemas.microsoft.com/office/powerpoint/2010/main" val="1761112541"/>
+      </p:ext>
+    </p:extLst>
+  </p:cSld>
+  <p:clrMapOvr>
+    <a:masterClrMapping/>
+  </p:clrMapOvr>
+</p:sld>
+</file>
+
+<file path=ppt/slides/slide14.xml><?xml version="1.0" encoding="utf-8"?>
+<p:sld xmlns:a="http://schemas.openxmlformats.org/drawingml/2006/main" xmlns:r="http://schemas.openxmlformats.org/officeDocument/2006/relationships" xmlns:p="http://schemas.openxmlformats.org/presentationml/2006/main">
+  <p:cSld>
+    <p:spTree>
+      <p:nvGrpSpPr>
+        <p:cNvPr id="1" name=""/>
+        <p:cNvGrpSpPr/>
+        <p:nvPr/>
+      </p:nvGrpSpPr>
+      <p:grpSpPr>
+        <a:xfrm>
+          <a:off x="0" y="0"/>
+          <a:ext cx="0" cy="0"/>
+          <a:chOff x="0" y="0"/>
+          <a:chExt cx="0" cy="0"/>
+        </a:xfrm>
+      </p:grpSpPr>
+      <p:sp>
+        <p:nvSpPr>
+          <p:cNvPr id="3" name="內容版面配置區 2">
+            <a:extLst>
+              <a:ext uri="{FF2B5EF4-FFF2-40B4-BE49-F238E27FC236}">
+                <a16:creationId xmlns:a16="http://schemas.microsoft.com/office/drawing/2014/main" id="{922947CE-F6EC-8A52-106E-B46BBA3913D3}"/>
+              </a:ext>
+            </a:extLst>
+          </p:cNvPr>
+          <p:cNvSpPr>
+            <a:spLocks noGrp="1"/>
+          </p:cNvSpPr>
+          <p:nvPr>
+            <p:ph idx="1"/>
+          </p:nvPr>
+        </p:nvSpPr>
+        <p:spPr>
+          <a:xfrm>
+            <a:off x="838200" y="1690688"/>
+            <a:ext cx="10515600" cy="4351338"/>
+          </a:xfrm>
+        </p:spPr>
+        <p:txBody>
+          <a:bodyPr/>
+          <a:lstStyle/>
+          <a:p>
+            <a:r>
+              <a:rPr lang="zh-TW" altLang="en-US" dirty="0">
+                <a:latin typeface="標楷體" panose="03000509000000000000" pitchFamily="65" charset="-120"/>
+                <a:ea typeface="標楷體" panose="03000509000000000000" pitchFamily="65" charset="-120"/>
+              </a:rPr>
+              <a:t>深蹲姿勢矯正模型</a:t>
+            </a:r>
+          </a:p>
+        </p:txBody>
+      </p:sp>
+      <p:sp>
+        <p:nvSpPr>
+          <p:cNvPr id="4" name="標題 1">
+            <a:extLst>
+              <a:ext uri="{FF2B5EF4-FFF2-40B4-BE49-F238E27FC236}">
+                <a16:creationId xmlns:a16="http://schemas.microsoft.com/office/drawing/2014/main" id="{6B858F19-DCDF-0420-78DB-5DB8A3BC2FFE}"/>
+              </a:ext>
+            </a:extLst>
+          </p:cNvPr>
+          <p:cNvSpPr>
+            <a:spLocks noGrp="1"/>
+          </p:cNvSpPr>
+          <p:nvPr>
+            <p:ph type="title"/>
+          </p:nvPr>
+        </p:nvSpPr>
+        <p:spPr>
+          <a:xfrm>
+            <a:off x="838200" y="365125"/>
+            <a:ext cx="10515600" cy="1325563"/>
+          </a:xfrm>
+        </p:spPr>
+        <p:txBody>
+          <a:bodyPr/>
+          <a:lstStyle/>
+          <a:p>
+            <a:pPr algn="ctr"/>
+            <a:r>
+              <a:rPr lang="zh-TW" altLang="en-US" dirty="0">
+                <a:latin typeface="標楷體" panose="03000509000000000000" pitchFamily="65" charset="-120"/>
+                <a:ea typeface="標楷體" panose="03000509000000000000" pitchFamily="65" charset="-120"/>
+              </a:rPr>
+              <a:t>系統優化</a:t>
+            </a:r>
+          </a:p>
+        </p:txBody>
+      </p:sp>
+      <p:pic>
+        <p:nvPicPr>
+          <p:cNvPr id="5" name="圖片 4">
+            <a:extLst>
+              <a:ext uri="{FF2B5EF4-FFF2-40B4-BE49-F238E27FC236}">
+                <a16:creationId xmlns:a16="http://schemas.microsoft.com/office/drawing/2014/main" id="{36AA6508-18F9-6574-08D4-E83A12A9ABD7}"/>
+              </a:ext>
+            </a:extLst>
+          </p:cNvPr>
+          <p:cNvPicPr>
+            <a:picLocks noChangeAspect="1"/>
+          </p:cNvPicPr>
+          <p:nvPr/>
+        </p:nvPicPr>
+        <p:blipFill rotWithShape="1">
+          <a:blip r:embed="rId2"/>
+          <a:srcRect l="33630"/>
+          <a:stretch/>
+        </p:blipFill>
+        <p:spPr>
+          <a:xfrm>
+            <a:off x="1151093" y="2163614"/>
+            <a:ext cx="3253727" cy="4522862"/>
+          </a:xfrm>
+          <a:prstGeom prst="rect">
+            <a:avLst/>
+          </a:prstGeom>
+        </p:spPr>
+      </p:pic>
+      <p:cxnSp>
+        <p:nvCxnSpPr>
+          <p:cNvPr id="7" name="直線接點 6">
+            <a:extLst>
+              <a:ext uri="{FF2B5EF4-FFF2-40B4-BE49-F238E27FC236}">
+                <a16:creationId xmlns:a16="http://schemas.microsoft.com/office/drawing/2014/main" id="{428DE1C4-67DF-284C-305B-61D689BBADA0}"/>
+              </a:ext>
+            </a:extLst>
+          </p:cNvPr>
+          <p:cNvCxnSpPr/>
+          <p:nvPr/>
+        </p:nvCxnSpPr>
+        <p:spPr>
+          <a:xfrm>
+            <a:off x="1946246" y="2810309"/>
+            <a:ext cx="0" cy="889233"/>
+          </a:xfrm>
+          <a:prstGeom prst="line">
+            <a:avLst/>
+          </a:prstGeom>
+          <a:ln w="28575">
+            <a:solidFill>
+              <a:srgbClr val="FFFF00"/>
+            </a:solidFill>
+          </a:ln>
+        </p:spPr>
+        <p:style>
+          <a:lnRef idx="1">
+            <a:schemeClr val="accent1"/>
+          </a:lnRef>
+          <a:fillRef idx="0">
+            <a:schemeClr val="accent1"/>
+          </a:fillRef>
+          <a:effectRef idx="0">
+            <a:schemeClr val="accent1"/>
+          </a:effectRef>
+          <a:fontRef idx="minor">
+            <a:schemeClr val="tx1"/>
+          </a:fontRef>
+        </p:style>
+      </p:cxnSp>
+      <p:cxnSp>
+        <p:nvCxnSpPr>
+          <p:cNvPr id="8" name="直線接點 7">
+            <a:extLst>
+              <a:ext uri="{FF2B5EF4-FFF2-40B4-BE49-F238E27FC236}">
+                <a16:creationId xmlns:a16="http://schemas.microsoft.com/office/drawing/2014/main" id="{CD455D22-492B-BE6B-90A1-E72F5658920E}"/>
+              </a:ext>
+            </a:extLst>
+          </p:cNvPr>
+          <p:cNvCxnSpPr/>
+          <p:nvPr/>
+        </p:nvCxnSpPr>
+        <p:spPr>
+          <a:xfrm>
+            <a:off x="2157369" y="2810309"/>
+            <a:ext cx="0" cy="889233"/>
+          </a:xfrm>
+          <a:prstGeom prst="line">
+            <a:avLst/>
+          </a:prstGeom>
+          <a:ln w="28575">
+            <a:solidFill>
+              <a:srgbClr val="FFFF00"/>
+            </a:solidFill>
+          </a:ln>
+        </p:spPr>
+        <p:style>
+          <a:lnRef idx="1">
+            <a:schemeClr val="accent1"/>
+          </a:lnRef>
+          <a:fillRef idx="0">
+            <a:schemeClr val="accent1"/>
+          </a:fillRef>
+          <a:effectRef idx="0">
+            <a:schemeClr val="accent1"/>
+          </a:effectRef>
+          <a:fontRef idx="minor">
+            <a:schemeClr val="tx1"/>
+          </a:fontRef>
+        </p:style>
+      </p:cxnSp>
+      <p:cxnSp>
+        <p:nvCxnSpPr>
+          <p:cNvPr id="9" name="直線接點 8">
+            <a:extLst>
+              <a:ext uri="{FF2B5EF4-FFF2-40B4-BE49-F238E27FC236}">
+                <a16:creationId xmlns:a16="http://schemas.microsoft.com/office/drawing/2014/main" id="{58AE39AC-DB28-4106-AE3A-CA4F1C4E1DDF}"/>
+              </a:ext>
+            </a:extLst>
+          </p:cNvPr>
+          <p:cNvCxnSpPr/>
+          <p:nvPr/>
+        </p:nvCxnSpPr>
+        <p:spPr>
+          <a:xfrm>
+            <a:off x="2358704" y="2810309"/>
+            <a:ext cx="0" cy="889233"/>
+          </a:xfrm>
+          <a:prstGeom prst="line">
+            <a:avLst/>
+          </a:prstGeom>
+          <a:ln w="28575">
+            <a:solidFill>
+              <a:srgbClr val="FFFF00"/>
+            </a:solidFill>
+          </a:ln>
+        </p:spPr>
+        <p:style>
+          <a:lnRef idx="1">
+            <a:schemeClr val="accent1"/>
+          </a:lnRef>
+          <a:fillRef idx="0">
+            <a:schemeClr val="accent1"/>
+          </a:fillRef>
+          <a:effectRef idx="0">
+            <a:schemeClr val="accent1"/>
+          </a:effectRef>
+          <a:fontRef idx="minor">
+            <a:schemeClr val="tx1"/>
+          </a:fontRef>
+        </p:style>
+      </p:cxnSp>
+      <p:cxnSp>
+        <p:nvCxnSpPr>
+          <p:cNvPr id="10" name="直線接點 9">
+            <a:extLst>
+              <a:ext uri="{FF2B5EF4-FFF2-40B4-BE49-F238E27FC236}">
+                <a16:creationId xmlns:a16="http://schemas.microsoft.com/office/drawing/2014/main" id="{BC228ED6-9247-6C4D-A188-23A8010842AF}"/>
+              </a:ext>
+            </a:extLst>
+          </p:cNvPr>
+          <p:cNvCxnSpPr/>
+          <p:nvPr/>
+        </p:nvCxnSpPr>
+        <p:spPr>
+          <a:xfrm>
+            <a:off x="1946246" y="5328403"/>
+            <a:ext cx="0" cy="889233"/>
+          </a:xfrm>
+          <a:prstGeom prst="line">
+            <a:avLst/>
+          </a:prstGeom>
+          <a:ln w="28575">
+            <a:solidFill>
+              <a:srgbClr val="FFFF00"/>
+            </a:solidFill>
+          </a:ln>
+        </p:spPr>
+        <p:style>
+          <a:lnRef idx="1">
+            <a:schemeClr val="accent1"/>
+          </a:lnRef>
+          <a:fillRef idx="0">
+            <a:schemeClr val="accent1"/>
+          </a:fillRef>
+          <a:effectRef idx="0">
+            <a:schemeClr val="accent1"/>
+          </a:effectRef>
+          <a:fontRef idx="minor">
+            <a:schemeClr val="tx1"/>
+          </a:fontRef>
+        </p:style>
+      </p:cxnSp>
+      <p:cxnSp>
+        <p:nvCxnSpPr>
+          <p:cNvPr id="11" name="直線接點 10">
+            <a:extLst>
+              <a:ext uri="{FF2B5EF4-FFF2-40B4-BE49-F238E27FC236}">
+                <a16:creationId xmlns:a16="http://schemas.microsoft.com/office/drawing/2014/main" id="{894525A7-0641-23CB-8390-D38890F4808A}"/>
+              </a:ext>
+            </a:extLst>
+          </p:cNvPr>
+          <p:cNvCxnSpPr/>
+          <p:nvPr/>
+        </p:nvCxnSpPr>
+        <p:spPr>
+          <a:xfrm>
+            <a:off x="2178341" y="5313017"/>
+            <a:ext cx="0" cy="889233"/>
+          </a:xfrm>
+          <a:prstGeom prst="line">
+            <a:avLst/>
+          </a:prstGeom>
+          <a:ln w="28575">
+            <a:solidFill>
+              <a:srgbClr val="FFFF00"/>
+            </a:solidFill>
+          </a:ln>
+        </p:spPr>
+        <p:style>
+          <a:lnRef idx="1">
+            <a:schemeClr val="accent1"/>
+          </a:lnRef>
+          <a:fillRef idx="0">
+            <a:schemeClr val="accent1"/>
+          </a:fillRef>
+          <a:effectRef idx="0">
+            <a:schemeClr val="accent1"/>
+          </a:effectRef>
+          <a:fontRef idx="minor">
+            <a:schemeClr val="tx1"/>
+          </a:fontRef>
+        </p:style>
+      </p:cxnSp>
+      <p:cxnSp>
+        <p:nvCxnSpPr>
+          <p:cNvPr id="12" name="直線接點 11">
+            <a:extLst>
+              <a:ext uri="{FF2B5EF4-FFF2-40B4-BE49-F238E27FC236}">
+                <a16:creationId xmlns:a16="http://schemas.microsoft.com/office/drawing/2014/main" id="{32487DE7-D10A-3DD2-1325-34335BDE55C9}"/>
+              </a:ext>
+            </a:extLst>
+          </p:cNvPr>
+          <p:cNvCxnSpPr/>
+          <p:nvPr/>
+        </p:nvCxnSpPr>
+        <p:spPr>
+          <a:xfrm>
+            <a:off x="2386667" y="5328402"/>
+            <a:ext cx="0" cy="889233"/>
+          </a:xfrm>
+          <a:prstGeom prst="line">
+            <a:avLst/>
+          </a:prstGeom>
+          <a:ln w="28575">
+            <a:solidFill>
+              <a:srgbClr val="FFFF00"/>
+            </a:solidFill>
+          </a:ln>
+        </p:spPr>
+        <p:style>
+          <a:lnRef idx="1">
+            <a:schemeClr val="accent1"/>
+          </a:lnRef>
+          <a:fillRef idx="0">
+            <a:schemeClr val="accent1"/>
+          </a:fillRef>
+          <a:effectRef idx="0">
+            <a:schemeClr val="accent1"/>
+          </a:effectRef>
+          <a:fontRef idx="minor">
+            <a:schemeClr val="tx1"/>
+          </a:fontRef>
+        </p:style>
+      </p:cxnSp>
+      <p:pic>
+        <p:nvPicPr>
+          <p:cNvPr id="14" name="圖片 13">
+            <a:extLst>
+              <a:ext uri="{FF2B5EF4-FFF2-40B4-BE49-F238E27FC236}">
+                <a16:creationId xmlns:a16="http://schemas.microsoft.com/office/drawing/2014/main" id="{4B7E85CE-FDB2-5450-2E62-7E555BC3E2F1}"/>
+              </a:ext>
+            </a:extLst>
+          </p:cNvPr>
+          <p:cNvPicPr>
+            <a:picLocks noChangeAspect="1"/>
+          </p:cNvPicPr>
+          <p:nvPr/>
+        </p:nvPicPr>
+        <p:blipFill>
+          <a:blip r:embed="rId3"/>
+          <a:stretch>
+            <a:fillRect/>
+          </a:stretch>
+        </p:blipFill>
+        <p:spPr>
+          <a:xfrm>
+            <a:off x="4533458" y="2163614"/>
+            <a:ext cx="3253724" cy="4522862"/>
+          </a:xfrm>
+          <a:prstGeom prst="rect">
+            <a:avLst/>
+          </a:prstGeom>
+        </p:spPr>
+      </p:pic>
+      <p:cxnSp>
+        <p:nvCxnSpPr>
+          <p:cNvPr id="17" name="直線接點 16">
+            <a:extLst>
+              <a:ext uri="{FF2B5EF4-FFF2-40B4-BE49-F238E27FC236}">
+                <a16:creationId xmlns:a16="http://schemas.microsoft.com/office/drawing/2014/main" id="{58B5E4AF-0E83-D762-3722-DDD61CD7A20A}"/>
+              </a:ext>
+            </a:extLst>
+          </p:cNvPr>
+          <p:cNvCxnSpPr/>
+          <p:nvPr/>
+        </p:nvCxnSpPr>
+        <p:spPr>
+          <a:xfrm>
+            <a:off x="5286462" y="2810311"/>
+            <a:ext cx="0" cy="889233"/>
+          </a:xfrm>
+          <a:prstGeom prst="line">
+            <a:avLst/>
+          </a:prstGeom>
+          <a:ln w="28575">
+            <a:solidFill>
+              <a:srgbClr val="FFFF00"/>
+            </a:solidFill>
+          </a:ln>
+        </p:spPr>
+        <p:style>
+          <a:lnRef idx="1">
+            <a:schemeClr val="accent1"/>
+          </a:lnRef>
+          <a:fillRef idx="0">
+            <a:schemeClr val="accent1"/>
+          </a:fillRef>
+          <a:effectRef idx="0">
+            <a:schemeClr val="accent1"/>
+          </a:effectRef>
+          <a:fontRef idx="minor">
+            <a:schemeClr val="tx1"/>
+          </a:fontRef>
+        </p:style>
+      </p:cxnSp>
+      <p:cxnSp>
+        <p:nvCxnSpPr>
+          <p:cNvPr id="18" name="直線接點 17">
+            <a:extLst>
+              <a:ext uri="{FF2B5EF4-FFF2-40B4-BE49-F238E27FC236}">
+                <a16:creationId xmlns:a16="http://schemas.microsoft.com/office/drawing/2014/main" id="{E1817F48-C694-D929-A265-3B2417549DBD}"/>
+              </a:ext>
+            </a:extLst>
+          </p:cNvPr>
+          <p:cNvCxnSpPr/>
+          <p:nvPr/>
+        </p:nvCxnSpPr>
+        <p:spPr>
+          <a:xfrm>
+            <a:off x="5521354" y="2810311"/>
+            <a:ext cx="0" cy="889233"/>
+          </a:xfrm>
+          <a:prstGeom prst="line">
+            <a:avLst/>
+          </a:prstGeom>
+          <a:ln w="28575">
+            <a:solidFill>
+              <a:srgbClr val="FFFF00"/>
+            </a:solidFill>
+          </a:ln>
+        </p:spPr>
+        <p:style>
+          <a:lnRef idx="1">
+            <a:schemeClr val="accent1"/>
+          </a:lnRef>
+          <a:fillRef idx="0">
+            <a:schemeClr val="accent1"/>
+          </a:fillRef>
+          <a:effectRef idx="0">
+            <a:schemeClr val="accent1"/>
+          </a:effectRef>
+          <a:fontRef idx="minor">
+            <a:schemeClr val="tx1"/>
+          </a:fontRef>
+        </p:style>
+      </p:cxnSp>
+      <p:cxnSp>
+        <p:nvCxnSpPr>
+          <p:cNvPr id="19" name="直線接點 18">
+            <a:extLst>
+              <a:ext uri="{FF2B5EF4-FFF2-40B4-BE49-F238E27FC236}">
+                <a16:creationId xmlns:a16="http://schemas.microsoft.com/office/drawing/2014/main" id="{A67DD7AC-1F02-CF63-5B6D-D9F9341E2046}"/>
+              </a:ext>
+            </a:extLst>
+          </p:cNvPr>
+          <p:cNvCxnSpPr/>
+          <p:nvPr/>
+        </p:nvCxnSpPr>
+        <p:spPr>
+          <a:xfrm>
+            <a:off x="5705912" y="2810310"/>
+            <a:ext cx="0" cy="889233"/>
+          </a:xfrm>
+          <a:prstGeom prst="line">
+            <a:avLst/>
+          </a:prstGeom>
+          <a:ln w="28575">
+            <a:solidFill>
+              <a:srgbClr val="FFFF00"/>
+            </a:solidFill>
+          </a:ln>
+        </p:spPr>
+        <p:style>
+          <a:lnRef idx="1">
+            <a:schemeClr val="accent1"/>
+          </a:lnRef>
+          <a:fillRef idx="0">
+            <a:schemeClr val="accent1"/>
+          </a:fillRef>
+          <a:effectRef idx="0">
+            <a:schemeClr val="accent1"/>
+          </a:effectRef>
+          <a:fontRef idx="minor">
+            <a:schemeClr val="tx1"/>
+          </a:fontRef>
+        </p:style>
+      </p:cxnSp>
+      <p:cxnSp>
+        <p:nvCxnSpPr>
+          <p:cNvPr id="20" name="直線接點 19">
+            <a:extLst>
+              <a:ext uri="{FF2B5EF4-FFF2-40B4-BE49-F238E27FC236}">
+                <a16:creationId xmlns:a16="http://schemas.microsoft.com/office/drawing/2014/main" id="{0616B65C-0CFE-29D2-0232-2739E28E50AA}"/>
+              </a:ext>
+            </a:extLst>
+          </p:cNvPr>
+          <p:cNvCxnSpPr/>
+          <p:nvPr/>
+        </p:nvCxnSpPr>
+        <p:spPr>
+          <a:xfrm>
+            <a:off x="5286462" y="5328406"/>
+            <a:ext cx="0" cy="889233"/>
+          </a:xfrm>
+          <a:prstGeom prst="line">
+            <a:avLst/>
+          </a:prstGeom>
+          <a:ln w="28575">
+            <a:solidFill>
+              <a:srgbClr val="FFFF00"/>
+            </a:solidFill>
+          </a:ln>
+        </p:spPr>
+        <p:style>
+          <a:lnRef idx="1">
+            <a:schemeClr val="accent1"/>
+          </a:lnRef>
+          <a:fillRef idx="0">
+            <a:schemeClr val="accent1"/>
+          </a:fillRef>
+          <a:effectRef idx="0">
+            <a:schemeClr val="accent1"/>
+          </a:effectRef>
+          <a:fontRef idx="minor">
+            <a:schemeClr val="tx1"/>
+          </a:fontRef>
+        </p:style>
+      </p:cxnSp>
+      <p:cxnSp>
+        <p:nvCxnSpPr>
+          <p:cNvPr id="21" name="直線接點 20">
+            <a:extLst>
+              <a:ext uri="{FF2B5EF4-FFF2-40B4-BE49-F238E27FC236}">
+                <a16:creationId xmlns:a16="http://schemas.microsoft.com/office/drawing/2014/main" id="{55263464-8DB0-F6D9-5697-3790B9F412AD}"/>
+              </a:ext>
+            </a:extLst>
+          </p:cNvPr>
+          <p:cNvCxnSpPr/>
+          <p:nvPr/>
+        </p:nvCxnSpPr>
+        <p:spPr>
+          <a:xfrm>
+            <a:off x="5521354" y="5328405"/>
+            <a:ext cx="0" cy="889233"/>
+          </a:xfrm>
+          <a:prstGeom prst="line">
+            <a:avLst/>
+          </a:prstGeom>
+          <a:ln w="28575">
+            <a:solidFill>
+              <a:srgbClr val="FFFF00"/>
+            </a:solidFill>
+          </a:ln>
+        </p:spPr>
+        <p:style>
+          <a:lnRef idx="1">
+            <a:schemeClr val="accent1"/>
+          </a:lnRef>
+          <a:fillRef idx="0">
+            <a:schemeClr val="accent1"/>
+          </a:fillRef>
+          <a:effectRef idx="0">
+            <a:schemeClr val="accent1"/>
+          </a:effectRef>
+          <a:fontRef idx="minor">
+            <a:schemeClr val="tx1"/>
+          </a:fontRef>
+        </p:style>
+      </p:cxnSp>
+      <p:cxnSp>
+        <p:nvCxnSpPr>
+          <p:cNvPr id="22" name="直線接點 21">
+            <a:extLst>
+              <a:ext uri="{FF2B5EF4-FFF2-40B4-BE49-F238E27FC236}">
+                <a16:creationId xmlns:a16="http://schemas.microsoft.com/office/drawing/2014/main" id="{545005C4-7E67-DC36-CEAF-8164604CD72F}"/>
+              </a:ext>
+            </a:extLst>
+          </p:cNvPr>
+          <p:cNvCxnSpPr/>
+          <p:nvPr/>
+        </p:nvCxnSpPr>
+        <p:spPr>
+          <a:xfrm>
+            <a:off x="5705912" y="5328404"/>
+            <a:ext cx="0" cy="889233"/>
+          </a:xfrm>
+          <a:prstGeom prst="line">
+            <a:avLst/>
+          </a:prstGeom>
+          <a:ln w="28575">
+            <a:solidFill>
+              <a:srgbClr val="FFFF00"/>
+            </a:solidFill>
+          </a:ln>
+        </p:spPr>
+        <p:style>
+          <a:lnRef idx="1">
+            <a:schemeClr val="accent1"/>
+          </a:lnRef>
+          <a:fillRef idx="0">
+            <a:schemeClr val="accent1"/>
+          </a:fillRef>
+          <a:effectRef idx="0">
+            <a:schemeClr val="accent1"/>
+          </a:effectRef>
+          <a:fontRef idx="minor">
+            <a:schemeClr val="tx1"/>
+          </a:fontRef>
+        </p:style>
+      </p:cxnSp>
+      <p:pic>
+        <p:nvPicPr>
+          <p:cNvPr id="24" name="圖片 23">
+            <a:extLst>
+              <a:ext uri="{FF2B5EF4-FFF2-40B4-BE49-F238E27FC236}">
+                <a16:creationId xmlns:a16="http://schemas.microsoft.com/office/drawing/2014/main" id="{FB223563-5F60-91B3-2F2A-DCED5BE2EB70}"/>
+              </a:ext>
+            </a:extLst>
+          </p:cNvPr>
+          <p:cNvPicPr>
+            <a:picLocks noChangeAspect="1"/>
+          </p:cNvPicPr>
+          <p:nvPr/>
+        </p:nvPicPr>
+        <p:blipFill>
+          <a:blip r:embed="rId4"/>
+          <a:stretch>
+            <a:fillRect/>
+          </a:stretch>
+        </p:blipFill>
+        <p:spPr>
+          <a:xfrm>
+            <a:off x="7971739" y="2163614"/>
+            <a:ext cx="3253725" cy="4530425"/>
+          </a:xfrm>
+          <a:prstGeom prst="rect">
+            <a:avLst/>
+          </a:prstGeom>
+        </p:spPr>
+      </p:pic>
+      <p:cxnSp>
+        <p:nvCxnSpPr>
+          <p:cNvPr id="27" name="直線接點 26">
+            <a:extLst>
+              <a:ext uri="{FF2B5EF4-FFF2-40B4-BE49-F238E27FC236}">
+                <a16:creationId xmlns:a16="http://schemas.microsoft.com/office/drawing/2014/main" id="{781C590E-DDC0-2A95-2FCF-1F692A9EFF7B}"/>
+              </a:ext>
+            </a:extLst>
+          </p:cNvPr>
+          <p:cNvCxnSpPr/>
+          <p:nvPr/>
+        </p:nvCxnSpPr>
+        <p:spPr>
+          <a:xfrm>
+            <a:off x="8735735" y="2727820"/>
+            <a:ext cx="0" cy="889233"/>
+          </a:xfrm>
+          <a:prstGeom prst="line">
+            <a:avLst/>
+          </a:prstGeom>
+          <a:ln w="28575">
+            <a:solidFill>
+              <a:srgbClr val="FFFF00"/>
+            </a:solidFill>
+          </a:ln>
+        </p:spPr>
+        <p:style>
+          <a:lnRef idx="1">
+            <a:schemeClr val="accent1"/>
+          </a:lnRef>
+          <a:fillRef idx="0">
+            <a:schemeClr val="accent1"/>
+          </a:fillRef>
+          <a:effectRef idx="0">
+            <a:schemeClr val="accent1"/>
+          </a:effectRef>
+          <a:fontRef idx="minor">
+            <a:schemeClr val="tx1"/>
+          </a:fontRef>
+        </p:style>
+      </p:cxnSp>
+      <p:cxnSp>
+        <p:nvCxnSpPr>
+          <p:cNvPr id="28" name="直線接點 27">
+            <a:extLst>
+              <a:ext uri="{FF2B5EF4-FFF2-40B4-BE49-F238E27FC236}">
+                <a16:creationId xmlns:a16="http://schemas.microsoft.com/office/drawing/2014/main" id="{783C639A-78AD-0792-CA44-221AA6FEAB3F}"/>
+              </a:ext>
+            </a:extLst>
+          </p:cNvPr>
+          <p:cNvCxnSpPr/>
+          <p:nvPr/>
+        </p:nvCxnSpPr>
+        <p:spPr>
+          <a:xfrm>
+            <a:off x="8928682" y="2727820"/>
+            <a:ext cx="0" cy="889233"/>
+          </a:xfrm>
+          <a:prstGeom prst="line">
+            <a:avLst/>
+          </a:prstGeom>
+          <a:ln w="28575">
+            <a:solidFill>
+              <a:srgbClr val="FFFF00"/>
+            </a:solidFill>
+          </a:ln>
+        </p:spPr>
+        <p:style>
+          <a:lnRef idx="1">
+            <a:schemeClr val="accent1"/>
+          </a:lnRef>
+          <a:fillRef idx="0">
+            <a:schemeClr val="accent1"/>
+          </a:fillRef>
+          <a:effectRef idx="0">
+            <a:schemeClr val="accent1"/>
+          </a:effectRef>
+          <a:fontRef idx="minor">
+            <a:schemeClr val="tx1"/>
+          </a:fontRef>
+        </p:style>
+      </p:cxnSp>
+      <p:cxnSp>
+        <p:nvCxnSpPr>
+          <p:cNvPr id="29" name="直線接點 28">
+            <a:extLst>
+              <a:ext uri="{FF2B5EF4-FFF2-40B4-BE49-F238E27FC236}">
+                <a16:creationId xmlns:a16="http://schemas.microsoft.com/office/drawing/2014/main" id="{E5F2E2C5-4E4B-08C8-90F4-051DFDF006A1}"/>
+              </a:ext>
+            </a:extLst>
+          </p:cNvPr>
+          <p:cNvCxnSpPr/>
+          <p:nvPr/>
+        </p:nvCxnSpPr>
+        <p:spPr>
+          <a:xfrm>
+            <a:off x="9096462" y="2727820"/>
+            <a:ext cx="0" cy="889233"/>
+          </a:xfrm>
+          <a:prstGeom prst="line">
+            <a:avLst/>
+          </a:prstGeom>
+          <a:ln w="28575">
+            <a:solidFill>
+              <a:srgbClr val="FFFF00"/>
+            </a:solidFill>
+          </a:ln>
+        </p:spPr>
+        <p:style>
+          <a:lnRef idx="1">
+            <a:schemeClr val="accent1"/>
+          </a:lnRef>
+          <a:fillRef idx="0">
+            <a:schemeClr val="accent1"/>
+          </a:fillRef>
+          <a:effectRef idx="0">
+            <a:schemeClr val="accent1"/>
+          </a:effectRef>
+          <a:fontRef idx="minor">
+            <a:schemeClr val="tx1"/>
+          </a:fontRef>
+        </p:style>
+      </p:cxnSp>
+      <p:cxnSp>
+        <p:nvCxnSpPr>
+          <p:cNvPr id="30" name="直線接點 29">
+            <a:extLst>
+              <a:ext uri="{FF2B5EF4-FFF2-40B4-BE49-F238E27FC236}">
+                <a16:creationId xmlns:a16="http://schemas.microsoft.com/office/drawing/2014/main" id="{6AECD479-A8DE-3EDC-0713-8CBF480A1069}"/>
+              </a:ext>
+            </a:extLst>
+          </p:cNvPr>
+          <p:cNvCxnSpPr/>
+          <p:nvPr/>
+        </p:nvCxnSpPr>
+        <p:spPr>
+          <a:xfrm>
+            <a:off x="8721753" y="5152793"/>
+            <a:ext cx="0" cy="889233"/>
+          </a:xfrm>
+          <a:prstGeom prst="line">
+            <a:avLst/>
+          </a:prstGeom>
+          <a:ln w="28575">
+            <a:solidFill>
+              <a:srgbClr val="FFFF00"/>
+            </a:solidFill>
+          </a:ln>
+        </p:spPr>
+        <p:style>
+          <a:lnRef idx="1">
+            <a:schemeClr val="accent1"/>
+          </a:lnRef>
+          <a:fillRef idx="0">
+            <a:schemeClr val="accent1"/>
+          </a:fillRef>
+          <a:effectRef idx="0">
+            <a:schemeClr val="accent1"/>
+          </a:effectRef>
+          <a:fontRef idx="minor">
+            <a:schemeClr val="tx1"/>
+          </a:fontRef>
+        </p:style>
+      </p:cxnSp>
+      <p:cxnSp>
+        <p:nvCxnSpPr>
+          <p:cNvPr id="31" name="直線接點 30">
+            <a:extLst>
+              <a:ext uri="{FF2B5EF4-FFF2-40B4-BE49-F238E27FC236}">
+                <a16:creationId xmlns:a16="http://schemas.microsoft.com/office/drawing/2014/main" id="{990C887A-1B62-DAC3-0AC7-1418FEFE6F9E}"/>
+              </a:ext>
+            </a:extLst>
+          </p:cNvPr>
+          <p:cNvCxnSpPr/>
+          <p:nvPr/>
+        </p:nvCxnSpPr>
+        <p:spPr>
+          <a:xfrm>
+            <a:off x="8928682" y="5152793"/>
+            <a:ext cx="0" cy="889233"/>
+          </a:xfrm>
+          <a:prstGeom prst="line">
+            <a:avLst/>
+          </a:prstGeom>
+          <a:ln w="28575">
+            <a:solidFill>
+              <a:srgbClr val="FFFF00"/>
+            </a:solidFill>
+          </a:ln>
+        </p:spPr>
+        <p:style>
+          <a:lnRef idx="1">
+            <a:schemeClr val="accent1"/>
+          </a:lnRef>
+          <a:fillRef idx="0">
+            <a:schemeClr val="accent1"/>
+          </a:fillRef>
+          <a:effectRef idx="0">
+            <a:schemeClr val="accent1"/>
+          </a:effectRef>
+          <a:fontRef idx="minor">
+            <a:schemeClr val="tx1"/>
+          </a:fontRef>
+        </p:style>
+      </p:cxnSp>
+      <p:cxnSp>
+        <p:nvCxnSpPr>
+          <p:cNvPr id="32" name="直線接點 31">
+            <a:extLst>
+              <a:ext uri="{FF2B5EF4-FFF2-40B4-BE49-F238E27FC236}">
+                <a16:creationId xmlns:a16="http://schemas.microsoft.com/office/drawing/2014/main" id="{6B4BA506-2558-3BB9-EFE5-1CEE1067BC59}"/>
+              </a:ext>
+            </a:extLst>
+          </p:cNvPr>
+          <p:cNvCxnSpPr/>
+          <p:nvPr/>
+        </p:nvCxnSpPr>
+        <p:spPr>
+          <a:xfrm>
+            <a:off x="9116036" y="5152793"/>
+            <a:ext cx="0" cy="889233"/>
+          </a:xfrm>
+          <a:prstGeom prst="line">
+            <a:avLst/>
+          </a:prstGeom>
+          <a:ln w="28575">
+            <a:solidFill>
+              <a:srgbClr val="FFFF00"/>
+            </a:solidFill>
+          </a:ln>
+        </p:spPr>
+        <p:style>
+          <a:lnRef idx="1">
+            <a:schemeClr val="accent1"/>
+          </a:lnRef>
+          <a:fillRef idx="0">
+            <a:schemeClr val="accent1"/>
+          </a:fillRef>
+          <a:effectRef idx="0">
+            <a:schemeClr val="accent1"/>
+          </a:effectRef>
+          <a:fontRef idx="minor">
+            <a:schemeClr val="tx1"/>
+          </a:fontRef>
+        </p:style>
+      </p:cxnSp>
+    </p:spTree>
+    <p:extLst>
+      <p:ext uri="{BB962C8B-B14F-4D97-AF65-F5344CB8AC3E}">
+        <p14:creationId xmlns:p14="http://schemas.microsoft.com/office/powerpoint/2010/main" val="335000228"/>
+      </p:ext>
+    </p:extLst>
+  </p:cSld>
+  <p:clrMapOvr>
+    <a:masterClrMapping/>
+  </p:clrMapOvr>
+</p:sld>
+</file>
+
+<file path=ppt/slides/slide15.xml><?xml version="1.0" encoding="utf-8"?>
+<p:sld xmlns:a="http://schemas.openxmlformats.org/drawingml/2006/main" xmlns:r="http://schemas.openxmlformats.org/officeDocument/2006/relationships" xmlns:p="http://schemas.openxmlformats.org/presentationml/2006/main">
+  <p:cSld>
+    <p:spTree>
+      <p:nvGrpSpPr>
+        <p:cNvPr id="1" name=""/>
+        <p:cNvGrpSpPr/>
+        <p:nvPr/>
+      </p:nvGrpSpPr>
+      <p:grpSpPr>
+        <a:xfrm>
+          <a:off x="0" y="0"/>
+          <a:ext cx="0" cy="0"/>
+          <a:chOff x="0" y="0"/>
+          <a:chExt cx="0" cy="0"/>
+        </a:xfrm>
+      </p:grpSpPr>
+      <p:sp>
+        <p:nvSpPr>
           <p:cNvPr id="2" name="標題 1">
             <a:extLst>
               <a:ext uri="{FF2B5EF4-FFF2-40B4-BE49-F238E27FC236}">
@@ -3609,7 +5426,7 @@
 </p:sld>
 </file>
 
-<file path=ppt/slides/slide11.xml><?xml version="1.0" encoding="utf-8"?>
+<file path=ppt/slides/slide16.xml><?xml version="1.0" encoding="utf-8"?>
 <p:sld xmlns:a="http://schemas.openxmlformats.org/drawingml/2006/main" xmlns:r="http://schemas.openxmlformats.org/officeDocument/2006/relationships" xmlns:p="http://schemas.openxmlformats.org/presentationml/2006/main" show="0">
   <p:cSld>
     <p:spTree>
@@ -4171,12 +5988,22 @@
             <a:pPr marL="0" indent="0">
               <a:buNone/>
             </a:pPr>
-            <a:r>
-              <a:rPr lang="zh-TW" altLang="en-US" dirty="0">
-                <a:latin typeface="標楷體" panose="03000509000000000000" pitchFamily="65" charset="-120"/>
-                <a:ea typeface="標楷體" panose="03000509000000000000" pitchFamily="65" charset="-120"/>
-              </a:rPr>
-              <a:t>  </a:t>
+            <a:endParaRPr lang="en-US" altLang="zh-TW" sz="2400" dirty="0">
+              <a:latin typeface="標楷體" panose="03000509000000000000" pitchFamily="65" charset="-120"/>
+              <a:ea typeface="標楷體" panose="03000509000000000000" pitchFamily="65" charset="-120"/>
+            </a:endParaRPr>
+          </a:p>
+          <a:p>
+            <a:pPr>
+              <a:buFont typeface="Wingdings" panose="05000000000000000000" pitchFamily="2" charset="2"/>
+              <a:buChar char="ü"/>
+            </a:pPr>
+            <a:r>
+              <a:rPr lang="zh-TW" altLang="en-US" sz="2000" dirty="0">
+                <a:latin typeface="標楷體" panose="03000509000000000000" pitchFamily="65" charset="-120"/>
+                <a:ea typeface="標楷體" panose="03000509000000000000" pitchFamily="65" charset="-120"/>
+              </a:rPr>
+              <a:t> </a:t>
             </a:r>
             <a:r>
               <a:rPr lang="zh-TW" altLang="en-US" sz="2400" dirty="0">
@@ -4434,55 +6261,6 @@
         <p:spPr>
           <a:xfrm>
             <a:off x="6112429" y="2513143"/>
-            <a:ext cx="184558" cy="184558"/>
-          </a:xfrm>
-          <a:prstGeom prst="rect">
-            <a:avLst/>
-          </a:prstGeom>
-          <a:solidFill>
-            <a:schemeClr val="bg1"/>
-          </a:solidFill>
-        </p:spPr>
-        <p:style>
-          <a:lnRef idx="2">
-            <a:schemeClr val="dk1">
-              <a:shade val="15000"/>
-            </a:schemeClr>
-          </a:lnRef>
-          <a:fillRef idx="1">
-            <a:schemeClr val="dk1"/>
-          </a:fillRef>
-          <a:effectRef idx="0">
-            <a:schemeClr val="dk1"/>
-          </a:effectRef>
-          <a:fontRef idx="minor">
-            <a:schemeClr val="lt1"/>
-          </a:fontRef>
-        </p:style>
-        <p:txBody>
-          <a:bodyPr rtlCol="0" anchor="ctr"/>
-          <a:lstStyle/>
-          <a:p>
-            <a:pPr algn="ctr"/>
-            <a:endParaRPr lang="zh-TW" altLang="en-US"/>
-          </a:p>
-        </p:txBody>
-      </p:sp>
-      <p:sp>
-        <p:nvSpPr>
-          <p:cNvPr id="6" name="矩形 5">
-            <a:extLst>
-              <a:ext uri="{FF2B5EF4-FFF2-40B4-BE49-F238E27FC236}">
-                <a16:creationId xmlns:a16="http://schemas.microsoft.com/office/drawing/2014/main" id="{1F007839-3C88-FA23-265E-6A05FF636554}"/>
-              </a:ext>
-            </a:extLst>
-          </p:cNvPr>
-          <p:cNvSpPr/>
-          <p:nvPr/>
-        </p:nvSpPr>
-        <p:spPr>
-          <a:xfrm>
-            <a:off x="6112429" y="2001794"/>
             <a:ext cx="184558" cy="184558"/>
           </a:xfrm>
           <a:prstGeom prst="rect">
@@ -5107,7 +6885,7 @@
                 <a:latin typeface="標楷體" panose="03000509000000000000" pitchFamily="65" charset="-120"/>
                 <a:ea typeface="標楷體" panose="03000509000000000000" pitchFamily="65" charset="-120"/>
               </a:rPr>
-              <a:t>0.03</a:t>
+              <a:t>0.02</a:t>
             </a:r>
             <a:r>
               <a:rPr lang="zh-TW" altLang="en-US" sz="2400" dirty="0">
@@ -5440,42 +7218,445 @@
           <a:chExt cx="0" cy="0"/>
         </a:xfrm>
       </p:grpSpPr>
-      <p:pic>
-        <p:nvPicPr>
-          <p:cNvPr id="7" name="圖片 6">
-            <a:extLst>
-              <a:ext uri="{FF2B5EF4-FFF2-40B4-BE49-F238E27FC236}">
-                <a16:creationId xmlns:a16="http://schemas.microsoft.com/office/drawing/2014/main" id="{881DD300-9446-7092-319D-AE3894FE3DBD}"/>
-              </a:ext>
-            </a:extLst>
-          </p:cNvPr>
-          <p:cNvPicPr>
-            <a:picLocks noChangeAspect="1"/>
-          </p:cNvPicPr>
-          <p:nvPr/>
-        </p:nvPicPr>
-        <p:blipFill>
-          <a:blip r:embed="rId2"/>
-          <a:stretch>
-            <a:fillRect/>
-          </a:stretch>
-        </p:blipFill>
+      <p:sp>
+        <p:nvSpPr>
+          <p:cNvPr id="4" name="內容版面配置區 2">
+            <a:extLst>
+              <a:ext uri="{FF2B5EF4-FFF2-40B4-BE49-F238E27FC236}">
+                <a16:creationId xmlns:a16="http://schemas.microsoft.com/office/drawing/2014/main" id="{D97C9C10-E6BC-D2C9-0889-2333AF049577}"/>
+              </a:ext>
+            </a:extLst>
+          </p:cNvPr>
+          <p:cNvSpPr>
+            <a:spLocks noGrp="1"/>
+          </p:cNvSpPr>
+          <p:nvPr>
+            <p:ph idx="1"/>
+          </p:nvPr>
+        </p:nvSpPr>
         <p:spPr>
           <a:xfrm>
-            <a:off x="1004937" y="1784622"/>
-            <a:ext cx="6332938" cy="2818158"/>
+            <a:off x="838200" y="1825625"/>
+            <a:ext cx="10515600" cy="4351338"/>
           </a:xfrm>
-          <a:prstGeom prst="rect">
-            <a:avLst/>
-          </a:prstGeom>
         </p:spPr>
-      </p:pic>
-      <p:sp>
-        <p:nvSpPr>
-          <p:cNvPr id="10" name="標題 9">
-            <a:extLst>
-              <a:ext uri="{FF2B5EF4-FFF2-40B4-BE49-F238E27FC236}">
-                <a16:creationId xmlns:a16="http://schemas.microsoft.com/office/drawing/2014/main" id="{7AA2D03C-EE66-8BEF-70E1-2EE62E3E1E0B}"/>
+        <p:txBody>
+          <a:bodyPr>
+            <a:normAutofit fontScale="92500" lnSpcReduction="20000"/>
+          </a:bodyPr>
+          <a:lstStyle/>
+          <a:p>
+            <a:pPr marL="0" indent="0" algn="ctr">
+              <a:buFont typeface="Arial" panose="020B0604020202020204" pitchFamily="34" charset="0"/>
+              <a:buNone/>
+            </a:pPr>
+            <a:r>
+              <a:rPr lang="zh-TW" altLang="en-US" sz="2800" dirty="0">
+                <a:solidFill>
+                  <a:srgbClr val="FF0000"/>
+                </a:solidFill>
+                <a:latin typeface="標楷體" panose="03000509000000000000" pitchFamily="65" charset="-120"/>
+                <a:ea typeface="標楷體" panose="03000509000000000000" pitchFamily="65" charset="-120"/>
+              </a:rPr>
+              <a:t>修改後</a:t>
+            </a:r>
+            <a:r>
+              <a:rPr lang="zh-TW" altLang="en-US" dirty="0">
+                <a:solidFill>
+                  <a:srgbClr val="FF0000"/>
+                </a:solidFill>
+                <a:latin typeface="標楷體" panose="03000509000000000000" pitchFamily="65" charset="-120"/>
+                <a:ea typeface="標楷體" panose="03000509000000000000" pitchFamily="65" charset="-120"/>
+              </a:rPr>
+              <a:t>訓練</a:t>
+            </a:r>
+            <a:r>
+              <a:rPr lang="zh-TW" altLang="en-US" sz="2800" dirty="0">
+                <a:solidFill>
+                  <a:srgbClr val="FF0000"/>
+                </a:solidFill>
+                <a:latin typeface="標楷體" panose="03000509000000000000" pitchFamily="65" charset="-120"/>
+                <a:ea typeface="標楷體" panose="03000509000000000000" pitchFamily="65" charset="-120"/>
+              </a:rPr>
+              <a:t>集的數量</a:t>
+            </a:r>
+            <a:r>
+              <a:rPr lang="en-US" altLang="zh-TW" sz="2800" dirty="0">
+                <a:solidFill>
+                  <a:srgbClr val="FF0000"/>
+                </a:solidFill>
+                <a:latin typeface="標楷體" panose="03000509000000000000" pitchFamily="65" charset="-120"/>
+                <a:ea typeface="標楷體" panose="03000509000000000000" pitchFamily="65" charset="-120"/>
+              </a:rPr>
+              <a:t>(0.02)</a:t>
+            </a:r>
+            <a:r>
+              <a:rPr lang="zh-TW" altLang="en-US" sz="2800" dirty="0">
+                <a:solidFill>
+                  <a:srgbClr val="FF0000"/>
+                </a:solidFill>
+                <a:latin typeface="標楷體" panose="03000509000000000000" pitchFamily="65" charset="-120"/>
+                <a:ea typeface="標楷體" panose="03000509000000000000" pitchFamily="65" charset="-120"/>
+              </a:rPr>
+              <a:t>：</a:t>
+            </a:r>
+            <a:endParaRPr lang="en-US" altLang="zh-TW" sz="2800" dirty="0">
+              <a:solidFill>
+                <a:srgbClr val="FF0000"/>
+              </a:solidFill>
+              <a:latin typeface="標楷體" panose="03000509000000000000" pitchFamily="65" charset="-120"/>
+              <a:ea typeface="標楷體" panose="03000509000000000000" pitchFamily="65" charset="-120"/>
+            </a:endParaRPr>
+          </a:p>
+          <a:p>
+            <a:pPr marL="0" indent="0" algn="ctr">
+              <a:buFont typeface="Arial" panose="020B0604020202020204" pitchFamily="34" charset="0"/>
+              <a:buNone/>
+            </a:pPr>
+            <a:r>
+              <a:rPr lang="zh-TW" altLang="en-US" sz="2800" dirty="0">
+                <a:latin typeface="標楷體" panose="03000509000000000000" pitchFamily="65" charset="-120"/>
+                <a:ea typeface="標楷體" panose="03000509000000000000" pitchFamily="65" charset="-120"/>
+              </a:rPr>
+              <a:t>雙腳距離</a:t>
+            </a:r>
+            <a:r>
+              <a:rPr lang="en-US" altLang="zh-TW" sz="2800" dirty="0">
+                <a:latin typeface="標楷體" panose="03000509000000000000" pitchFamily="65" charset="-120"/>
+                <a:ea typeface="標楷體" panose="03000509000000000000" pitchFamily="65" charset="-120"/>
+              </a:rPr>
+              <a:t>_</a:t>
+            </a:r>
+            <a:r>
+              <a:rPr lang="zh-TW" altLang="en-US" sz="2800" dirty="0">
+                <a:latin typeface="標楷體" panose="03000509000000000000" pitchFamily="65" charset="-120"/>
+                <a:ea typeface="標楷體" panose="03000509000000000000" pitchFamily="65" charset="-120"/>
+              </a:rPr>
+              <a:t>膝蓋距離</a:t>
+            </a:r>
+            <a:endParaRPr lang="en-US" altLang="zh-TW" sz="2800" dirty="0">
+              <a:latin typeface="標楷體" panose="03000509000000000000" pitchFamily="65" charset="-120"/>
+              <a:ea typeface="標楷體" panose="03000509000000000000" pitchFamily="65" charset="-120"/>
+            </a:endParaRPr>
+          </a:p>
+          <a:p>
+            <a:pPr marL="0" indent="0" algn="ctr">
+              <a:buFont typeface="Arial" panose="020B0604020202020204" pitchFamily="34" charset="0"/>
+              <a:buNone/>
+            </a:pPr>
+            <a:r>
+              <a:rPr lang="zh-TW" altLang="en-US" sz="2800" dirty="0">
+                <a:latin typeface="標楷體" panose="03000509000000000000" pitchFamily="65" charset="-120"/>
+                <a:ea typeface="標楷體" panose="03000509000000000000" pitchFamily="65" charset="-120"/>
+              </a:rPr>
+              <a:t>標準</a:t>
+            </a:r>
+            <a:r>
+              <a:rPr lang="en-US" altLang="zh-TW" sz="2800" dirty="0">
+                <a:latin typeface="標楷體" panose="03000509000000000000" pitchFamily="65" charset="-120"/>
+                <a:ea typeface="標楷體" panose="03000509000000000000" pitchFamily="65" charset="-120"/>
+              </a:rPr>
+              <a:t>_</a:t>
+            </a:r>
+            <a:r>
+              <a:rPr lang="zh-TW" altLang="en-US" sz="2800" dirty="0">
+                <a:latin typeface="標楷體" panose="03000509000000000000" pitchFamily="65" charset="-120"/>
+                <a:ea typeface="標楷體" panose="03000509000000000000" pitchFamily="65" charset="-120"/>
+              </a:rPr>
+              <a:t>標準：</a:t>
+            </a:r>
+            <a:r>
+              <a:rPr lang="en-US" altLang="zh-TW" sz="2800" dirty="0">
+                <a:latin typeface="標楷體" panose="03000509000000000000" pitchFamily="65" charset="-120"/>
+                <a:ea typeface="標楷體" panose="03000509000000000000" pitchFamily="65" charset="-120"/>
+              </a:rPr>
+              <a:t>10038</a:t>
+            </a:r>
+          </a:p>
+          <a:p>
+            <a:pPr marL="0" indent="0" algn="ctr">
+              <a:buFont typeface="Arial" panose="020B0604020202020204" pitchFamily="34" charset="0"/>
+              <a:buNone/>
+            </a:pPr>
+            <a:r>
+              <a:rPr lang="zh-TW" altLang="en-US" sz="2800" dirty="0">
+                <a:latin typeface="標楷體" panose="03000509000000000000" pitchFamily="65" charset="-120"/>
+                <a:ea typeface="標楷體" panose="03000509000000000000" pitchFamily="65" charset="-120"/>
+              </a:rPr>
+              <a:t>標準</a:t>
+            </a:r>
+            <a:r>
+              <a:rPr lang="en-US" altLang="zh-TW" sz="2800" dirty="0">
+                <a:latin typeface="標楷體" panose="03000509000000000000" pitchFamily="65" charset="-120"/>
+                <a:ea typeface="標楷體" panose="03000509000000000000" pitchFamily="65" charset="-120"/>
+              </a:rPr>
+              <a:t>_</a:t>
+            </a:r>
+            <a:r>
+              <a:rPr lang="zh-TW" altLang="en-US" sz="2800" dirty="0">
+                <a:latin typeface="標楷體" panose="03000509000000000000" pitchFamily="65" charset="-120"/>
+                <a:ea typeface="標楷體" panose="03000509000000000000" pitchFamily="65" charset="-120"/>
+              </a:rPr>
+              <a:t>過窄：</a:t>
+            </a:r>
+            <a:r>
+              <a:rPr lang="en-US" altLang="zh-TW" sz="2800" dirty="0">
+                <a:latin typeface="標楷體" panose="03000509000000000000" pitchFamily="65" charset="-120"/>
+                <a:ea typeface="標楷體" panose="03000509000000000000" pitchFamily="65" charset="-120"/>
+              </a:rPr>
+              <a:t>4162</a:t>
+            </a:r>
+            <a:br>
+              <a:rPr lang="en-US" altLang="zh-TW" sz="2800" dirty="0">
+                <a:latin typeface="標楷體" panose="03000509000000000000" pitchFamily="65" charset="-120"/>
+                <a:ea typeface="標楷體" panose="03000509000000000000" pitchFamily="65" charset="-120"/>
+              </a:rPr>
+            </a:br>
+            <a:r>
+              <a:rPr lang="zh-TW" altLang="en-US" sz="2800" dirty="0">
+                <a:latin typeface="標楷體" panose="03000509000000000000" pitchFamily="65" charset="-120"/>
+                <a:ea typeface="標楷體" panose="03000509000000000000" pitchFamily="65" charset="-120"/>
+              </a:rPr>
+              <a:t>標準</a:t>
+            </a:r>
+            <a:r>
+              <a:rPr lang="en-US" altLang="zh-TW" sz="2800" dirty="0">
+                <a:latin typeface="標楷體" panose="03000509000000000000" pitchFamily="65" charset="-120"/>
+                <a:ea typeface="標楷體" panose="03000509000000000000" pitchFamily="65" charset="-120"/>
+              </a:rPr>
+              <a:t>_</a:t>
+            </a:r>
+            <a:r>
+              <a:rPr lang="zh-TW" altLang="en-US" sz="2800" dirty="0">
+                <a:latin typeface="標楷體" panose="03000509000000000000" pitchFamily="65" charset="-120"/>
+                <a:ea typeface="標楷體" panose="03000509000000000000" pitchFamily="65" charset="-120"/>
+              </a:rPr>
+              <a:t>過寬：</a:t>
+            </a:r>
+            <a:r>
+              <a:rPr lang="en-US" altLang="zh-TW" dirty="0">
+                <a:latin typeface="標楷體" panose="03000509000000000000" pitchFamily="65" charset="-120"/>
+                <a:ea typeface="標楷體" panose="03000509000000000000" pitchFamily="65" charset="-120"/>
+              </a:rPr>
+              <a:t>4140</a:t>
+            </a:r>
+            <a:endParaRPr lang="en-US" altLang="zh-TW" sz="2800" dirty="0">
+              <a:latin typeface="標楷體" panose="03000509000000000000" pitchFamily="65" charset="-120"/>
+              <a:ea typeface="標楷體" panose="03000509000000000000" pitchFamily="65" charset="-120"/>
+            </a:endParaRPr>
+          </a:p>
+          <a:p>
+            <a:pPr marL="0" indent="0" algn="ctr">
+              <a:buFont typeface="Arial" panose="020B0604020202020204" pitchFamily="34" charset="0"/>
+              <a:buNone/>
+            </a:pPr>
+            <a:r>
+              <a:rPr lang="zh-TW" altLang="en-US" sz="2800" dirty="0">
+                <a:latin typeface="標楷體" panose="03000509000000000000" pitchFamily="65" charset="-120"/>
+                <a:ea typeface="標楷體" panose="03000509000000000000" pitchFamily="65" charset="-120"/>
+              </a:rPr>
+              <a:t>過窄</a:t>
+            </a:r>
+            <a:r>
+              <a:rPr lang="en-US" altLang="zh-TW" sz="2800" dirty="0">
+                <a:latin typeface="標楷體" panose="03000509000000000000" pitchFamily="65" charset="-120"/>
+                <a:ea typeface="標楷體" panose="03000509000000000000" pitchFamily="65" charset="-120"/>
+              </a:rPr>
+              <a:t>_</a:t>
+            </a:r>
+            <a:r>
+              <a:rPr lang="zh-TW" altLang="en-US" sz="2800" dirty="0">
+                <a:latin typeface="標楷體" panose="03000509000000000000" pitchFamily="65" charset="-120"/>
+                <a:ea typeface="標楷體" panose="03000509000000000000" pitchFamily="65" charset="-120"/>
+              </a:rPr>
+              <a:t>標準：</a:t>
+            </a:r>
+            <a:r>
+              <a:rPr lang="en-US" altLang="zh-TW" sz="2800" dirty="0">
+                <a:latin typeface="標楷體" panose="03000509000000000000" pitchFamily="65" charset="-120"/>
+                <a:ea typeface="標楷體" panose="03000509000000000000" pitchFamily="65" charset="-120"/>
+              </a:rPr>
+              <a:t>3755</a:t>
+            </a:r>
+          </a:p>
+          <a:p>
+            <a:pPr marL="0" indent="0" algn="ctr">
+              <a:buFont typeface="Arial" panose="020B0604020202020204" pitchFamily="34" charset="0"/>
+              <a:buNone/>
+            </a:pPr>
+            <a:r>
+              <a:rPr lang="zh-TW" altLang="en-US" sz="2800" dirty="0">
+                <a:latin typeface="標楷體" panose="03000509000000000000" pitchFamily="65" charset="-120"/>
+                <a:ea typeface="標楷體" panose="03000509000000000000" pitchFamily="65" charset="-120"/>
+              </a:rPr>
+              <a:t>過窄</a:t>
+            </a:r>
+            <a:r>
+              <a:rPr lang="en-US" altLang="zh-TW" sz="2800" dirty="0">
+                <a:latin typeface="標楷體" panose="03000509000000000000" pitchFamily="65" charset="-120"/>
+                <a:ea typeface="標楷體" panose="03000509000000000000" pitchFamily="65" charset="-120"/>
+              </a:rPr>
+              <a:t>_</a:t>
+            </a:r>
+            <a:r>
+              <a:rPr lang="zh-TW" altLang="en-US" sz="2800" dirty="0">
+                <a:latin typeface="標楷體" panose="03000509000000000000" pitchFamily="65" charset="-120"/>
+                <a:ea typeface="標楷體" panose="03000509000000000000" pitchFamily="65" charset="-120"/>
+              </a:rPr>
+              <a:t>過窄：</a:t>
+            </a:r>
+            <a:r>
+              <a:rPr lang="en-US" altLang="zh-TW" sz="2800" dirty="0">
+                <a:latin typeface="標楷體" panose="03000509000000000000" pitchFamily="65" charset="-120"/>
+                <a:ea typeface="標楷體" panose="03000509000000000000" pitchFamily="65" charset="-120"/>
+              </a:rPr>
+              <a:t>3431</a:t>
+            </a:r>
+          </a:p>
+          <a:p>
+            <a:pPr marL="0" indent="0" algn="ctr">
+              <a:buFont typeface="Arial" panose="020B0604020202020204" pitchFamily="34" charset="0"/>
+              <a:buNone/>
+            </a:pPr>
+            <a:r>
+              <a:rPr lang="zh-TW" altLang="en-US" sz="2800" dirty="0">
+                <a:latin typeface="標楷體" panose="03000509000000000000" pitchFamily="65" charset="-120"/>
+                <a:ea typeface="標楷體" panose="03000509000000000000" pitchFamily="65" charset="-120"/>
+              </a:rPr>
+              <a:t>過窄</a:t>
+            </a:r>
+            <a:r>
+              <a:rPr lang="en-US" altLang="zh-TW" sz="2800" dirty="0">
+                <a:latin typeface="標楷體" panose="03000509000000000000" pitchFamily="65" charset="-120"/>
+                <a:ea typeface="標楷體" panose="03000509000000000000" pitchFamily="65" charset="-120"/>
+              </a:rPr>
+              <a:t>_</a:t>
+            </a:r>
+            <a:r>
+              <a:rPr lang="zh-TW" altLang="en-US" sz="2800" dirty="0">
+                <a:latin typeface="標楷體" panose="03000509000000000000" pitchFamily="65" charset="-120"/>
+                <a:ea typeface="標楷體" panose="03000509000000000000" pitchFamily="65" charset="-120"/>
+              </a:rPr>
+              <a:t>過寬：</a:t>
+            </a:r>
+            <a:r>
+              <a:rPr lang="en-US" altLang="zh-TW" dirty="0">
+                <a:latin typeface="標楷體" panose="03000509000000000000" pitchFamily="65" charset="-120"/>
+                <a:ea typeface="標楷體" panose="03000509000000000000" pitchFamily="65" charset="-120"/>
+              </a:rPr>
+              <a:t>3122</a:t>
+            </a:r>
+          </a:p>
+          <a:p>
+            <a:pPr marL="0" indent="0" algn="ctr">
+              <a:buFont typeface="Arial" panose="020B0604020202020204" pitchFamily="34" charset="0"/>
+              <a:buNone/>
+            </a:pPr>
+            <a:r>
+              <a:rPr lang="zh-TW" altLang="en-US" sz="2800" dirty="0">
+                <a:latin typeface="標楷體" panose="03000509000000000000" pitchFamily="65" charset="-120"/>
+                <a:ea typeface="標楷體" panose="03000509000000000000" pitchFamily="65" charset="-120"/>
+              </a:rPr>
+              <a:t>過寬</a:t>
+            </a:r>
+            <a:r>
+              <a:rPr lang="en-US" altLang="zh-TW" sz="2800" dirty="0">
+                <a:latin typeface="標楷體" panose="03000509000000000000" pitchFamily="65" charset="-120"/>
+                <a:ea typeface="標楷體" panose="03000509000000000000" pitchFamily="65" charset="-120"/>
+              </a:rPr>
+              <a:t>_</a:t>
+            </a:r>
+            <a:r>
+              <a:rPr lang="zh-TW" altLang="en-US" sz="2800" dirty="0">
+                <a:latin typeface="標楷體" panose="03000509000000000000" pitchFamily="65" charset="-120"/>
+                <a:ea typeface="標楷體" panose="03000509000000000000" pitchFamily="65" charset="-120"/>
+              </a:rPr>
+              <a:t>標準：</a:t>
+            </a:r>
+            <a:r>
+              <a:rPr lang="en-US" altLang="zh-TW" sz="2800" dirty="0">
+                <a:latin typeface="標楷體" panose="03000509000000000000" pitchFamily="65" charset="-120"/>
+                <a:ea typeface="標楷體" panose="03000509000000000000" pitchFamily="65" charset="-120"/>
+              </a:rPr>
+              <a:t>3994</a:t>
+            </a:r>
+          </a:p>
+          <a:p>
+            <a:pPr marL="0" indent="0" algn="ctr">
+              <a:buFont typeface="Arial" panose="020B0604020202020204" pitchFamily="34" charset="0"/>
+              <a:buNone/>
+            </a:pPr>
+            <a:r>
+              <a:rPr lang="zh-TW" altLang="en-US" sz="2800" dirty="0">
+                <a:latin typeface="標楷體" panose="03000509000000000000" pitchFamily="65" charset="-120"/>
+                <a:ea typeface="標楷體" panose="03000509000000000000" pitchFamily="65" charset="-120"/>
+              </a:rPr>
+              <a:t>過寬</a:t>
+            </a:r>
+            <a:r>
+              <a:rPr lang="en-US" altLang="zh-TW" sz="2800" dirty="0">
+                <a:latin typeface="標楷體" panose="03000509000000000000" pitchFamily="65" charset="-120"/>
+                <a:ea typeface="標楷體" panose="03000509000000000000" pitchFamily="65" charset="-120"/>
+              </a:rPr>
+              <a:t>_</a:t>
+            </a:r>
+            <a:r>
+              <a:rPr lang="zh-TW" altLang="en-US" sz="2800" dirty="0">
+                <a:latin typeface="標楷體" panose="03000509000000000000" pitchFamily="65" charset="-120"/>
+                <a:ea typeface="標楷體" panose="03000509000000000000" pitchFamily="65" charset="-120"/>
+              </a:rPr>
+              <a:t>過窄：</a:t>
+            </a:r>
+            <a:r>
+              <a:rPr lang="en-US" altLang="zh-TW" dirty="0">
+                <a:latin typeface="標楷體" panose="03000509000000000000" pitchFamily="65" charset="-120"/>
+                <a:ea typeface="標楷體" panose="03000509000000000000" pitchFamily="65" charset="-120"/>
+              </a:rPr>
+              <a:t>3035</a:t>
+            </a:r>
+          </a:p>
+          <a:p>
+            <a:pPr marL="0" indent="0" algn="ctr">
+              <a:buFont typeface="Arial" panose="020B0604020202020204" pitchFamily="34" charset="0"/>
+              <a:buNone/>
+            </a:pPr>
+            <a:r>
+              <a:rPr lang="zh-TW" altLang="en-US" sz="2800" dirty="0">
+                <a:latin typeface="標楷體" panose="03000509000000000000" pitchFamily="65" charset="-120"/>
+                <a:ea typeface="標楷體" panose="03000509000000000000" pitchFamily="65" charset="-120"/>
+              </a:rPr>
+              <a:t>過寬</a:t>
+            </a:r>
+            <a:r>
+              <a:rPr lang="en-US" altLang="zh-TW" sz="2800" dirty="0">
+                <a:latin typeface="標楷體" panose="03000509000000000000" pitchFamily="65" charset="-120"/>
+                <a:ea typeface="標楷體" panose="03000509000000000000" pitchFamily="65" charset="-120"/>
+              </a:rPr>
+              <a:t>_</a:t>
+            </a:r>
+            <a:r>
+              <a:rPr lang="zh-TW" altLang="en-US" sz="2800" dirty="0">
+                <a:latin typeface="標楷體" panose="03000509000000000000" pitchFamily="65" charset="-120"/>
+                <a:ea typeface="標楷體" panose="03000509000000000000" pitchFamily="65" charset="-120"/>
+              </a:rPr>
+              <a:t>過寬：</a:t>
+            </a:r>
+            <a:r>
+              <a:rPr lang="en-US" altLang="zh-TW" dirty="0">
+                <a:latin typeface="標楷體" panose="03000509000000000000" pitchFamily="65" charset="-120"/>
+                <a:ea typeface="標楷體" panose="03000509000000000000" pitchFamily="65" charset="-120"/>
+              </a:rPr>
+              <a:t>4112</a:t>
+            </a:r>
+          </a:p>
+        </p:txBody>
+      </p:sp>
+      <p:sp>
+        <p:nvSpPr>
+          <p:cNvPr id="5" name="標題 1">
+            <a:extLst>
+              <a:ext uri="{FF2B5EF4-FFF2-40B4-BE49-F238E27FC236}">
+                <a16:creationId xmlns:a16="http://schemas.microsoft.com/office/drawing/2014/main" id="{B5DA6EB4-6D73-53F9-8C04-7361F1AA7680}"/>
               </a:ext>
             </a:extLst>
           </p:cNvPr>
@@ -5486,49 +7667,31 @@
             <p:ph type="title"/>
           </p:nvPr>
         </p:nvSpPr>
-        <p:spPr/>
+        <p:spPr>
+          <a:xfrm>
+            <a:off x="838200" y="365125"/>
+            <a:ext cx="10515600" cy="1325563"/>
+          </a:xfrm>
+        </p:spPr>
         <p:txBody>
           <a:bodyPr/>
           <a:lstStyle/>
           <a:p>
-            <a:endParaRPr lang="zh-TW" altLang="en-US" dirty="0"/>
-          </a:p>
-        </p:txBody>
-      </p:sp>
-      <p:pic>
-        <p:nvPicPr>
-          <p:cNvPr id="12" name="圖片 11">
-            <a:extLst>
-              <a:ext uri="{FF2B5EF4-FFF2-40B4-BE49-F238E27FC236}">
-                <a16:creationId xmlns:a16="http://schemas.microsoft.com/office/drawing/2014/main" id="{28AFC53A-28D1-9FA3-C66F-337565118A48}"/>
-              </a:ext>
-            </a:extLst>
-          </p:cNvPr>
-          <p:cNvPicPr>
-            <a:picLocks noChangeAspect="1"/>
-          </p:cNvPicPr>
-          <p:nvPr/>
-        </p:nvPicPr>
-        <p:blipFill>
-          <a:blip r:embed="rId3"/>
-          <a:stretch>
-            <a:fillRect/>
-          </a:stretch>
-        </p:blipFill>
-        <p:spPr>
-          <a:xfrm>
-            <a:off x="1004937" y="4696714"/>
-            <a:ext cx="6525536" cy="990738"/>
-          </a:xfrm>
-          <a:prstGeom prst="rect">
-            <a:avLst/>
-          </a:prstGeom>
-        </p:spPr>
-      </p:pic>
+            <a:pPr algn="ctr"/>
+            <a:r>
+              <a:rPr lang="zh-TW" altLang="en-US" dirty="0">
+                <a:latin typeface="標楷體" panose="03000509000000000000" pitchFamily="65" charset="-120"/>
+                <a:ea typeface="標楷體" panose="03000509000000000000" pitchFamily="65" charset="-120"/>
+              </a:rPr>
+              <a:t>再次訓練</a:t>
+            </a:r>
+          </a:p>
+        </p:txBody>
+      </p:sp>
     </p:spTree>
     <p:extLst>
       <p:ext uri="{BB962C8B-B14F-4D97-AF65-F5344CB8AC3E}">
-        <p14:creationId xmlns:p14="http://schemas.microsoft.com/office/powerpoint/2010/main" val="534334122"/>
+        <p14:creationId xmlns:p14="http://schemas.microsoft.com/office/powerpoint/2010/main" val="3792317899"/>
       </p:ext>
     </p:extLst>
   </p:cSld>
@@ -5555,166 +7718,32 @@
           <a:chExt cx="0" cy="0"/>
         </a:xfrm>
       </p:grpSpPr>
-      <p:sp>
-        <p:nvSpPr>
-          <p:cNvPr id="2" name="標題 1">
-            <a:extLst>
-              <a:ext uri="{FF2B5EF4-FFF2-40B4-BE49-F238E27FC236}">
-                <a16:creationId xmlns:a16="http://schemas.microsoft.com/office/drawing/2014/main" id="{6BC88751-49FD-10C2-9A54-E5F2B7D92F33}"/>
-              </a:ext>
-            </a:extLst>
-          </p:cNvPr>
-          <p:cNvSpPr>
-            <a:spLocks noGrp="1"/>
-          </p:cNvSpPr>
-          <p:nvPr>
-            <p:ph type="title"/>
-          </p:nvPr>
-        </p:nvSpPr>
-        <p:spPr/>
-        <p:txBody>
-          <a:bodyPr/>
-          <a:lstStyle/>
-          <a:p>
-            <a:pPr algn="ctr"/>
-            <a:r>
-              <a:rPr lang="zh-TW" altLang="en-US" dirty="0">
-                <a:latin typeface="標楷體" panose="03000509000000000000" pitchFamily="65" charset="-120"/>
-                <a:ea typeface="標楷體" panose="03000509000000000000" pitchFamily="65" charset="-120"/>
-              </a:rPr>
-              <a:t>系統優化</a:t>
-            </a:r>
-          </a:p>
-        </p:txBody>
-      </p:sp>
-      <p:sp>
-        <p:nvSpPr>
-          <p:cNvPr id="3" name="內容版面配置區 2">
-            <a:extLst>
-              <a:ext uri="{FF2B5EF4-FFF2-40B4-BE49-F238E27FC236}">
-                <a16:creationId xmlns:a16="http://schemas.microsoft.com/office/drawing/2014/main" id="{3EB2FC36-6AA1-B562-DBB5-4AA24E20272C}"/>
-              </a:ext>
-            </a:extLst>
-          </p:cNvPr>
-          <p:cNvSpPr>
-            <a:spLocks noGrp="1"/>
-          </p:cNvSpPr>
-          <p:nvPr>
-            <p:ph idx="1"/>
-          </p:nvPr>
-        </p:nvSpPr>
-        <p:spPr/>
-        <p:txBody>
-          <a:bodyPr/>
-          <a:lstStyle/>
-          <a:p>
-            <a:r>
-              <a:rPr lang="zh-TW" altLang="en-US" dirty="0">
-                <a:latin typeface="標楷體" panose="03000509000000000000" pitchFamily="65" charset="-120"/>
-                <a:ea typeface="標楷體" panose="03000509000000000000" pitchFamily="65" charset="-120"/>
-              </a:rPr>
-              <a:t>深蹲姿勢矯正模型</a:t>
-            </a:r>
-            <a:endParaRPr lang="en-US" altLang="zh-TW" dirty="0">
-              <a:latin typeface="標楷體" panose="03000509000000000000" pitchFamily="65" charset="-120"/>
-              <a:ea typeface="標楷體" panose="03000509000000000000" pitchFamily="65" charset="-120"/>
-            </a:endParaRPr>
-          </a:p>
-          <a:p>
-            <a:r>
-              <a:rPr lang="zh-TW" altLang="en-US" dirty="0">
-                <a:latin typeface="標楷體" panose="03000509000000000000" pitchFamily="65" charset="-120"/>
-                <a:ea typeface="標楷體" panose="03000509000000000000" pitchFamily="65" charset="-120"/>
-              </a:rPr>
-              <a:t>資料集</a:t>
-            </a:r>
-            <a:r>
-              <a:rPr lang="en-US" altLang="zh-TW" dirty="0">
-                <a:latin typeface="標楷體" panose="03000509000000000000" pitchFamily="65" charset="-120"/>
-                <a:ea typeface="標楷體" panose="03000509000000000000" pitchFamily="65" charset="-120"/>
-              </a:rPr>
-              <a:t>:600</a:t>
-            </a:r>
-          </a:p>
-          <a:p>
-            <a:r>
-              <a:rPr lang="zh-TW" altLang="en-US" dirty="0">
-                <a:latin typeface="標楷體" panose="03000509000000000000" pitchFamily="65" charset="-120"/>
-                <a:ea typeface="標楷體" panose="03000509000000000000" pitchFamily="65" charset="-120"/>
-              </a:rPr>
-              <a:t>訓練集</a:t>
-            </a:r>
-            <a:r>
-              <a:rPr lang="en-US" altLang="zh-TW" dirty="0">
-                <a:latin typeface="標楷體" panose="03000509000000000000" pitchFamily="65" charset="-120"/>
-                <a:ea typeface="標楷體" panose="03000509000000000000" pitchFamily="65" charset="-120"/>
-              </a:rPr>
-              <a:t>:540</a:t>
-            </a:r>
-          </a:p>
-          <a:p>
-            <a:r>
-              <a:rPr lang="zh-TW" altLang="en-US" dirty="0">
-                <a:latin typeface="標楷體" panose="03000509000000000000" pitchFamily="65" charset="-120"/>
-                <a:ea typeface="標楷體" panose="03000509000000000000" pitchFamily="65" charset="-120"/>
-              </a:rPr>
-              <a:t>測試集</a:t>
-            </a:r>
-            <a:r>
-              <a:rPr lang="en-US" altLang="zh-TW" dirty="0">
-                <a:latin typeface="標楷體" panose="03000509000000000000" pitchFamily="65" charset="-120"/>
-                <a:ea typeface="標楷體" panose="03000509000000000000" pitchFamily="65" charset="-120"/>
-              </a:rPr>
-              <a:t>:60</a:t>
-            </a:r>
-          </a:p>
-          <a:p>
-            <a:r>
-              <a:rPr lang="en-US" altLang="zh-TW" dirty="0">
-                <a:latin typeface="標楷體" panose="03000509000000000000" pitchFamily="65" charset="-120"/>
-                <a:ea typeface="標楷體" panose="03000509000000000000" pitchFamily="65" charset="-120"/>
-              </a:rPr>
-              <a:t>Epoch:500</a:t>
-            </a:r>
-          </a:p>
-          <a:p>
-            <a:r>
-              <a:rPr lang="en-US" altLang="zh-TW" dirty="0">
-                <a:latin typeface="標楷體" panose="03000509000000000000" pitchFamily="65" charset="-120"/>
-                <a:ea typeface="標楷體" panose="03000509000000000000" pitchFamily="65" charset="-120"/>
-              </a:rPr>
-              <a:t>Batch  size:1</a:t>
-            </a:r>
-            <a:endParaRPr lang="zh-TW" altLang="en-US" dirty="0">
-              <a:latin typeface="標楷體" panose="03000509000000000000" pitchFamily="65" charset="-120"/>
-              <a:ea typeface="標楷體" panose="03000509000000000000" pitchFamily="65" charset="-120"/>
-            </a:endParaRPr>
-          </a:p>
-        </p:txBody>
-      </p:sp>
       <p:pic>
         <p:nvPicPr>
-          <p:cNvPr id="4" name="圖片 3">
-            <a:extLst>
-              <a:ext uri="{FF2B5EF4-FFF2-40B4-BE49-F238E27FC236}">
-                <a16:creationId xmlns:a16="http://schemas.microsoft.com/office/drawing/2014/main" id="{0207E140-7D59-D167-73A8-BDF6FC9E7140}"/>
+          <p:cNvPr id="5" name="內容版面配置區 4">
+            <a:extLst>
+              <a:ext uri="{FF2B5EF4-FFF2-40B4-BE49-F238E27FC236}">
+                <a16:creationId xmlns:a16="http://schemas.microsoft.com/office/drawing/2014/main" id="{88B0E8E1-57D1-6049-234E-1F2D9BE7F830}"/>
               </a:ext>
             </a:extLst>
           </p:cNvPr>
           <p:cNvPicPr>
-            <a:picLocks noChangeAspect="1"/>
+            <a:picLocks noGrp="1" noChangeAspect="1"/>
           </p:cNvPicPr>
-          <p:nvPr/>
+          <p:nvPr>
+            <p:ph idx="1"/>
+          </p:nvPr>
         </p:nvPicPr>
-        <p:blipFill rotWithShape="1">
+        <p:blipFill>
           <a:blip r:embed="rId2"/>
-          <a:srcRect r="67358"/>
-          <a:stretch/>
+          <a:stretch>
+            <a:fillRect/>
+          </a:stretch>
         </p:blipFill>
         <p:spPr>
           <a:xfrm>
-            <a:off x="6163112" y="1978031"/>
-            <a:ext cx="3541098" cy="3082623"/>
+            <a:off x="2250934" y="1478563"/>
+            <a:ext cx="7690132" cy="4950948"/>
           </a:xfrm>
           <a:prstGeom prst="rect">
             <a:avLst/>
@@ -5723,42 +7752,37 @@
       </p:pic>
       <p:sp>
         <p:nvSpPr>
-          <p:cNvPr id="5" name="文字方塊 4">
-            <a:extLst>
-              <a:ext uri="{FF2B5EF4-FFF2-40B4-BE49-F238E27FC236}">
-                <a16:creationId xmlns:a16="http://schemas.microsoft.com/office/drawing/2014/main" id="{A5BE0D99-BC02-BEF3-8F88-C91B8110E1B8}"/>
-              </a:ext>
-            </a:extLst>
-          </p:cNvPr>
-          <p:cNvSpPr txBox="1"/>
-          <p:nvPr/>
+          <p:cNvPr id="4" name="標題 1">
+            <a:extLst>
+              <a:ext uri="{FF2B5EF4-FFF2-40B4-BE49-F238E27FC236}">
+                <a16:creationId xmlns:a16="http://schemas.microsoft.com/office/drawing/2014/main" id="{200D4309-3487-27E8-1758-D12926C83CB5}"/>
+              </a:ext>
+            </a:extLst>
+          </p:cNvPr>
+          <p:cNvSpPr>
+            <a:spLocks noGrp="1"/>
+          </p:cNvSpPr>
+          <p:nvPr>
+            <p:ph type="title"/>
+          </p:nvPr>
         </p:nvSpPr>
         <p:spPr>
           <a:xfrm>
-            <a:off x="7410921" y="5195591"/>
-            <a:ext cx="1045479" cy="369332"/>
+            <a:off x="838200" y="365125"/>
+            <a:ext cx="10515600" cy="1325563"/>
           </a:xfrm>
-          <a:prstGeom prst="rect">
-            <a:avLst/>
-          </a:prstGeom>
-          <a:noFill/>
         </p:spPr>
         <p:txBody>
-          <a:bodyPr wrap="none" rtlCol="0">
-            <a:spAutoFit/>
-          </a:bodyPr>
+          <a:bodyPr/>
           <a:lstStyle/>
           <a:p>
-            <a:r>
-              <a:rPr lang="en-US" altLang="zh-TW" dirty="0"/>
-              <a:t>Loss</a:t>
-            </a:r>
+            <a:pPr algn="ctr"/>
             <a:r>
               <a:rPr lang="zh-TW" altLang="en-US" dirty="0">
                 <a:latin typeface="標楷體" panose="03000509000000000000" pitchFamily="65" charset="-120"/>
                 <a:ea typeface="標楷體" panose="03000509000000000000" pitchFamily="65" charset="-120"/>
               </a:rPr>
-              <a:t>圖表</a:t>
+              <a:t>訓練結果</a:t>
             </a:r>
           </a:p>
         </p:txBody>
@@ -5766,7 +7790,7 @@
     </p:spTree>
     <p:extLst>
       <p:ext uri="{BB962C8B-B14F-4D97-AF65-F5344CB8AC3E}">
-        <p14:creationId xmlns:p14="http://schemas.microsoft.com/office/powerpoint/2010/main" val="1761112541"/>
+        <p14:creationId xmlns:p14="http://schemas.microsoft.com/office/powerpoint/2010/main" val="3891844009"/>
       </p:ext>
     </p:extLst>
   </p:cSld>
@@ -5795,46 +7819,10 @@
       </p:grpSpPr>
       <p:sp>
         <p:nvSpPr>
-          <p:cNvPr id="3" name="內容版面配置區 2">
-            <a:extLst>
-              <a:ext uri="{FF2B5EF4-FFF2-40B4-BE49-F238E27FC236}">
-                <a16:creationId xmlns:a16="http://schemas.microsoft.com/office/drawing/2014/main" id="{922947CE-F6EC-8A52-106E-B46BBA3913D3}"/>
-              </a:ext>
-            </a:extLst>
-          </p:cNvPr>
-          <p:cNvSpPr>
-            <a:spLocks noGrp="1"/>
-          </p:cNvSpPr>
-          <p:nvPr>
-            <p:ph idx="1"/>
-          </p:nvPr>
-        </p:nvSpPr>
-        <p:spPr>
-          <a:xfrm>
-            <a:off x="838200" y="1690688"/>
-            <a:ext cx="10515600" cy="4351338"/>
-          </a:xfrm>
-        </p:spPr>
-        <p:txBody>
-          <a:bodyPr/>
-          <a:lstStyle/>
-          <a:p>
-            <a:r>
-              <a:rPr lang="zh-TW" altLang="en-US" dirty="0">
-                <a:latin typeface="標楷體" panose="03000509000000000000" pitchFamily="65" charset="-120"/>
-                <a:ea typeface="標楷體" panose="03000509000000000000" pitchFamily="65" charset="-120"/>
-              </a:rPr>
-              <a:t>深蹲姿勢矯正模型</a:t>
-            </a:r>
-          </a:p>
-        </p:txBody>
-      </p:sp>
-      <p:sp>
-        <p:nvSpPr>
           <p:cNvPr id="4" name="標題 1">
             <a:extLst>
               <a:ext uri="{FF2B5EF4-FFF2-40B4-BE49-F238E27FC236}">
-                <a16:creationId xmlns:a16="http://schemas.microsoft.com/office/drawing/2014/main" id="{6B858F19-DCDF-0420-78DB-5DB8A3BC2FFE}"/>
+                <a16:creationId xmlns:a16="http://schemas.microsoft.com/office/drawing/2014/main" id="{842518F5-CC49-DAD2-6D17-74EDB8B7B9AD}"/>
               </a:ext>
             </a:extLst>
           </p:cNvPr>
@@ -5861,842 +7849,439 @@
                 <a:latin typeface="標楷體" panose="03000509000000000000" pitchFamily="65" charset="-120"/>
                 <a:ea typeface="標楷體" panose="03000509000000000000" pitchFamily="65" charset="-120"/>
               </a:rPr>
-              <a:t>系統優化</a:t>
-            </a:r>
-          </a:p>
-        </p:txBody>
-      </p:sp>
-      <p:pic>
-        <p:nvPicPr>
-          <p:cNvPr id="5" name="圖片 4">
-            <a:extLst>
-              <a:ext uri="{FF2B5EF4-FFF2-40B4-BE49-F238E27FC236}">
-                <a16:creationId xmlns:a16="http://schemas.microsoft.com/office/drawing/2014/main" id="{36AA6508-18F9-6574-08D4-E83A12A9ABD7}"/>
-              </a:ext>
-            </a:extLst>
-          </p:cNvPr>
-          <p:cNvPicPr>
-            <a:picLocks noChangeAspect="1"/>
-          </p:cNvPicPr>
-          <p:nvPr/>
-        </p:nvPicPr>
-        <p:blipFill rotWithShape="1">
-          <a:blip r:embed="rId2"/>
-          <a:srcRect l="33630"/>
-          <a:stretch/>
-        </p:blipFill>
+              <a:t>獨立測試集的測試結果</a:t>
+            </a:r>
+          </a:p>
+        </p:txBody>
+      </p:sp>
+      <p:sp>
+        <p:nvSpPr>
+          <p:cNvPr id="5" name="內容版面配置區 2">
+            <a:extLst>
+              <a:ext uri="{FF2B5EF4-FFF2-40B4-BE49-F238E27FC236}">
+                <a16:creationId xmlns:a16="http://schemas.microsoft.com/office/drawing/2014/main" id="{B634D140-DDAD-00CF-6375-AAAB2493E97A}"/>
+              </a:ext>
+            </a:extLst>
+          </p:cNvPr>
+          <p:cNvSpPr>
+            <a:spLocks noGrp="1"/>
+          </p:cNvSpPr>
+          <p:nvPr>
+            <p:ph idx="1"/>
+          </p:nvPr>
+        </p:nvSpPr>
         <p:spPr>
           <a:xfrm>
-            <a:off x="1151093" y="2163614"/>
-            <a:ext cx="3253727" cy="4522862"/>
+            <a:off x="838200" y="1825625"/>
+            <a:ext cx="10515600" cy="4351338"/>
           </a:xfrm>
-          <a:prstGeom prst="rect">
-            <a:avLst/>
-          </a:prstGeom>
         </p:spPr>
-      </p:pic>
-      <p:cxnSp>
-        <p:nvCxnSpPr>
-          <p:cNvPr id="7" name="直線接點 6">
-            <a:extLst>
-              <a:ext uri="{FF2B5EF4-FFF2-40B4-BE49-F238E27FC236}">
-                <a16:creationId xmlns:a16="http://schemas.microsoft.com/office/drawing/2014/main" id="{428DE1C4-67DF-284C-305B-61D689BBADA0}"/>
-              </a:ext>
-            </a:extLst>
-          </p:cNvPr>
-          <p:cNvCxnSpPr/>
-          <p:nvPr/>
-        </p:nvCxnSpPr>
-        <p:spPr>
-          <a:xfrm>
-            <a:off x="1946246" y="2810309"/>
-            <a:ext cx="0" cy="889233"/>
-          </a:xfrm>
-          <a:prstGeom prst="line">
-            <a:avLst/>
-          </a:prstGeom>
-          <a:ln w="28575">
-            <a:solidFill>
-              <a:srgbClr val="FFFF00"/>
-            </a:solidFill>
-          </a:ln>
-        </p:spPr>
-        <p:style>
-          <a:lnRef idx="1">
-            <a:schemeClr val="accent1"/>
-          </a:lnRef>
-          <a:fillRef idx="0">
-            <a:schemeClr val="accent1"/>
-          </a:fillRef>
-          <a:effectRef idx="0">
-            <a:schemeClr val="accent1"/>
-          </a:effectRef>
-          <a:fontRef idx="minor">
-            <a:schemeClr val="tx1"/>
-          </a:fontRef>
-        </p:style>
-      </p:cxnSp>
-      <p:cxnSp>
-        <p:nvCxnSpPr>
-          <p:cNvPr id="8" name="直線接點 7">
-            <a:extLst>
-              <a:ext uri="{FF2B5EF4-FFF2-40B4-BE49-F238E27FC236}">
-                <a16:creationId xmlns:a16="http://schemas.microsoft.com/office/drawing/2014/main" id="{CD455D22-492B-BE6B-90A1-E72F5658920E}"/>
-              </a:ext>
-            </a:extLst>
-          </p:cNvPr>
-          <p:cNvCxnSpPr/>
-          <p:nvPr/>
-        </p:nvCxnSpPr>
-        <p:spPr>
-          <a:xfrm>
-            <a:off x="2157369" y="2810309"/>
-            <a:ext cx="0" cy="889233"/>
-          </a:xfrm>
-          <a:prstGeom prst="line">
-            <a:avLst/>
-          </a:prstGeom>
-          <a:ln w="28575">
-            <a:solidFill>
-              <a:srgbClr val="FFFF00"/>
-            </a:solidFill>
-          </a:ln>
-        </p:spPr>
-        <p:style>
-          <a:lnRef idx="1">
-            <a:schemeClr val="accent1"/>
-          </a:lnRef>
-          <a:fillRef idx="0">
-            <a:schemeClr val="accent1"/>
-          </a:fillRef>
-          <a:effectRef idx="0">
-            <a:schemeClr val="accent1"/>
-          </a:effectRef>
-          <a:fontRef idx="minor">
-            <a:schemeClr val="tx1"/>
-          </a:fontRef>
-        </p:style>
-      </p:cxnSp>
-      <p:cxnSp>
-        <p:nvCxnSpPr>
-          <p:cNvPr id="9" name="直線接點 8">
-            <a:extLst>
-              <a:ext uri="{FF2B5EF4-FFF2-40B4-BE49-F238E27FC236}">
-                <a16:creationId xmlns:a16="http://schemas.microsoft.com/office/drawing/2014/main" id="{58AE39AC-DB28-4106-AE3A-CA4F1C4E1DDF}"/>
-              </a:ext>
-            </a:extLst>
-          </p:cNvPr>
-          <p:cNvCxnSpPr/>
-          <p:nvPr/>
-        </p:nvCxnSpPr>
-        <p:spPr>
-          <a:xfrm>
-            <a:off x="2358704" y="2810309"/>
-            <a:ext cx="0" cy="889233"/>
-          </a:xfrm>
-          <a:prstGeom prst="line">
-            <a:avLst/>
-          </a:prstGeom>
-          <a:ln w="28575">
-            <a:solidFill>
-              <a:srgbClr val="FFFF00"/>
-            </a:solidFill>
-          </a:ln>
-        </p:spPr>
-        <p:style>
-          <a:lnRef idx="1">
-            <a:schemeClr val="accent1"/>
-          </a:lnRef>
-          <a:fillRef idx="0">
-            <a:schemeClr val="accent1"/>
-          </a:fillRef>
-          <a:effectRef idx="0">
-            <a:schemeClr val="accent1"/>
-          </a:effectRef>
-          <a:fontRef idx="minor">
-            <a:schemeClr val="tx1"/>
-          </a:fontRef>
-        </p:style>
-      </p:cxnSp>
-      <p:cxnSp>
-        <p:nvCxnSpPr>
-          <p:cNvPr id="10" name="直線接點 9">
-            <a:extLst>
-              <a:ext uri="{FF2B5EF4-FFF2-40B4-BE49-F238E27FC236}">
-                <a16:creationId xmlns:a16="http://schemas.microsoft.com/office/drawing/2014/main" id="{BC228ED6-9247-6C4D-A188-23A8010842AF}"/>
-              </a:ext>
-            </a:extLst>
-          </p:cNvPr>
-          <p:cNvCxnSpPr/>
-          <p:nvPr/>
-        </p:nvCxnSpPr>
-        <p:spPr>
-          <a:xfrm>
-            <a:off x="1946246" y="5328403"/>
-            <a:ext cx="0" cy="889233"/>
-          </a:xfrm>
-          <a:prstGeom prst="line">
-            <a:avLst/>
-          </a:prstGeom>
-          <a:ln w="28575">
-            <a:solidFill>
-              <a:srgbClr val="FFFF00"/>
-            </a:solidFill>
-          </a:ln>
-        </p:spPr>
-        <p:style>
-          <a:lnRef idx="1">
-            <a:schemeClr val="accent1"/>
-          </a:lnRef>
-          <a:fillRef idx="0">
-            <a:schemeClr val="accent1"/>
-          </a:fillRef>
-          <a:effectRef idx="0">
-            <a:schemeClr val="accent1"/>
-          </a:effectRef>
-          <a:fontRef idx="minor">
-            <a:schemeClr val="tx1"/>
-          </a:fontRef>
-        </p:style>
-      </p:cxnSp>
-      <p:cxnSp>
-        <p:nvCxnSpPr>
-          <p:cNvPr id="11" name="直線接點 10">
-            <a:extLst>
-              <a:ext uri="{FF2B5EF4-FFF2-40B4-BE49-F238E27FC236}">
-                <a16:creationId xmlns:a16="http://schemas.microsoft.com/office/drawing/2014/main" id="{894525A7-0641-23CB-8390-D38890F4808A}"/>
-              </a:ext>
-            </a:extLst>
-          </p:cNvPr>
-          <p:cNvCxnSpPr/>
-          <p:nvPr/>
-        </p:nvCxnSpPr>
-        <p:spPr>
-          <a:xfrm>
-            <a:off x="2178341" y="5313017"/>
-            <a:ext cx="0" cy="889233"/>
-          </a:xfrm>
-          <a:prstGeom prst="line">
-            <a:avLst/>
-          </a:prstGeom>
-          <a:ln w="28575">
-            <a:solidFill>
-              <a:srgbClr val="FFFF00"/>
-            </a:solidFill>
-          </a:ln>
-        </p:spPr>
-        <p:style>
-          <a:lnRef idx="1">
-            <a:schemeClr val="accent1"/>
-          </a:lnRef>
-          <a:fillRef idx="0">
-            <a:schemeClr val="accent1"/>
-          </a:fillRef>
-          <a:effectRef idx="0">
-            <a:schemeClr val="accent1"/>
-          </a:effectRef>
-          <a:fontRef idx="minor">
-            <a:schemeClr val="tx1"/>
-          </a:fontRef>
-        </p:style>
-      </p:cxnSp>
-      <p:cxnSp>
-        <p:nvCxnSpPr>
-          <p:cNvPr id="12" name="直線接點 11">
-            <a:extLst>
-              <a:ext uri="{FF2B5EF4-FFF2-40B4-BE49-F238E27FC236}">
-                <a16:creationId xmlns:a16="http://schemas.microsoft.com/office/drawing/2014/main" id="{32487DE7-D10A-3DD2-1325-34335BDE55C9}"/>
-              </a:ext>
-            </a:extLst>
-          </p:cNvPr>
-          <p:cNvCxnSpPr/>
-          <p:nvPr/>
-        </p:nvCxnSpPr>
-        <p:spPr>
-          <a:xfrm>
-            <a:off x="2386667" y="5328402"/>
-            <a:ext cx="0" cy="889233"/>
-          </a:xfrm>
-          <a:prstGeom prst="line">
-            <a:avLst/>
-          </a:prstGeom>
-          <a:ln w="28575">
-            <a:solidFill>
-              <a:srgbClr val="FFFF00"/>
-            </a:solidFill>
-          </a:ln>
-        </p:spPr>
-        <p:style>
-          <a:lnRef idx="1">
-            <a:schemeClr val="accent1"/>
-          </a:lnRef>
-          <a:fillRef idx="0">
-            <a:schemeClr val="accent1"/>
-          </a:fillRef>
-          <a:effectRef idx="0">
-            <a:schemeClr val="accent1"/>
-          </a:effectRef>
-          <a:fontRef idx="minor">
-            <a:schemeClr val="tx1"/>
-          </a:fontRef>
-        </p:style>
-      </p:cxnSp>
-      <p:pic>
-        <p:nvPicPr>
-          <p:cNvPr id="14" name="圖片 13">
-            <a:extLst>
-              <a:ext uri="{FF2B5EF4-FFF2-40B4-BE49-F238E27FC236}">
-                <a16:creationId xmlns:a16="http://schemas.microsoft.com/office/drawing/2014/main" id="{4B7E85CE-FDB2-5450-2E62-7E555BC3E2F1}"/>
-              </a:ext>
-            </a:extLst>
-          </p:cNvPr>
-          <p:cNvPicPr>
-            <a:picLocks noChangeAspect="1"/>
-          </p:cNvPicPr>
-          <p:nvPr/>
-        </p:nvPicPr>
-        <p:blipFill>
-          <a:blip r:embed="rId3"/>
-          <a:stretch>
-            <a:fillRect/>
-          </a:stretch>
-        </p:blipFill>
-        <p:spPr>
-          <a:xfrm>
-            <a:off x="4533458" y="2163614"/>
-            <a:ext cx="3253724" cy="4522862"/>
-          </a:xfrm>
-          <a:prstGeom prst="rect">
-            <a:avLst/>
-          </a:prstGeom>
-        </p:spPr>
-      </p:pic>
-      <p:cxnSp>
-        <p:nvCxnSpPr>
-          <p:cNvPr id="17" name="直線接點 16">
-            <a:extLst>
-              <a:ext uri="{FF2B5EF4-FFF2-40B4-BE49-F238E27FC236}">
-                <a16:creationId xmlns:a16="http://schemas.microsoft.com/office/drawing/2014/main" id="{58B5E4AF-0E83-D762-3722-DDD61CD7A20A}"/>
-              </a:ext>
-            </a:extLst>
-          </p:cNvPr>
-          <p:cNvCxnSpPr/>
-          <p:nvPr/>
-        </p:nvCxnSpPr>
-        <p:spPr>
-          <a:xfrm>
-            <a:off x="5286462" y="2810311"/>
-            <a:ext cx="0" cy="889233"/>
-          </a:xfrm>
-          <a:prstGeom prst="line">
-            <a:avLst/>
-          </a:prstGeom>
-          <a:ln w="28575">
-            <a:solidFill>
-              <a:srgbClr val="FFFF00"/>
-            </a:solidFill>
-          </a:ln>
-        </p:spPr>
-        <p:style>
-          <a:lnRef idx="1">
-            <a:schemeClr val="accent1"/>
-          </a:lnRef>
-          <a:fillRef idx="0">
-            <a:schemeClr val="accent1"/>
-          </a:fillRef>
-          <a:effectRef idx="0">
-            <a:schemeClr val="accent1"/>
-          </a:effectRef>
-          <a:fontRef idx="minor">
-            <a:schemeClr val="tx1"/>
-          </a:fontRef>
-        </p:style>
-      </p:cxnSp>
-      <p:cxnSp>
-        <p:nvCxnSpPr>
-          <p:cNvPr id="18" name="直線接點 17">
-            <a:extLst>
-              <a:ext uri="{FF2B5EF4-FFF2-40B4-BE49-F238E27FC236}">
-                <a16:creationId xmlns:a16="http://schemas.microsoft.com/office/drawing/2014/main" id="{E1817F48-C694-D929-A265-3B2417549DBD}"/>
-              </a:ext>
-            </a:extLst>
-          </p:cNvPr>
-          <p:cNvCxnSpPr/>
-          <p:nvPr/>
-        </p:nvCxnSpPr>
-        <p:spPr>
-          <a:xfrm>
-            <a:off x="5521354" y="2810311"/>
-            <a:ext cx="0" cy="889233"/>
-          </a:xfrm>
-          <a:prstGeom prst="line">
-            <a:avLst/>
-          </a:prstGeom>
-          <a:ln w="28575">
-            <a:solidFill>
-              <a:srgbClr val="FFFF00"/>
-            </a:solidFill>
-          </a:ln>
-        </p:spPr>
-        <p:style>
-          <a:lnRef idx="1">
-            <a:schemeClr val="accent1"/>
-          </a:lnRef>
-          <a:fillRef idx="0">
-            <a:schemeClr val="accent1"/>
-          </a:fillRef>
-          <a:effectRef idx="0">
-            <a:schemeClr val="accent1"/>
-          </a:effectRef>
-          <a:fontRef idx="minor">
-            <a:schemeClr val="tx1"/>
-          </a:fontRef>
-        </p:style>
-      </p:cxnSp>
-      <p:cxnSp>
-        <p:nvCxnSpPr>
-          <p:cNvPr id="19" name="直線接點 18">
-            <a:extLst>
-              <a:ext uri="{FF2B5EF4-FFF2-40B4-BE49-F238E27FC236}">
-                <a16:creationId xmlns:a16="http://schemas.microsoft.com/office/drawing/2014/main" id="{A67DD7AC-1F02-CF63-5B6D-D9F9341E2046}"/>
-              </a:ext>
-            </a:extLst>
-          </p:cNvPr>
-          <p:cNvCxnSpPr/>
-          <p:nvPr/>
-        </p:nvCxnSpPr>
-        <p:spPr>
-          <a:xfrm>
-            <a:off x="5705912" y="2810310"/>
-            <a:ext cx="0" cy="889233"/>
-          </a:xfrm>
-          <a:prstGeom prst="line">
-            <a:avLst/>
-          </a:prstGeom>
-          <a:ln w="28575">
-            <a:solidFill>
-              <a:srgbClr val="FFFF00"/>
-            </a:solidFill>
-          </a:ln>
-        </p:spPr>
-        <p:style>
-          <a:lnRef idx="1">
-            <a:schemeClr val="accent1"/>
-          </a:lnRef>
-          <a:fillRef idx="0">
-            <a:schemeClr val="accent1"/>
-          </a:fillRef>
-          <a:effectRef idx="0">
-            <a:schemeClr val="accent1"/>
-          </a:effectRef>
-          <a:fontRef idx="minor">
-            <a:schemeClr val="tx1"/>
-          </a:fontRef>
-        </p:style>
-      </p:cxnSp>
-      <p:cxnSp>
-        <p:nvCxnSpPr>
-          <p:cNvPr id="20" name="直線接點 19">
-            <a:extLst>
-              <a:ext uri="{FF2B5EF4-FFF2-40B4-BE49-F238E27FC236}">
-                <a16:creationId xmlns:a16="http://schemas.microsoft.com/office/drawing/2014/main" id="{0616B65C-0CFE-29D2-0232-2739E28E50AA}"/>
-              </a:ext>
-            </a:extLst>
-          </p:cNvPr>
-          <p:cNvCxnSpPr/>
-          <p:nvPr/>
-        </p:nvCxnSpPr>
-        <p:spPr>
-          <a:xfrm>
-            <a:off x="5286462" y="5328406"/>
-            <a:ext cx="0" cy="889233"/>
-          </a:xfrm>
-          <a:prstGeom prst="line">
-            <a:avLst/>
-          </a:prstGeom>
-          <a:ln w="28575">
-            <a:solidFill>
-              <a:srgbClr val="FFFF00"/>
-            </a:solidFill>
-          </a:ln>
-        </p:spPr>
-        <p:style>
-          <a:lnRef idx="1">
-            <a:schemeClr val="accent1"/>
-          </a:lnRef>
-          <a:fillRef idx="0">
-            <a:schemeClr val="accent1"/>
-          </a:fillRef>
-          <a:effectRef idx="0">
-            <a:schemeClr val="accent1"/>
-          </a:effectRef>
-          <a:fontRef idx="minor">
-            <a:schemeClr val="tx1"/>
-          </a:fontRef>
-        </p:style>
-      </p:cxnSp>
-      <p:cxnSp>
-        <p:nvCxnSpPr>
-          <p:cNvPr id="21" name="直線接點 20">
-            <a:extLst>
-              <a:ext uri="{FF2B5EF4-FFF2-40B4-BE49-F238E27FC236}">
-                <a16:creationId xmlns:a16="http://schemas.microsoft.com/office/drawing/2014/main" id="{55263464-8DB0-F6D9-5697-3790B9F412AD}"/>
-              </a:ext>
-            </a:extLst>
-          </p:cNvPr>
-          <p:cNvCxnSpPr/>
-          <p:nvPr/>
-        </p:nvCxnSpPr>
-        <p:spPr>
-          <a:xfrm>
-            <a:off x="5521354" y="5328405"/>
-            <a:ext cx="0" cy="889233"/>
-          </a:xfrm>
-          <a:prstGeom prst="line">
-            <a:avLst/>
-          </a:prstGeom>
-          <a:ln w="28575">
-            <a:solidFill>
-              <a:srgbClr val="FFFF00"/>
-            </a:solidFill>
-          </a:ln>
-        </p:spPr>
-        <p:style>
-          <a:lnRef idx="1">
-            <a:schemeClr val="accent1"/>
-          </a:lnRef>
-          <a:fillRef idx="0">
-            <a:schemeClr val="accent1"/>
-          </a:fillRef>
-          <a:effectRef idx="0">
-            <a:schemeClr val="accent1"/>
-          </a:effectRef>
-          <a:fontRef idx="minor">
-            <a:schemeClr val="tx1"/>
-          </a:fontRef>
-        </p:style>
-      </p:cxnSp>
-      <p:cxnSp>
-        <p:nvCxnSpPr>
-          <p:cNvPr id="22" name="直線接點 21">
-            <a:extLst>
-              <a:ext uri="{FF2B5EF4-FFF2-40B4-BE49-F238E27FC236}">
-                <a16:creationId xmlns:a16="http://schemas.microsoft.com/office/drawing/2014/main" id="{545005C4-7E67-DC36-CEAF-8164604CD72F}"/>
-              </a:ext>
-            </a:extLst>
-          </p:cNvPr>
-          <p:cNvCxnSpPr/>
-          <p:nvPr/>
-        </p:nvCxnSpPr>
-        <p:spPr>
-          <a:xfrm>
-            <a:off x="5705912" y="5328404"/>
-            <a:ext cx="0" cy="889233"/>
-          </a:xfrm>
-          <a:prstGeom prst="line">
-            <a:avLst/>
-          </a:prstGeom>
-          <a:ln w="28575">
-            <a:solidFill>
-              <a:srgbClr val="FFFF00"/>
-            </a:solidFill>
-          </a:ln>
-        </p:spPr>
-        <p:style>
-          <a:lnRef idx="1">
-            <a:schemeClr val="accent1"/>
-          </a:lnRef>
-          <a:fillRef idx="0">
-            <a:schemeClr val="accent1"/>
-          </a:fillRef>
-          <a:effectRef idx="0">
-            <a:schemeClr val="accent1"/>
-          </a:effectRef>
-          <a:fontRef idx="minor">
-            <a:schemeClr val="tx1"/>
-          </a:fontRef>
-        </p:style>
-      </p:cxnSp>
-      <p:pic>
-        <p:nvPicPr>
-          <p:cNvPr id="24" name="圖片 23">
-            <a:extLst>
-              <a:ext uri="{FF2B5EF4-FFF2-40B4-BE49-F238E27FC236}">
-                <a16:creationId xmlns:a16="http://schemas.microsoft.com/office/drawing/2014/main" id="{FB223563-5F60-91B3-2F2A-DCED5BE2EB70}"/>
-              </a:ext>
-            </a:extLst>
-          </p:cNvPr>
-          <p:cNvPicPr>
-            <a:picLocks noChangeAspect="1"/>
-          </p:cNvPicPr>
-          <p:nvPr/>
-        </p:nvPicPr>
-        <p:blipFill>
-          <a:blip r:embed="rId4"/>
-          <a:stretch>
-            <a:fillRect/>
-          </a:stretch>
-        </p:blipFill>
-        <p:spPr>
-          <a:xfrm>
-            <a:off x="7971739" y="2163614"/>
-            <a:ext cx="3253725" cy="4530425"/>
-          </a:xfrm>
-          <a:prstGeom prst="rect">
-            <a:avLst/>
-          </a:prstGeom>
-        </p:spPr>
-      </p:pic>
-      <p:cxnSp>
-        <p:nvCxnSpPr>
-          <p:cNvPr id="27" name="直線接點 26">
-            <a:extLst>
-              <a:ext uri="{FF2B5EF4-FFF2-40B4-BE49-F238E27FC236}">
-                <a16:creationId xmlns:a16="http://schemas.microsoft.com/office/drawing/2014/main" id="{781C590E-DDC0-2A95-2FCF-1F692A9EFF7B}"/>
-              </a:ext>
-            </a:extLst>
-          </p:cNvPr>
-          <p:cNvCxnSpPr/>
-          <p:nvPr/>
-        </p:nvCxnSpPr>
-        <p:spPr>
-          <a:xfrm>
-            <a:off x="8735735" y="2727820"/>
-            <a:ext cx="0" cy="889233"/>
-          </a:xfrm>
-          <a:prstGeom prst="line">
-            <a:avLst/>
-          </a:prstGeom>
-          <a:ln w="28575">
-            <a:solidFill>
-              <a:srgbClr val="FFFF00"/>
-            </a:solidFill>
-          </a:ln>
-        </p:spPr>
-        <p:style>
-          <a:lnRef idx="1">
-            <a:schemeClr val="accent1"/>
-          </a:lnRef>
-          <a:fillRef idx="0">
-            <a:schemeClr val="accent1"/>
-          </a:fillRef>
-          <a:effectRef idx="0">
-            <a:schemeClr val="accent1"/>
-          </a:effectRef>
-          <a:fontRef idx="minor">
-            <a:schemeClr val="tx1"/>
-          </a:fontRef>
-        </p:style>
-      </p:cxnSp>
-      <p:cxnSp>
-        <p:nvCxnSpPr>
-          <p:cNvPr id="28" name="直線接點 27">
-            <a:extLst>
-              <a:ext uri="{FF2B5EF4-FFF2-40B4-BE49-F238E27FC236}">
-                <a16:creationId xmlns:a16="http://schemas.microsoft.com/office/drawing/2014/main" id="{783C639A-78AD-0792-CA44-221AA6FEAB3F}"/>
-              </a:ext>
-            </a:extLst>
-          </p:cNvPr>
-          <p:cNvCxnSpPr/>
-          <p:nvPr/>
-        </p:nvCxnSpPr>
-        <p:spPr>
-          <a:xfrm>
-            <a:off x="8928682" y="2727820"/>
-            <a:ext cx="0" cy="889233"/>
-          </a:xfrm>
-          <a:prstGeom prst="line">
-            <a:avLst/>
-          </a:prstGeom>
-          <a:ln w="28575">
-            <a:solidFill>
-              <a:srgbClr val="FFFF00"/>
-            </a:solidFill>
-          </a:ln>
-        </p:spPr>
-        <p:style>
-          <a:lnRef idx="1">
-            <a:schemeClr val="accent1"/>
-          </a:lnRef>
-          <a:fillRef idx="0">
-            <a:schemeClr val="accent1"/>
-          </a:fillRef>
-          <a:effectRef idx="0">
-            <a:schemeClr val="accent1"/>
-          </a:effectRef>
-          <a:fontRef idx="minor">
-            <a:schemeClr val="tx1"/>
-          </a:fontRef>
-        </p:style>
-      </p:cxnSp>
-      <p:cxnSp>
-        <p:nvCxnSpPr>
-          <p:cNvPr id="29" name="直線接點 28">
-            <a:extLst>
-              <a:ext uri="{FF2B5EF4-FFF2-40B4-BE49-F238E27FC236}">
-                <a16:creationId xmlns:a16="http://schemas.microsoft.com/office/drawing/2014/main" id="{E5F2E2C5-4E4B-08C8-90F4-051DFDF006A1}"/>
-              </a:ext>
-            </a:extLst>
-          </p:cNvPr>
-          <p:cNvCxnSpPr/>
-          <p:nvPr/>
-        </p:nvCxnSpPr>
-        <p:spPr>
-          <a:xfrm>
-            <a:off x="9096462" y="2727820"/>
-            <a:ext cx="0" cy="889233"/>
-          </a:xfrm>
-          <a:prstGeom prst="line">
-            <a:avLst/>
-          </a:prstGeom>
-          <a:ln w="28575">
-            <a:solidFill>
-              <a:srgbClr val="FFFF00"/>
-            </a:solidFill>
-          </a:ln>
-        </p:spPr>
-        <p:style>
-          <a:lnRef idx="1">
-            <a:schemeClr val="accent1"/>
-          </a:lnRef>
-          <a:fillRef idx="0">
-            <a:schemeClr val="accent1"/>
-          </a:fillRef>
-          <a:effectRef idx="0">
-            <a:schemeClr val="accent1"/>
-          </a:effectRef>
-          <a:fontRef idx="minor">
-            <a:schemeClr val="tx1"/>
-          </a:fontRef>
-        </p:style>
-      </p:cxnSp>
-      <p:cxnSp>
-        <p:nvCxnSpPr>
-          <p:cNvPr id="30" name="直線接點 29">
-            <a:extLst>
-              <a:ext uri="{FF2B5EF4-FFF2-40B4-BE49-F238E27FC236}">
-                <a16:creationId xmlns:a16="http://schemas.microsoft.com/office/drawing/2014/main" id="{6AECD479-A8DE-3EDC-0713-8CBF480A1069}"/>
-              </a:ext>
-            </a:extLst>
-          </p:cNvPr>
-          <p:cNvCxnSpPr/>
-          <p:nvPr/>
-        </p:nvCxnSpPr>
-        <p:spPr>
-          <a:xfrm>
-            <a:off x="8721753" y="5152793"/>
-            <a:ext cx="0" cy="889233"/>
-          </a:xfrm>
-          <a:prstGeom prst="line">
-            <a:avLst/>
-          </a:prstGeom>
-          <a:ln w="28575">
-            <a:solidFill>
-              <a:srgbClr val="FFFF00"/>
-            </a:solidFill>
-          </a:ln>
-        </p:spPr>
-        <p:style>
-          <a:lnRef idx="1">
-            <a:schemeClr val="accent1"/>
-          </a:lnRef>
-          <a:fillRef idx="0">
-            <a:schemeClr val="accent1"/>
-          </a:fillRef>
-          <a:effectRef idx="0">
-            <a:schemeClr val="accent1"/>
-          </a:effectRef>
-          <a:fontRef idx="minor">
-            <a:schemeClr val="tx1"/>
-          </a:fontRef>
-        </p:style>
-      </p:cxnSp>
-      <p:cxnSp>
-        <p:nvCxnSpPr>
-          <p:cNvPr id="31" name="直線接點 30">
-            <a:extLst>
-              <a:ext uri="{FF2B5EF4-FFF2-40B4-BE49-F238E27FC236}">
-                <a16:creationId xmlns:a16="http://schemas.microsoft.com/office/drawing/2014/main" id="{990C887A-1B62-DAC3-0AC7-1418FEFE6F9E}"/>
-              </a:ext>
-            </a:extLst>
-          </p:cNvPr>
-          <p:cNvCxnSpPr/>
-          <p:nvPr/>
-        </p:nvCxnSpPr>
-        <p:spPr>
-          <a:xfrm>
-            <a:off x="8928682" y="5152793"/>
-            <a:ext cx="0" cy="889233"/>
-          </a:xfrm>
-          <a:prstGeom prst="line">
-            <a:avLst/>
-          </a:prstGeom>
-          <a:ln w="28575">
-            <a:solidFill>
-              <a:srgbClr val="FFFF00"/>
-            </a:solidFill>
-          </a:ln>
-        </p:spPr>
-        <p:style>
-          <a:lnRef idx="1">
-            <a:schemeClr val="accent1"/>
-          </a:lnRef>
-          <a:fillRef idx="0">
-            <a:schemeClr val="accent1"/>
-          </a:fillRef>
-          <a:effectRef idx="0">
-            <a:schemeClr val="accent1"/>
-          </a:effectRef>
-          <a:fontRef idx="minor">
-            <a:schemeClr val="tx1"/>
-          </a:fontRef>
-        </p:style>
-      </p:cxnSp>
-      <p:cxnSp>
-        <p:nvCxnSpPr>
-          <p:cNvPr id="32" name="直線接點 31">
-            <a:extLst>
-              <a:ext uri="{FF2B5EF4-FFF2-40B4-BE49-F238E27FC236}">
-                <a16:creationId xmlns:a16="http://schemas.microsoft.com/office/drawing/2014/main" id="{6B4BA506-2558-3BB9-EFE5-1CEE1067BC59}"/>
-              </a:ext>
-            </a:extLst>
-          </p:cNvPr>
-          <p:cNvCxnSpPr/>
-          <p:nvPr/>
-        </p:nvCxnSpPr>
-        <p:spPr>
-          <a:xfrm>
-            <a:off x="9116036" y="5152793"/>
-            <a:ext cx="0" cy="889233"/>
-          </a:xfrm>
-          <a:prstGeom prst="line">
-            <a:avLst/>
-          </a:prstGeom>
-          <a:ln w="28575">
-            <a:solidFill>
-              <a:srgbClr val="FFFF00"/>
-            </a:solidFill>
-          </a:ln>
-        </p:spPr>
-        <p:style>
-          <a:lnRef idx="1">
-            <a:schemeClr val="accent1"/>
-          </a:lnRef>
-          <a:fillRef idx="0">
-            <a:schemeClr val="accent1"/>
-          </a:fillRef>
-          <a:effectRef idx="0">
-            <a:schemeClr val="accent1"/>
-          </a:effectRef>
-          <a:fontRef idx="minor">
-            <a:schemeClr val="tx1"/>
-          </a:fontRef>
-        </p:style>
-      </p:cxnSp>
+        <p:txBody>
+          <a:bodyPr>
+            <a:normAutofit fontScale="92500" lnSpcReduction="20000"/>
+          </a:bodyPr>
+          <a:lstStyle/>
+          <a:p>
+            <a:pPr marL="0" indent="0" algn="ctr">
+              <a:buFont typeface="Arial" panose="020B0604020202020204" pitchFamily="34" charset="0"/>
+              <a:buNone/>
+            </a:pPr>
+            <a:r>
+              <a:rPr lang="zh-TW" altLang="en-US" dirty="0">
+                <a:solidFill>
+                  <a:srgbClr val="FF0000"/>
+                </a:solidFill>
+                <a:latin typeface="標楷體" panose="03000509000000000000" pitchFamily="65" charset="-120"/>
+                <a:ea typeface="標楷體" panose="03000509000000000000" pitchFamily="65" charset="-120"/>
+              </a:rPr>
+              <a:t>修改後測試</a:t>
+            </a:r>
+            <a:r>
+              <a:rPr lang="zh-TW" altLang="en-US" sz="2800" dirty="0">
+                <a:solidFill>
+                  <a:srgbClr val="FF0000"/>
+                </a:solidFill>
+                <a:latin typeface="標楷體" panose="03000509000000000000" pitchFamily="65" charset="-120"/>
+                <a:ea typeface="標楷體" panose="03000509000000000000" pitchFamily="65" charset="-120"/>
+              </a:rPr>
+              <a:t>集的數量</a:t>
+            </a:r>
+            <a:r>
+              <a:rPr lang="en-US" altLang="zh-TW" sz="2800" dirty="0">
+                <a:solidFill>
+                  <a:srgbClr val="FF0000"/>
+                </a:solidFill>
+                <a:latin typeface="標楷體" panose="03000509000000000000" pitchFamily="65" charset="-120"/>
+                <a:ea typeface="標楷體" panose="03000509000000000000" pitchFamily="65" charset="-120"/>
+              </a:rPr>
+              <a:t>(0.02)</a:t>
+            </a:r>
+            <a:r>
+              <a:rPr lang="zh-TW" altLang="en-US" sz="2800" dirty="0">
+                <a:solidFill>
+                  <a:srgbClr val="FF0000"/>
+                </a:solidFill>
+                <a:latin typeface="標楷體" panose="03000509000000000000" pitchFamily="65" charset="-120"/>
+                <a:ea typeface="標楷體" panose="03000509000000000000" pitchFamily="65" charset="-120"/>
+              </a:rPr>
+              <a:t>：</a:t>
+            </a:r>
+            <a:endParaRPr lang="en-US" altLang="zh-TW" sz="2800" dirty="0">
+              <a:solidFill>
+                <a:srgbClr val="FF0000"/>
+              </a:solidFill>
+              <a:latin typeface="標楷體" panose="03000509000000000000" pitchFamily="65" charset="-120"/>
+              <a:ea typeface="標楷體" panose="03000509000000000000" pitchFamily="65" charset="-120"/>
+            </a:endParaRPr>
+          </a:p>
+          <a:p>
+            <a:pPr marL="0" indent="0" algn="ctr">
+              <a:buFont typeface="Arial" panose="020B0604020202020204" pitchFamily="34" charset="0"/>
+              <a:buNone/>
+            </a:pPr>
+            <a:r>
+              <a:rPr lang="zh-TW" altLang="en-US" sz="2800" dirty="0">
+                <a:latin typeface="標楷體" panose="03000509000000000000" pitchFamily="65" charset="-120"/>
+                <a:ea typeface="標楷體" panose="03000509000000000000" pitchFamily="65" charset="-120"/>
+              </a:rPr>
+              <a:t>雙腳距離</a:t>
+            </a:r>
+            <a:r>
+              <a:rPr lang="en-US" altLang="zh-TW" sz="2800" dirty="0">
+                <a:latin typeface="標楷體" panose="03000509000000000000" pitchFamily="65" charset="-120"/>
+                <a:ea typeface="標楷體" panose="03000509000000000000" pitchFamily="65" charset="-120"/>
+              </a:rPr>
+              <a:t>_</a:t>
+            </a:r>
+            <a:r>
+              <a:rPr lang="zh-TW" altLang="en-US" sz="2800" dirty="0">
+                <a:latin typeface="標楷體" panose="03000509000000000000" pitchFamily="65" charset="-120"/>
+                <a:ea typeface="標楷體" panose="03000509000000000000" pitchFamily="65" charset="-120"/>
+              </a:rPr>
+              <a:t>膝蓋距離</a:t>
+            </a:r>
+            <a:endParaRPr lang="en-US" altLang="zh-TW" sz="2800" dirty="0">
+              <a:latin typeface="標楷體" panose="03000509000000000000" pitchFamily="65" charset="-120"/>
+              <a:ea typeface="標楷體" panose="03000509000000000000" pitchFamily="65" charset="-120"/>
+            </a:endParaRPr>
+          </a:p>
+          <a:p>
+            <a:pPr marL="0" indent="0" algn="ctr">
+              <a:buFont typeface="Arial" panose="020B0604020202020204" pitchFamily="34" charset="0"/>
+              <a:buNone/>
+            </a:pPr>
+            <a:r>
+              <a:rPr lang="zh-TW" altLang="en-US" sz="2800" dirty="0">
+                <a:latin typeface="標楷體" panose="03000509000000000000" pitchFamily="65" charset="-120"/>
+                <a:ea typeface="標楷體" panose="03000509000000000000" pitchFamily="65" charset="-120"/>
+              </a:rPr>
+              <a:t>標準</a:t>
+            </a:r>
+            <a:r>
+              <a:rPr lang="en-US" altLang="zh-TW" sz="2800" dirty="0">
+                <a:latin typeface="標楷體" panose="03000509000000000000" pitchFamily="65" charset="-120"/>
+                <a:ea typeface="標楷體" panose="03000509000000000000" pitchFamily="65" charset="-120"/>
+              </a:rPr>
+              <a:t>_</a:t>
+            </a:r>
+            <a:r>
+              <a:rPr lang="zh-TW" altLang="en-US" sz="2800" dirty="0">
+                <a:latin typeface="標楷體" panose="03000509000000000000" pitchFamily="65" charset="-120"/>
+                <a:ea typeface="標楷體" panose="03000509000000000000" pitchFamily="65" charset="-120"/>
+              </a:rPr>
+              <a:t>標準：</a:t>
+            </a:r>
+            <a:r>
+              <a:rPr lang="en-US" altLang="zh-TW" sz="2800" dirty="0">
+                <a:latin typeface="標楷體" panose="03000509000000000000" pitchFamily="65" charset="-120"/>
+                <a:ea typeface="標楷體" panose="03000509000000000000" pitchFamily="65" charset="-120"/>
+              </a:rPr>
+              <a:t>123</a:t>
+            </a:r>
+          </a:p>
+          <a:p>
+            <a:pPr marL="0" indent="0" algn="ctr">
+              <a:buFont typeface="Arial" panose="020B0604020202020204" pitchFamily="34" charset="0"/>
+              <a:buNone/>
+            </a:pPr>
+            <a:r>
+              <a:rPr lang="zh-TW" altLang="en-US" sz="2800" dirty="0">
+                <a:latin typeface="標楷體" panose="03000509000000000000" pitchFamily="65" charset="-120"/>
+                <a:ea typeface="標楷體" panose="03000509000000000000" pitchFamily="65" charset="-120"/>
+              </a:rPr>
+              <a:t>標準</a:t>
+            </a:r>
+            <a:r>
+              <a:rPr lang="en-US" altLang="zh-TW" sz="2800" dirty="0">
+                <a:latin typeface="標楷體" panose="03000509000000000000" pitchFamily="65" charset="-120"/>
+                <a:ea typeface="標楷體" panose="03000509000000000000" pitchFamily="65" charset="-120"/>
+              </a:rPr>
+              <a:t>_</a:t>
+            </a:r>
+            <a:r>
+              <a:rPr lang="zh-TW" altLang="en-US" sz="2800" dirty="0">
+                <a:latin typeface="標楷體" panose="03000509000000000000" pitchFamily="65" charset="-120"/>
+                <a:ea typeface="標楷體" panose="03000509000000000000" pitchFamily="65" charset="-120"/>
+              </a:rPr>
+              <a:t>過窄：</a:t>
+            </a:r>
+            <a:r>
+              <a:rPr lang="en-US" altLang="zh-TW" sz="2800" dirty="0">
+                <a:latin typeface="標楷體" panose="03000509000000000000" pitchFamily="65" charset="-120"/>
+                <a:ea typeface="標楷體" panose="03000509000000000000" pitchFamily="65" charset="-120"/>
+              </a:rPr>
+              <a:t>175</a:t>
+            </a:r>
+            <a:br>
+              <a:rPr lang="en-US" altLang="zh-TW" sz="2800" dirty="0">
+                <a:latin typeface="標楷體" panose="03000509000000000000" pitchFamily="65" charset="-120"/>
+                <a:ea typeface="標楷體" panose="03000509000000000000" pitchFamily="65" charset="-120"/>
+              </a:rPr>
+            </a:br>
+            <a:r>
+              <a:rPr lang="zh-TW" altLang="en-US" sz="2800" dirty="0">
+                <a:latin typeface="標楷體" panose="03000509000000000000" pitchFamily="65" charset="-120"/>
+                <a:ea typeface="標楷體" panose="03000509000000000000" pitchFamily="65" charset="-120"/>
+              </a:rPr>
+              <a:t>標準</a:t>
+            </a:r>
+            <a:r>
+              <a:rPr lang="en-US" altLang="zh-TW" sz="2800" dirty="0">
+                <a:latin typeface="標楷體" panose="03000509000000000000" pitchFamily="65" charset="-120"/>
+                <a:ea typeface="標楷體" panose="03000509000000000000" pitchFamily="65" charset="-120"/>
+              </a:rPr>
+              <a:t>_</a:t>
+            </a:r>
+            <a:r>
+              <a:rPr lang="zh-TW" altLang="en-US" sz="2800" dirty="0">
+                <a:latin typeface="標楷體" panose="03000509000000000000" pitchFamily="65" charset="-120"/>
+                <a:ea typeface="標楷體" panose="03000509000000000000" pitchFamily="65" charset="-120"/>
+              </a:rPr>
+              <a:t>過寬：</a:t>
+            </a:r>
+            <a:r>
+              <a:rPr lang="en-US" altLang="zh-TW" dirty="0">
+                <a:latin typeface="標楷體" panose="03000509000000000000" pitchFamily="65" charset="-120"/>
+                <a:ea typeface="標楷體" panose="03000509000000000000" pitchFamily="65" charset="-120"/>
+              </a:rPr>
+              <a:t>146</a:t>
+            </a:r>
+          </a:p>
+          <a:p>
+            <a:pPr marL="0" indent="0" algn="ctr">
+              <a:buFont typeface="Arial" panose="020B0604020202020204" pitchFamily="34" charset="0"/>
+              <a:buNone/>
+            </a:pPr>
+            <a:r>
+              <a:rPr lang="zh-TW" altLang="en-US" sz="2800" dirty="0">
+                <a:latin typeface="標楷體" panose="03000509000000000000" pitchFamily="65" charset="-120"/>
+                <a:ea typeface="標楷體" panose="03000509000000000000" pitchFamily="65" charset="-120"/>
+              </a:rPr>
+              <a:t>過窄</a:t>
+            </a:r>
+            <a:r>
+              <a:rPr lang="en-US" altLang="zh-TW" sz="2800" dirty="0">
+                <a:latin typeface="標楷體" panose="03000509000000000000" pitchFamily="65" charset="-120"/>
+                <a:ea typeface="標楷體" panose="03000509000000000000" pitchFamily="65" charset="-120"/>
+              </a:rPr>
+              <a:t>_</a:t>
+            </a:r>
+            <a:r>
+              <a:rPr lang="zh-TW" altLang="en-US" sz="2800" dirty="0">
+                <a:latin typeface="標楷體" panose="03000509000000000000" pitchFamily="65" charset="-120"/>
+                <a:ea typeface="標楷體" panose="03000509000000000000" pitchFamily="65" charset="-120"/>
+              </a:rPr>
+              <a:t>標準：</a:t>
+            </a:r>
+            <a:r>
+              <a:rPr lang="en-US" altLang="zh-TW" sz="2800" dirty="0">
+                <a:latin typeface="標楷體" panose="03000509000000000000" pitchFamily="65" charset="-120"/>
+                <a:ea typeface="標楷體" panose="03000509000000000000" pitchFamily="65" charset="-120"/>
+              </a:rPr>
+              <a:t>205</a:t>
+            </a:r>
+          </a:p>
+          <a:p>
+            <a:pPr marL="0" indent="0" algn="ctr">
+              <a:buFont typeface="Arial" panose="020B0604020202020204" pitchFamily="34" charset="0"/>
+              <a:buNone/>
+            </a:pPr>
+            <a:r>
+              <a:rPr lang="zh-TW" altLang="en-US" sz="2800" dirty="0">
+                <a:latin typeface="標楷體" panose="03000509000000000000" pitchFamily="65" charset="-120"/>
+                <a:ea typeface="標楷體" panose="03000509000000000000" pitchFamily="65" charset="-120"/>
+              </a:rPr>
+              <a:t>過窄</a:t>
+            </a:r>
+            <a:r>
+              <a:rPr lang="en-US" altLang="zh-TW" sz="2800" dirty="0">
+                <a:latin typeface="標楷體" panose="03000509000000000000" pitchFamily="65" charset="-120"/>
+                <a:ea typeface="標楷體" panose="03000509000000000000" pitchFamily="65" charset="-120"/>
+              </a:rPr>
+              <a:t>_</a:t>
+            </a:r>
+            <a:r>
+              <a:rPr lang="zh-TW" altLang="en-US" sz="2800" dirty="0">
+                <a:latin typeface="標楷體" panose="03000509000000000000" pitchFamily="65" charset="-120"/>
+                <a:ea typeface="標楷體" panose="03000509000000000000" pitchFamily="65" charset="-120"/>
+              </a:rPr>
+              <a:t>過窄：</a:t>
+            </a:r>
+            <a:r>
+              <a:rPr lang="en-US" altLang="zh-TW" sz="2800" dirty="0">
+                <a:latin typeface="標楷體" panose="03000509000000000000" pitchFamily="65" charset="-120"/>
+                <a:ea typeface="標楷體" panose="03000509000000000000" pitchFamily="65" charset="-120"/>
+              </a:rPr>
+              <a:t>118</a:t>
+            </a:r>
+          </a:p>
+          <a:p>
+            <a:pPr marL="0" indent="0" algn="ctr">
+              <a:buFont typeface="Arial" panose="020B0604020202020204" pitchFamily="34" charset="0"/>
+              <a:buNone/>
+            </a:pPr>
+            <a:r>
+              <a:rPr lang="zh-TW" altLang="en-US" sz="2800" dirty="0">
+                <a:latin typeface="標楷體" panose="03000509000000000000" pitchFamily="65" charset="-120"/>
+                <a:ea typeface="標楷體" panose="03000509000000000000" pitchFamily="65" charset="-120"/>
+              </a:rPr>
+              <a:t>過窄</a:t>
+            </a:r>
+            <a:r>
+              <a:rPr lang="en-US" altLang="zh-TW" sz="2800" dirty="0">
+                <a:latin typeface="標楷體" panose="03000509000000000000" pitchFamily="65" charset="-120"/>
+                <a:ea typeface="標楷體" panose="03000509000000000000" pitchFamily="65" charset="-120"/>
+              </a:rPr>
+              <a:t>_</a:t>
+            </a:r>
+            <a:r>
+              <a:rPr lang="zh-TW" altLang="en-US" sz="2800" dirty="0">
+                <a:latin typeface="標楷體" panose="03000509000000000000" pitchFamily="65" charset="-120"/>
+                <a:ea typeface="標楷體" panose="03000509000000000000" pitchFamily="65" charset="-120"/>
+              </a:rPr>
+              <a:t>過寬：</a:t>
+            </a:r>
+            <a:r>
+              <a:rPr lang="en-US" altLang="zh-TW" dirty="0">
+                <a:latin typeface="標楷體" panose="03000509000000000000" pitchFamily="65" charset="-120"/>
+                <a:ea typeface="標楷體" panose="03000509000000000000" pitchFamily="65" charset="-120"/>
+              </a:rPr>
+              <a:t>244</a:t>
+            </a:r>
+          </a:p>
+          <a:p>
+            <a:pPr marL="0" indent="0" algn="ctr">
+              <a:buFont typeface="Arial" panose="020B0604020202020204" pitchFamily="34" charset="0"/>
+              <a:buNone/>
+            </a:pPr>
+            <a:r>
+              <a:rPr lang="zh-TW" altLang="en-US" sz="2800" dirty="0">
+                <a:latin typeface="標楷體" panose="03000509000000000000" pitchFamily="65" charset="-120"/>
+                <a:ea typeface="標楷體" panose="03000509000000000000" pitchFamily="65" charset="-120"/>
+              </a:rPr>
+              <a:t>過寬</a:t>
+            </a:r>
+            <a:r>
+              <a:rPr lang="en-US" altLang="zh-TW" sz="2800" dirty="0">
+                <a:latin typeface="標楷體" panose="03000509000000000000" pitchFamily="65" charset="-120"/>
+                <a:ea typeface="標楷體" panose="03000509000000000000" pitchFamily="65" charset="-120"/>
+              </a:rPr>
+              <a:t>_</a:t>
+            </a:r>
+            <a:r>
+              <a:rPr lang="zh-TW" altLang="en-US" sz="2800" dirty="0">
+                <a:latin typeface="標楷體" panose="03000509000000000000" pitchFamily="65" charset="-120"/>
+                <a:ea typeface="標楷體" panose="03000509000000000000" pitchFamily="65" charset="-120"/>
+              </a:rPr>
+              <a:t>標準：</a:t>
+            </a:r>
+            <a:r>
+              <a:rPr lang="en-US" altLang="zh-TW" dirty="0">
+                <a:latin typeface="標楷體" panose="03000509000000000000" pitchFamily="65" charset="-120"/>
+                <a:ea typeface="標楷體" panose="03000509000000000000" pitchFamily="65" charset="-120"/>
+              </a:rPr>
+              <a:t>101</a:t>
+            </a:r>
+            <a:endParaRPr lang="en-US" altLang="zh-TW" sz="2800" dirty="0">
+              <a:latin typeface="標楷體" panose="03000509000000000000" pitchFamily="65" charset="-120"/>
+              <a:ea typeface="標楷體" panose="03000509000000000000" pitchFamily="65" charset="-120"/>
+            </a:endParaRPr>
+          </a:p>
+          <a:p>
+            <a:pPr marL="0" indent="0" algn="ctr">
+              <a:buFont typeface="Arial" panose="020B0604020202020204" pitchFamily="34" charset="0"/>
+              <a:buNone/>
+            </a:pPr>
+            <a:r>
+              <a:rPr lang="zh-TW" altLang="en-US" sz="2800" dirty="0">
+                <a:latin typeface="標楷體" panose="03000509000000000000" pitchFamily="65" charset="-120"/>
+                <a:ea typeface="標楷體" panose="03000509000000000000" pitchFamily="65" charset="-120"/>
+              </a:rPr>
+              <a:t>過寬</a:t>
+            </a:r>
+            <a:r>
+              <a:rPr lang="en-US" altLang="zh-TW" sz="2800" dirty="0">
+                <a:latin typeface="標楷體" panose="03000509000000000000" pitchFamily="65" charset="-120"/>
+                <a:ea typeface="標楷體" panose="03000509000000000000" pitchFamily="65" charset="-120"/>
+              </a:rPr>
+              <a:t>_</a:t>
+            </a:r>
+            <a:r>
+              <a:rPr lang="zh-TW" altLang="en-US" sz="2800" dirty="0">
+                <a:latin typeface="標楷體" panose="03000509000000000000" pitchFamily="65" charset="-120"/>
+                <a:ea typeface="標楷體" panose="03000509000000000000" pitchFamily="65" charset="-120"/>
+              </a:rPr>
+              <a:t>過窄：</a:t>
+            </a:r>
+            <a:r>
+              <a:rPr lang="en-US" altLang="zh-TW" dirty="0">
+                <a:latin typeface="標楷體" panose="03000509000000000000" pitchFamily="65" charset="-120"/>
+                <a:ea typeface="標楷體" panose="03000509000000000000" pitchFamily="65" charset="-120"/>
+              </a:rPr>
+              <a:t>81</a:t>
+            </a:r>
+          </a:p>
+          <a:p>
+            <a:pPr marL="0" indent="0" algn="ctr">
+              <a:buFont typeface="Arial" panose="020B0604020202020204" pitchFamily="34" charset="0"/>
+              <a:buNone/>
+            </a:pPr>
+            <a:r>
+              <a:rPr lang="zh-TW" altLang="en-US" sz="2800" dirty="0">
+                <a:latin typeface="標楷體" panose="03000509000000000000" pitchFamily="65" charset="-120"/>
+                <a:ea typeface="標楷體" panose="03000509000000000000" pitchFamily="65" charset="-120"/>
+              </a:rPr>
+              <a:t>過寬</a:t>
+            </a:r>
+            <a:r>
+              <a:rPr lang="en-US" altLang="zh-TW" sz="2800" dirty="0">
+                <a:latin typeface="標楷體" panose="03000509000000000000" pitchFamily="65" charset="-120"/>
+                <a:ea typeface="標楷體" panose="03000509000000000000" pitchFamily="65" charset="-120"/>
+              </a:rPr>
+              <a:t>_</a:t>
+            </a:r>
+            <a:r>
+              <a:rPr lang="zh-TW" altLang="en-US" sz="2800" dirty="0">
+                <a:latin typeface="標楷體" panose="03000509000000000000" pitchFamily="65" charset="-120"/>
+                <a:ea typeface="標楷體" panose="03000509000000000000" pitchFamily="65" charset="-120"/>
+              </a:rPr>
+              <a:t>過寬：</a:t>
+            </a:r>
+            <a:r>
+              <a:rPr lang="en-US" altLang="zh-TW" sz="2800" dirty="0">
+                <a:latin typeface="標楷體" panose="03000509000000000000" pitchFamily="65" charset="-120"/>
+                <a:ea typeface="標楷體" panose="03000509000000000000" pitchFamily="65" charset="-120"/>
+              </a:rPr>
+              <a:t>92</a:t>
+            </a:r>
+            <a:endParaRPr lang="zh-TW" altLang="en-US" dirty="0"/>
+          </a:p>
+        </p:txBody>
+      </p:sp>
     </p:spTree>
     <p:extLst>
       <p:ext uri="{BB962C8B-B14F-4D97-AF65-F5344CB8AC3E}">
-        <p14:creationId xmlns:p14="http://schemas.microsoft.com/office/powerpoint/2010/main" val="335000228"/>
+        <p14:creationId xmlns:p14="http://schemas.microsoft.com/office/powerpoint/2010/main" val="3586430537"/>
       </p:ext>
     </p:extLst>
   </p:cSld>

--- a/week6進度報告.pptx
+++ b/week6進度報告.pptx
@@ -4,6 +4,9 @@
   <p:sldMasterIdLst>
     <p:sldMasterId id="2147483648" r:id="rId1"/>
   </p:sldMasterIdLst>
+  <p:notesMasterIdLst>
+    <p:notesMasterId r:id="rId18"/>
+  </p:notesMasterIdLst>
   <p:sldIdLst>
     <p:sldId id="256" r:id="rId2"/>
     <p:sldId id="262" r:id="rId3"/>
@@ -127,6 +130,355 @@
 </p:presentation>
 </file>
 
+<file path=ppt/notesMasters/notesMaster1.xml><?xml version="1.0" encoding="utf-8"?>
+<p:notesMaster xmlns:a="http://schemas.openxmlformats.org/drawingml/2006/main" xmlns:r="http://schemas.openxmlformats.org/officeDocument/2006/relationships" xmlns:p="http://schemas.openxmlformats.org/presentationml/2006/main">
+  <p:cSld>
+    <p:bg>
+      <p:bgRef idx="1001">
+        <a:schemeClr val="bg1"/>
+      </p:bgRef>
+    </p:bg>
+    <p:spTree>
+      <p:nvGrpSpPr>
+        <p:cNvPr id="1" name=""/>
+        <p:cNvGrpSpPr/>
+        <p:nvPr/>
+      </p:nvGrpSpPr>
+      <p:grpSpPr>
+        <a:xfrm>
+          <a:off x="0" y="0"/>
+          <a:ext cx="0" cy="0"/>
+          <a:chOff x="0" y="0"/>
+          <a:chExt cx="0" cy="0"/>
+        </a:xfrm>
+      </p:grpSpPr>
+      <p:sp>
+        <p:nvSpPr>
+          <p:cNvPr id="2" name="頁首版面配置區 1"/>
+          <p:cNvSpPr>
+            <a:spLocks noGrp="1"/>
+          </p:cNvSpPr>
+          <p:nvPr>
+            <p:ph type="hdr" sz="quarter"/>
+          </p:nvPr>
+        </p:nvSpPr>
+        <p:spPr>
+          <a:xfrm>
+            <a:off x="0" y="0"/>
+            <a:ext cx="2971800" cy="458788"/>
+          </a:xfrm>
+          <a:prstGeom prst="rect">
+            <a:avLst/>
+          </a:prstGeom>
+        </p:spPr>
+        <p:txBody>
+          <a:bodyPr vert="horz" lIns="91440" tIns="45720" rIns="91440" bIns="45720" rtlCol="0"/>
+          <a:lstStyle>
+            <a:lvl1pPr algn="l">
+              <a:defRPr sz="1200"/>
+            </a:lvl1pPr>
+          </a:lstStyle>
+          <a:p>
+            <a:endParaRPr lang="zh-TW" altLang="en-US"/>
+          </a:p>
+        </p:txBody>
+      </p:sp>
+      <p:sp>
+        <p:nvSpPr>
+          <p:cNvPr id="3" name="日期版面配置區 2"/>
+          <p:cNvSpPr>
+            <a:spLocks noGrp="1"/>
+          </p:cNvSpPr>
+          <p:nvPr>
+            <p:ph type="dt" idx="1"/>
+          </p:nvPr>
+        </p:nvSpPr>
+        <p:spPr>
+          <a:xfrm>
+            <a:off x="3884613" y="0"/>
+            <a:ext cx="2971800" cy="458788"/>
+          </a:xfrm>
+          <a:prstGeom prst="rect">
+            <a:avLst/>
+          </a:prstGeom>
+        </p:spPr>
+        <p:txBody>
+          <a:bodyPr vert="horz" lIns="91440" tIns="45720" rIns="91440" bIns="45720" rtlCol="0"/>
+          <a:lstStyle>
+            <a:lvl1pPr algn="r">
+              <a:defRPr sz="1200"/>
+            </a:lvl1pPr>
+          </a:lstStyle>
+          <a:p>
+            <a:fld id="{09AC61A3-F55F-49F5-B5D3-8FA261784DC0}" type="datetimeFigureOut">
+              <a:rPr lang="zh-TW" altLang="en-US" smtClean="0"/>
+              <a:t>2023/10/20</a:t>
+            </a:fld>
+            <a:endParaRPr lang="zh-TW" altLang="en-US"/>
+          </a:p>
+        </p:txBody>
+      </p:sp>
+      <p:sp>
+        <p:nvSpPr>
+          <p:cNvPr id="4" name="投影片影像版面配置區 3"/>
+          <p:cNvSpPr>
+            <a:spLocks noGrp="1" noRot="1" noChangeAspect="1"/>
+          </p:cNvSpPr>
+          <p:nvPr>
+            <p:ph type="sldImg" idx="2"/>
+          </p:nvPr>
+        </p:nvSpPr>
+        <p:spPr>
+          <a:xfrm>
+            <a:off x="685800" y="1143000"/>
+            <a:ext cx="5486400" cy="3086100"/>
+          </a:xfrm>
+          <a:prstGeom prst="rect">
+            <a:avLst/>
+          </a:prstGeom>
+          <a:noFill/>
+          <a:ln w="12700">
+            <a:solidFill>
+              <a:prstClr val="black"/>
+            </a:solidFill>
+          </a:ln>
+        </p:spPr>
+        <p:txBody>
+          <a:bodyPr vert="horz" lIns="91440" tIns="45720" rIns="91440" bIns="45720" rtlCol="0" anchor="ctr"/>
+          <a:lstStyle/>
+          <a:p>
+            <a:endParaRPr lang="zh-TW" altLang="en-US"/>
+          </a:p>
+        </p:txBody>
+      </p:sp>
+      <p:sp>
+        <p:nvSpPr>
+          <p:cNvPr id="5" name="備忘稿版面配置區 4"/>
+          <p:cNvSpPr>
+            <a:spLocks noGrp="1"/>
+          </p:cNvSpPr>
+          <p:nvPr>
+            <p:ph type="body" sz="quarter" idx="3"/>
+          </p:nvPr>
+        </p:nvSpPr>
+        <p:spPr>
+          <a:xfrm>
+            <a:off x="685800" y="4400550"/>
+            <a:ext cx="5486400" cy="3600450"/>
+          </a:xfrm>
+          <a:prstGeom prst="rect">
+            <a:avLst/>
+          </a:prstGeom>
+        </p:spPr>
+        <p:txBody>
+          <a:bodyPr vert="horz" lIns="91440" tIns="45720" rIns="91440" bIns="45720" rtlCol="0"/>
+          <a:lstStyle/>
+          <a:p>
+            <a:pPr lvl="0"/>
+            <a:r>
+              <a:rPr lang="zh-TW" altLang="en-US"/>
+              <a:t>按一下以編輯母片文字樣式</a:t>
+            </a:r>
+          </a:p>
+          <a:p>
+            <a:pPr lvl="1"/>
+            <a:r>
+              <a:rPr lang="zh-TW" altLang="en-US"/>
+              <a:t>第二層</a:t>
+            </a:r>
+          </a:p>
+          <a:p>
+            <a:pPr lvl="2"/>
+            <a:r>
+              <a:rPr lang="zh-TW" altLang="en-US"/>
+              <a:t>第三層</a:t>
+            </a:r>
+          </a:p>
+          <a:p>
+            <a:pPr lvl="3"/>
+            <a:r>
+              <a:rPr lang="zh-TW" altLang="en-US"/>
+              <a:t>第四層</a:t>
+            </a:r>
+          </a:p>
+          <a:p>
+            <a:pPr lvl="4"/>
+            <a:r>
+              <a:rPr lang="zh-TW" altLang="en-US"/>
+              <a:t>第五層</a:t>
+            </a:r>
+          </a:p>
+        </p:txBody>
+      </p:sp>
+      <p:sp>
+        <p:nvSpPr>
+          <p:cNvPr id="6" name="頁尾版面配置區 5"/>
+          <p:cNvSpPr>
+            <a:spLocks noGrp="1"/>
+          </p:cNvSpPr>
+          <p:nvPr>
+            <p:ph type="ftr" sz="quarter" idx="4"/>
+          </p:nvPr>
+        </p:nvSpPr>
+        <p:spPr>
+          <a:xfrm>
+            <a:off x="0" y="8685213"/>
+            <a:ext cx="2971800" cy="458787"/>
+          </a:xfrm>
+          <a:prstGeom prst="rect">
+            <a:avLst/>
+          </a:prstGeom>
+        </p:spPr>
+        <p:txBody>
+          <a:bodyPr vert="horz" lIns="91440" tIns="45720" rIns="91440" bIns="45720" rtlCol="0" anchor="b"/>
+          <a:lstStyle>
+            <a:lvl1pPr algn="l">
+              <a:defRPr sz="1200"/>
+            </a:lvl1pPr>
+          </a:lstStyle>
+          <a:p>
+            <a:endParaRPr lang="zh-TW" altLang="en-US"/>
+          </a:p>
+        </p:txBody>
+      </p:sp>
+      <p:sp>
+        <p:nvSpPr>
+          <p:cNvPr id="7" name="投影片編號版面配置區 6"/>
+          <p:cNvSpPr>
+            <a:spLocks noGrp="1"/>
+          </p:cNvSpPr>
+          <p:nvPr>
+            <p:ph type="sldNum" sz="quarter" idx="5"/>
+          </p:nvPr>
+        </p:nvSpPr>
+        <p:spPr>
+          <a:xfrm>
+            <a:off x="3884613" y="8685213"/>
+            <a:ext cx="2971800" cy="458787"/>
+          </a:xfrm>
+          <a:prstGeom prst="rect">
+            <a:avLst/>
+          </a:prstGeom>
+        </p:spPr>
+        <p:txBody>
+          <a:bodyPr vert="horz" lIns="91440" tIns="45720" rIns="91440" bIns="45720" rtlCol="0" anchor="b"/>
+          <a:lstStyle>
+            <a:lvl1pPr algn="r">
+              <a:defRPr sz="1200"/>
+            </a:lvl1pPr>
+          </a:lstStyle>
+          <a:p>
+            <a:fld id="{CDDA5DB7-D48C-43B4-BEA1-A1FDF10F1484}" type="slidenum">
+              <a:rPr lang="zh-TW" altLang="en-US" smtClean="0"/>
+              <a:t>‹#›</a:t>
+            </a:fld>
+            <a:endParaRPr lang="zh-TW" altLang="en-US"/>
+          </a:p>
+        </p:txBody>
+      </p:sp>
+    </p:spTree>
+    <p:extLst>
+      <p:ext uri="{BB962C8B-B14F-4D97-AF65-F5344CB8AC3E}">
+        <p14:creationId xmlns:p14="http://schemas.microsoft.com/office/powerpoint/2010/main" val="1675191315"/>
+      </p:ext>
+    </p:extLst>
+  </p:cSld>
+  <p:clrMap bg1="lt1" tx1="dk1" bg2="lt2" tx2="dk2" accent1="accent1" accent2="accent2" accent3="accent3" accent4="accent4" accent5="accent5" accent6="accent6" hlink="hlink" folHlink="folHlink"/>
+  <p:notesStyle>
+    <a:lvl1pPr marL="0" algn="l" defTabSz="914400" rtl="0" eaLnBrk="1" latinLnBrk="0" hangingPunct="1">
+      <a:defRPr sz="1200" kern="1200">
+        <a:solidFill>
+          <a:schemeClr val="tx1"/>
+        </a:solidFill>
+        <a:latin typeface="+mn-lt"/>
+        <a:ea typeface="+mn-ea"/>
+        <a:cs typeface="+mn-cs"/>
+      </a:defRPr>
+    </a:lvl1pPr>
+    <a:lvl2pPr marL="457200" algn="l" defTabSz="914400" rtl="0" eaLnBrk="1" latinLnBrk="0" hangingPunct="1">
+      <a:defRPr sz="1200" kern="1200">
+        <a:solidFill>
+          <a:schemeClr val="tx1"/>
+        </a:solidFill>
+        <a:latin typeface="+mn-lt"/>
+        <a:ea typeface="+mn-ea"/>
+        <a:cs typeface="+mn-cs"/>
+      </a:defRPr>
+    </a:lvl2pPr>
+    <a:lvl3pPr marL="914400" algn="l" defTabSz="914400" rtl="0" eaLnBrk="1" latinLnBrk="0" hangingPunct="1">
+      <a:defRPr sz="1200" kern="1200">
+        <a:solidFill>
+          <a:schemeClr val="tx1"/>
+        </a:solidFill>
+        <a:latin typeface="+mn-lt"/>
+        <a:ea typeface="+mn-ea"/>
+        <a:cs typeface="+mn-cs"/>
+      </a:defRPr>
+    </a:lvl3pPr>
+    <a:lvl4pPr marL="1371600" algn="l" defTabSz="914400" rtl="0" eaLnBrk="1" latinLnBrk="0" hangingPunct="1">
+      <a:defRPr sz="1200" kern="1200">
+        <a:solidFill>
+          <a:schemeClr val="tx1"/>
+        </a:solidFill>
+        <a:latin typeface="+mn-lt"/>
+        <a:ea typeface="+mn-ea"/>
+        <a:cs typeface="+mn-cs"/>
+      </a:defRPr>
+    </a:lvl4pPr>
+    <a:lvl5pPr marL="1828800" algn="l" defTabSz="914400" rtl="0" eaLnBrk="1" latinLnBrk="0" hangingPunct="1">
+      <a:defRPr sz="1200" kern="1200">
+        <a:solidFill>
+          <a:schemeClr val="tx1"/>
+        </a:solidFill>
+        <a:latin typeface="+mn-lt"/>
+        <a:ea typeface="+mn-ea"/>
+        <a:cs typeface="+mn-cs"/>
+      </a:defRPr>
+    </a:lvl5pPr>
+    <a:lvl6pPr marL="2286000" algn="l" defTabSz="914400" rtl="0" eaLnBrk="1" latinLnBrk="0" hangingPunct="1">
+      <a:defRPr sz="1200" kern="1200">
+        <a:solidFill>
+          <a:schemeClr val="tx1"/>
+        </a:solidFill>
+        <a:latin typeface="+mn-lt"/>
+        <a:ea typeface="+mn-ea"/>
+        <a:cs typeface="+mn-cs"/>
+      </a:defRPr>
+    </a:lvl6pPr>
+    <a:lvl7pPr marL="2743200" algn="l" defTabSz="914400" rtl="0" eaLnBrk="1" latinLnBrk="0" hangingPunct="1">
+      <a:defRPr sz="1200" kern="1200">
+        <a:solidFill>
+          <a:schemeClr val="tx1"/>
+        </a:solidFill>
+        <a:latin typeface="+mn-lt"/>
+        <a:ea typeface="+mn-ea"/>
+        <a:cs typeface="+mn-cs"/>
+      </a:defRPr>
+    </a:lvl7pPr>
+    <a:lvl8pPr marL="3200400" algn="l" defTabSz="914400" rtl="0" eaLnBrk="1" latinLnBrk="0" hangingPunct="1">
+      <a:defRPr sz="1200" kern="1200">
+        <a:solidFill>
+          <a:schemeClr val="tx1"/>
+        </a:solidFill>
+        <a:latin typeface="+mn-lt"/>
+        <a:ea typeface="+mn-ea"/>
+        <a:cs typeface="+mn-cs"/>
+      </a:defRPr>
+    </a:lvl8pPr>
+    <a:lvl9pPr marL="3657600" algn="l" defTabSz="914400" rtl="0" eaLnBrk="1" latinLnBrk="0" hangingPunct="1">
+      <a:defRPr sz="1200" kern="1200">
+        <a:solidFill>
+          <a:schemeClr val="tx1"/>
+        </a:solidFill>
+        <a:latin typeface="+mn-lt"/>
+        <a:ea typeface="+mn-ea"/>
+        <a:cs typeface="+mn-cs"/>
+      </a:defRPr>
+    </a:lvl9pPr>
+  </p:notesStyle>
+</p:notesMaster>
+</file>
+
 <file path=ppt/slideLayouts/slideLayout1.xml><?xml version="1.0" encoding="utf-8"?>
 <p:sldLayout xmlns:a="http://schemas.openxmlformats.org/drawingml/2006/main" xmlns:r="http://schemas.openxmlformats.org/officeDocument/2006/relationships" xmlns:p="http://schemas.openxmlformats.org/presentationml/2006/main" type="title" preserve="1">
   <p:cSld name="標題投影片">
@@ -272,7 +624,7 @@
           <a:bodyPr/>
           <a:lstStyle/>
           <a:p>
-            <a:fld id="{B28AABCA-3EF2-4316-A591-5150F8AE44F4}" type="datetimeFigureOut">
+            <a:fld id="{7970C89A-4E49-4348-BA3E-C830F847EEEB}" type="datetime1">
               <a:rPr lang="zh-TW" altLang="en-US" smtClean="0"/>
               <a:t>2023/10/20</a:t>
             </a:fld>
@@ -470,7 +822,7 @@
           <a:bodyPr/>
           <a:lstStyle/>
           <a:p>
-            <a:fld id="{B28AABCA-3EF2-4316-A591-5150F8AE44F4}" type="datetimeFigureOut">
+            <a:fld id="{B81EA1FA-52BF-4CDD-B04A-3BC4DD32E811}" type="datetime1">
               <a:rPr lang="zh-TW" altLang="en-US" smtClean="0"/>
               <a:t>2023/10/20</a:t>
             </a:fld>
@@ -678,7 +1030,7 @@
           <a:bodyPr/>
           <a:lstStyle/>
           <a:p>
-            <a:fld id="{B28AABCA-3EF2-4316-A591-5150F8AE44F4}" type="datetimeFigureOut">
+            <a:fld id="{9FE2CAE9-76C3-4D09-AA66-6B0D74883659}" type="datetime1">
               <a:rPr lang="zh-TW" altLang="en-US" smtClean="0"/>
               <a:t>2023/10/20</a:t>
             </a:fld>
@@ -876,7 +1228,7 @@
           <a:bodyPr/>
           <a:lstStyle/>
           <a:p>
-            <a:fld id="{B28AABCA-3EF2-4316-A591-5150F8AE44F4}" type="datetimeFigureOut">
+            <a:fld id="{43BEC706-78EE-47DD-A03D-9629874E7C01}" type="datetime1">
               <a:rPr lang="zh-TW" altLang="en-US" smtClean="0"/>
               <a:t>2023/10/20</a:t>
             </a:fld>
@@ -1151,7 +1503,7 @@
           <a:bodyPr/>
           <a:lstStyle/>
           <a:p>
-            <a:fld id="{B28AABCA-3EF2-4316-A591-5150F8AE44F4}" type="datetimeFigureOut">
+            <a:fld id="{01BC4416-085D-4104-A5E9-535EFFC14947}" type="datetime1">
               <a:rPr lang="zh-TW" altLang="en-US" smtClean="0"/>
               <a:t>2023/10/20</a:t>
             </a:fld>
@@ -1416,7 +1768,7 @@
           <a:bodyPr/>
           <a:lstStyle/>
           <a:p>
-            <a:fld id="{B28AABCA-3EF2-4316-A591-5150F8AE44F4}" type="datetimeFigureOut">
+            <a:fld id="{5FBF35F8-18D7-4D4A-9EFE-7E786CE94F0D}" type="datetime1">
               <a:rPr lang="zh-TW" altLang="en-US" smtClean="0"/>
               <a:t>2023/10/20</a:t>
             </a:fld>
@@ -1828,7 +2180,7 @@
           <a:bodyPr/>
           <a:lstStyle/>
           <a:p>
-            <a:fld id="{B28AABCA-3EF2-4316-A591-5150F8AE44F4}" type="datetimeFigureOut">
+            <a:fld id="{B7DF2C4F-84B5-4B2C-B93B-10C96028997B}" type="datetime1">
               <a:rPr lang="zh-TW" altLang="en-US" smtClean="0"/>
               <a:t>2023/10/20</a:t>
             </a:fld>
@@ -1969,7 +2321,7 @@
           <a:bodyPr/>
           <a:lstStyle/>
           <a:p>
-            <a:fld id="{B28AABCA-3EF2-4316-A591-5150F8AE44F4}" type="datetimeFigureOut">
+            <a:fld id="{1CF96C4F-AC6D-4CBC-B6F3-B5BFDA299821}" type="datetime1">
               <a:rPr lang="zh-TW" altLang="en-US" smtClean="0"/>
               <a:t>2023/10/20</a:t>
             </a:fld>
@@ -2082,7 +2434,7 @@
           <a:bodyPr/>
           <a:lstStyle/>
           <a:p>
-            <a:fld id="{B28AABCA-3EF2-4316-A591-5150F8AE44F4}" type="datetimeFigureOut">
+            <a:fld id="{EB3C1B66-CC41-45DC-8BCB-6417196A8DA6}" type="datetime1">
               <a:rPr lang="zh-TW" altLang="en-US" smtClean="0"/>
               <a:t>2023/10/20</a:t>
             </a:fld>
@@ -2393,7 +2745,7 @@
           <a:bodyPr/>
           <a:lstStyle/>
           <a:p>
-            <a:fld id="{B28AABCA-3EF2-4316-A591-5150F8AE44F4}" type="datetimeFigureOut">
+            <a:fld id="{DF97E6BB-A43F-479F-BFF0-A6B9C8A430A4}" type="datetime1">
               <a:rPr lang="zh-TW" altLang="en-US" smtClean="0"/>
               <a:t>2023/10/20</a:t>
             </a:fld>
@@ -2681,7 +3033,7 @@
           <a:bodyPr/>
           <a:lstStyle/>
           <a:p>
-            <a:fld id="{B28AABCA-3EF2-4316-A591-5150F8AE44F4}" type="datetimeFigureOut">
+            <a:fld id="{22E67CBE-B74D-4A7C-BD4F-97621866C26C}" type="datetime1">
               <a:rPr lang="zh-TW" altLang="en-US" smtClean="0"/>
               <a:t>2023/10/20</a:t>
             </a:fld>
@@ -2922,7 +3274,7 @@
             </a:lvl1pPr>
           </a:lstStyle>
           <a:p>
-            <a:fld id="{B28AABCA-3EF2-4316-A591-5150F8AE44F4}" type="datetimeFigureOut">
+            <a:fld id="{0F2AE74F-E374-4CC7-8E8A-199B2FA944A8}" type="datetime1">
               <a:rPr lang="zh-TW" altLang="en-US" smtClean="0"/>
               <a:t>2023/10/20</a:t>
             </a:fld>
@@ -3041,6 +3393,7 @@
     <p:sldLayoutId id="2147483658" r:id="rId10"/>
     <p:sldLayoutId id="2147483659" r:id="rId11"/>
   </p:sldLayoutIdLst>
+  <p:hf hdr="0" ftr="0" dt="0"/>
   <p:txStyles>
     <p:titleStyle>
       <a:lvl1pPr algn="l" defTabSz="914400" rtl="0" eaLnBrk="1" latinLnBrk="0" hangingPunct="1">
@@ -3457,6 +3810,35 @@
           </a:p>
         </p:txBody>
       </p:sp>
+      <p:sp>
+        <p:nvSpPr>
+          <p:cNvPr id="2" name="投影片編號版面配置區 1">
+            <a:extLst>
+              <a:ext uri="{FF2B5EF4-FFF2-40B4-BE49-F238E27FC236}">
+                <a16:creationId xmlns:a16="http://schemas.microsoft.com/office/drawing/2014/main" id="{3D817073-2146-B6F4-C8E5-84FD303EF70E}"/>
+              </a:ext>
+            </a:extLst>
+          </p:cNvPr>
+          <p:cNvSpPr>
+            <a:spLocks noGrp="1"/>
+          </p:cNvSpPr>
+          <p:nvPr>
+            <p:ph type="sldNum" sz="quarter" idx="12"/>
+          </p:nvPr>
+        </p:nvSpPr>
+        <p:spPr/>
+        <p:txBody>
+          <a:bodyPr/>
+          <a:lstStyle/>
+          <a:p>
+            <a:fld id="{983C7559-4B51-43AB-8024-A24F832BBAF1}" type="slidenum">
+              <a:rPr lang="zh-TW" altLang="en-US" smtClean="0"/>
+              <a:t>1</a:t>
+            </a:fld>
+            <a:endParaRPr lang="zh-TW" altLang="en-US"/>
+          </a:p>
+        </p:txBody>
+      </p:sp>
     </p:spTree>
     <p:extLst>
       <p:ext uri="{BB962C8B-B14F-4D97-AF65-F5344CB8AC3E}">
@@ -3716,6 +4098,35 @@
           </a:fontRef>
         </p:style>
       </p:cxnSp>
+      <p:sp>
+        <p:nvSpPr>
+          <p:cNvPr id="3" name="投影片編號版面配置區 2">
+            <a:extLst>
+              <a:ext uri="{FF2B5EF4-FFF2-40B4-BE49-F238E27FC236}">
+                <a16:creationId xmlns:a16="http://schemas.microsoft.com/office/drawing/2014/main" id="{90014325-574D-9287-EFCD-83D17A7B36A9}"/>
+              </a:ext>
+            </a:extLst>
+          </p:cNvPr>
+          <p:cNvSpPr>
+            <a:spLocks noGrp="1"/>
+          </p:cNvSpPr>
+          <p:nvPr>
+            <p:ph type="sldNum" sz="quarter" idx="12"/>
+          </p:nvPr>
+        </p:nvSpPr>
+        <p:spPr/>
+        <p:txBody>
+          <a:bodyPr/>
+          <a:lstStyle/>
+          <a:p>
+            <a:fld id="{983C7559-4B51-43AB-8024-A24F832BBAF1}" type="slidenum">
+              <a:rPr lang="zh-TW" altLang="en-US" smtClean="0"/>
+              <a:t>10</a:t>
+            </a:fld>
+            <a:endParaRPr lang="zh-TW" altLang="en-US"/>
+          </a:p>
+        </p:txBody>
+      </p:sp>
     </p:spTree>
     <p:extLst>
       <p:ext uri="{BB962C8B-B14F-4D97-AF65-F5344CB8AC3E}">
@@ -3921,6 +4332,35 @@
           </a:prstGeom>
         </p:spPr>
       </p:pic>
+      <p:sp>
+        <p:nvSpPr>
+          <p:cNvPr id="4" name="投影片編號版面配置區 3">
+            <a:extLst>
+              <a:ext uri="{FF2B5EF4-FFF2-40B4-BE49-F238E27FC236}">
+                <a16:creationId xmlns:a16="http://schemas.microsoft.com/office/drawing/2014/main" id="{DDF482AE-B13D-3B07-34DC-E45B5CA5F38B}"/>
+              </a:ext>
+            </a:extLst>
+          </p:cNvPr>
+          <p:cNvSpPr>
+            <a:spLocks noGrp="1"/>
+          </p:cNvSpPr>
+          <p:nvPr>
+            <p:ph type="sldNum" sz="quarter" idx="12"/>
+          </p:nvPr>
+        </p:nvSpPr>
+        <p:spPr/>
+        <p:txBody>
+          <a:bodyPr/>
+          <a:lstStyle/>
+          <a:p>
+            <a:fld id="{983C7559-4B51-43AB-8024-A24F832BBAF1}" type="slidenum">
+              <a:rPr lang="zh-TW" altLang="en-US" smtClean="0"/>
+              <a:t>11</a:t>
+            </a:fld>
+            <a:endParaRPr lang="zh-TW" altLang="en-US"/>
+          </a:p>
+        </p:txBody>
+      </p:sp>
     </p:spTree>
     <p:extLst>
       <p:ext uri="{BB962C8B-B14F-4D97-AF65-F5344CB8AC3E}">
@@ -4101,6 +4541,35 @@
           </a:p>
         </p:txBody>
       </p:sp>
+      <p:sp>
+        <p:nvSpPr>
+          <p:cNvPr id="2" name="投影片編號版面配置區 1">
+            <a:extLst>
+              <a:ext uri="{FF2B5EF4-FFF2-40B4-BE49-F238E27FC236}">
+                <a16:creationId xmlns:a16="http://schemas.microsoft.com/office/drawing/2014/main" id="{4A9D2FAB-C6F5-1EBC-2218-90600F801908}"/>
+              </a:ext>
+            </a:extLst>
+          </p:cNvPr>
+          <p:cNvSpPr>
+            <a:spLocks noGrp="1"/>
+          </p:cNvSpPr>
+          <p:nvPr>
+            <p:ph type="sldNum" sz="quarter" idx="12"/>
+          </p:nvPr>
+        </p:nvSpPr>
+        <p:spPr/>
+        <p:txBody>
+          <a:bodyPr/>
+          <a:lstStyle/>
+          <a:p>
+            <a:fld id="{983C7559-4B51-43AB-8024-A24F832BBAF1}" type="slidenum">
+              <a:rPr lang="zh-TW" altLang="en-US" smtClean="0"/>
+              <a:t>12</a:t>
+            </a:fld>
+            <a:endParaRPr lang="zh-TW" altLang="en-US"/>
+          </a:p>
+        </p:txBody>
+      </p:sp>
     </p:spTree>
     <p:extLst>
       <p:ext uri="{BB962C8B-B14F-4D97-AF65-F5344CB8AC3E}">
@@ -4336,6 +4805,35 @@
               </a:rPr>
               <a:t>圖表</a:t>
             </a:r>
+          </a:p>
+        </p:txBody>
+      </p:sp>
+      <p:sp>
+        <p:nvSpPr>
+          <p:cNvPr id="6" name="投影片編號版面配置區 5">
+            <a:extLst>
+              <a:ext uri="{FF2B5EF4-FFF2-40B4-BE49-F238E27FC236}">
+                <a16:creationId xmlns:a16="http://schemas.microsoft.com/office/drawing/2014/main" id="{C142AA90-6DA7-1B31-2DC4-132502053F5A}"/>
+              </a:ext>
+            </a:extLst>
+          </p:cNvPr>
+          <p:cNvSpPr>
+            <a:spLocks noGrp="1"/>
+          </p:cNvSpPr>
+          <p:nvPr>
+            <p:ph type="sldNum" sz="quarter" idx="12"/>
+          </p:nvPr>
+        </p:nvSpPr>
+        <p:spPr/>
+        <p:txBody>
+          <a:bodyPr/>
+          <a:lstStyle/>
+          <a:p>
+            <a:fld id="{983C7559-4B51-43AB-8024-A24F832BBAF1}" type="slidenum">
+              <a:rPr lang="zh-TW" altLang="en-US" smtClean="0"/>
+              <a:t>13</a:t>
+            </a:fld>
+            <a:endParaRPr lang="zh-TW" altLang="en-US"/>
           </a:p>
         </p:txBody>
       </p:sp>
@@ -5269,6 +5767,35 @@
           </a:fontRef>
         </p:style>
       </p:cxnSp>
+      <p:sp>
+        <p:nvSpPr>
+          <p:cNvPr id="2" name="投影片編號版面配置區 1">
+            <a:extLst>
+              <a:ext uri="{FF2B5EF4-FFF2-40B4-BE49-F238E27FC236}">
+                <a16:creationId xmlns:a16="http://schemas.microsoft.com/office/drawing/2014/main" id="{0499F2F3-D597-E54C-A1B2-26CCD6676AF9}"/>
+              </a:ext>
+            </a:extLst>
+          </p:cNvPr>
+          <p:cNvSpPr>
+            <a:spLocks noGrp="1"/>
+          </p:cNvSpPr>
+          <p:nvPr>
+            <p:ph type="sldNum" sz="quarter" idx="12"/>
+          </p:nvPr>
+        </p:nvSpPr>
+        <p:spPr/>
+        <p:txBody>
+          <a:bodyPr/>
+          <a:lstStyle/>
+          <a:p>
+            <a:fld id="{983C7559-4B51-43AB-8024-A24F832BBAF1}" type="slidenum">
+              <a:rPr lang="zh-TW" altLang="en-US" smtClean="0"/>
+              <a:t>14</a:t>
+            </a:fld>
+            <a:endParaRPr lang="zh-TW" altLang="en-US"/>
+          </a:p>
+        </p:txBody>
+      </p:sp>
     </p:spTree>
     <p:extLst>
       <p:ext uri="{BB962C8B-B14F-4D97-AF65-F5344CB8AC3E}">
@@ -5413,6 +5940,35 @@
           </a:p>
         </p:txBody>
       </p:sp>
+      <p:sp>
+        <p:nvSpPr>
+          <p:cNvPr id="4" name="投影片編號版面配置區 3">
+            <a:extLst>
+              <a:ext uri="{FF2B5EF4-FFF2-40B4-BE49-F238E27FC236}">
+                <a16:creationId xmlns:a16="http://schemas.microsoft.com/office/drawing/2014/main" id="{AE76D782-6624-7066-4183-2984061874E9}"/>
+              </a:ext>
+            </a:extLst>
+          </p:cNvPr>
+          <p:cNvSpPr>
+            <a:spLocks noGrp="1"/>
+          </p:cNvSpPr>
+          <p:nvPr>
+            <p:ph type="sldNum" sz="quarter" idx="12"/>
+          </p:nvPr>
+        </p:nvSpPr>
+        <p:spPr/>
+        <p:txBody>
+          <a:bodyPr/>
+          <a:lstStyle/>
+          <a:p>
+            <a:fld id="{983C7559-4B51-43AB-8024-A24F832BBAF1}" type="slidenum">
+              <a:rPr lang="zh-TW" altLang="en-US" smtClean="0"/>
+              <a:t>15</a:t>
+            </a:fld>
+            <a:endParaRPr lang="zh-TW" altLang="en-US"/>
+          </a:p>
+        </p:txBody>
+      </p:sp>
     </p:spTree>
     <p:extLst>
       <p:ext uri="{BB962C8B-B14F-4D97-AF65-F5344CB8AC3E}">
@@ -5524,6 +6080,35 @@
               </a:rPr>
               <a:t>模型進行矯正，最後將結果個別在網頁上呈現</a:t>
             </a:r>
+          </a:p>
+        </p:txBody>
+      </p:sp>
+      <p:sp>
+        <p:nvSpPr>
+          <p:cNvPr id="4" name="投影片編號版面配置區 3">
+            <a:extLst>
+              <a:ext uri="{FF2B5EF4-FFF2-40B4-BE49-F238E27FC236}">
+                <a16:creationId xmlns:a16="http://schemas.microsoft.com/office/drawing/2014/main" id="{D37CF85B-DC21-DA85-6089-F97421DA7FBC}"/>
+              </a:ext>
+            </a:extLst>
+          </p:cNvPr>
+          <p:cNvSpPr>
+            <a:spLocks noGrp="1"/>
+          </p:cNvSpPr>
+          <p:nvPr>
+            <p:ph type="sldNum" sz="quarter" idx="12"/>
+          </p:nvPr>
+        </p:nvSpPr>
+        <p:spPr/>
+        <p:txBody>
+          <a:bodyPr/>
+          <a:lstStyle/>
+          <a:p>
+            <a:fld id="{983C7559-4B51-43AB-8024-A24F832BBAF1}" type="slidenum">
+              <a:rPr lang="zh-TW" altLang="en-US" smtClean="0"/>
+              <a:t>16</a:t>
+            </a:fld>
+            <a:endParaRPr lang="zh-TW" altLang="en-US"/>
           </a:p>
         </p:txBody>
       </p:sp>
@@ -5587,7 +6172,7 @@
         </p:blipFill>
         <p:spPr>
           <a:xfrm>
-            <a:off x="2181028" y="698159"/>
+            <a:off x="2181028" y="707124"/>
             <a:ext cx="7829943" cy="5872458"/>
           </a:xfrm>
         </p:spPr>
@@ -5621,6 +6206,35 @@
               </a:rPr>
               <a:t>甘特圖</a:t>
             </a:r>
+          </a:p>
+        </p:txBody>
+      </p:sp>
+      <p:sp>
+        <p:nvSpPr>
+          <p:cNvPr id="3" name="投影片編號版面配置區 2">
+            <a:extLst>
+              <a:ext uri="{FF2B5EF4-FFF2-40B4-BE49-F238E27FC236}">
+                <a16:creationId xmlns:a16="http://schemas.microsoft.com/office/drawing/2014/main" id="{661979A5-FD05-4291-B3D3-1549CE943D47}"/>
+              </a:ext>
+            </a:extLst>
+          </p:cNvPr>
+          <p:cNvSpPr>
+            <a:spLocks noGrp="1"/>
+          </p:cNvSpPr>
+          <p:nvPr>
+            <p:ph type="sldNum" sz="quarter" idx="12"/>
+          </p:nvPr>
+        </p:nvSpPr>
+        <p:spPr/>
+        <p:txBody>
+          <a:bodyPr/>
+          <a:lstStyle/>
+          <a:p>
+            <a:fld id="{983C7559-4B51-43AB-8024-A24F832BBAF1}" type="slidenum">
+              <a:rPr lang="zh-TW" altLang="en-US" smtClean="0"/>
+              <a:t>2</a:t>
+            </a:fld>
+            <a:endParaRPr lang="zh-TW" altLang="en-US"/>
           </a:p>
         </p:txBody>
       </p:sp>
@@ -6344,6 +6958,35 @@
           </a:p>
         </p:txBody>
       </p:sp>
+      <p:sp>
+        <p:nvSpPr>
+          <p:cNvPr id="4" name="投影片編號版面配置區 3">
+            <a:extLst>
+              <a:ext uri="{FF2B5EF4-FFF2-40B4-BE49-F238E27FC236}">
+                <a16:creationId xmlns:a16="http://schemas.microsoft.com/office/drawing/2014/main" id="{A28534D7-8EC5-49DD-858A-36D1F65BE12C}"/>
+              </a:ext>
+            </a:extLst>
+          </p:cNvPr>
+          <p:cNvSpPr>
+            <a:spLocks noGrp="1"/>
+          </p:cNvSpPr>
+          <p:nvPr>
+            <p:ph type="sldNum" sz="quarter" idx="12"/>
+          </p:nvPr>
+        </p:nvSpPr>
+        <p:spPr/>
+        <p:txBody>
+          <a:bodyPr/>
+          <a:lstStyle/>
+          <a:p>
+            <a:fld id="{983C7559-4B51-43AB-8024-A24F832BBAF1}" type="slidenum">
+              <a:rPr lang="zh-TW" altLang="en-US" smtClean="0"/>
+              <a:t>3</a:t>
+            </a:fld>
+            <a:endParaRPr lang="zh-TW" altLang="en-US"/>
+          </a:p>
+        </p:txBody>
+      </p:sp>
     </p:spTree>
     <p:extLst>
       <p:ext uri="{BB962C8B-B14F-4D97-AF65-F5344CB8AC3E}">
@@ -6635,6 +7278,35 @@
           </a:p>
         </p:txBody>
       </p:sp>
+      <p:sp>
+        <p:nvSpPr>
+          <p:cNvPr id="3" name="投影片編號版面配置區 2">
+            <a:extLst>
+              <a:ext uri="{FF2B5EF4-FFF2-40B4-BE49-F238E27FC236}">
+                <a16:creationId xmlns:a16="http://schemas.microsoft.com/office/drawing/2014/main" id="{9BC4C3FB-98F7-5918-58E8-53F52D6B14FF}"/>
+              </a:ext>
+            </a:extLst>
+          </p:cNvPr>
+          <p:cNvSpPr>
+            <a:spLocks noGrp="1"/>
+          </p:cNvSpPr>
+          <p:nvPr>
+            <p:ph type="sldNum" sz="quarter" idx="12"/>
+          </p:nvPr>
+        </p:nvSpPr>
+        <p:spPr/>
+        <p:txBody>
+          <a:bodyPr/>
+          <a:lstStyle/>
+          <a:p>
+            <a:fld id="{983C7559-4B51-43AB-8024-A24F832BBAF1}" type="slidenum">
+              <a:rPr lang="zh-TW" altLang="en-US" smtClean="0"/>
+              <a:t>4</a:t>
+            </a:fld>
+            <a:endParaRPr lang="zh-TW" altLang="en-US"/>
+          </a:p>
+        </p:txBody>
+      </p:sp>
     </p:spTree>
     <p:extLst>
       <p:ext uri="{BB962C8B-B14F-4D97-AF65-F5344CB8AC3E}">
@@ -6997,6 +7669,35 @@
           </a:prstGeom>
         </p:spPr>
       </p:pic>
+      <p:sp>
+        <p:nvSpPr>
+          <p:cNvPr id="3" name="投影片編號版面配置區 2">
+            <a:extLst>
+              <a:ext uri="{FF2B5EF4-FFF2-40B4-BE49-F238E27FC236}">
+                <a16:creationId xmlns:a16="http://schemas.microsoft.com/office/drawing/2014/main" id="{06E612BC-4EB2-E121-E7BC-9975A06E6191}"/>
+              </a:ext>
+            </a:extLst>
+          </p:cNvPr>
+          <p:cNvSpPr>
+            <a:spLocks noGrp="1"/>
+          </p:cNvSpPr>
+          <p:nvPr>
+            <p:ph type="sldNum" sz="quarter" idx="12"/>
+          </p:nvPr>
+        </p:nvSpPr>
+        <p:spPr/>
+        <p:txBody>
+          <a:bodyPr/>
+          <a:lstStyle/>
+          <a:p>
+            <a:fld id="{983C7559-4B51-43AB-8024-A24F832BBAF1}" type="slidenum">
+              <a:rPr lang="zh-TW" altLang="en-US" smtClean="0"/>
+              <a:t>5</a:t>
+            </a:fld>
+            <a:endParaRPr lang="zh-TW" altLang="en-US"/>
+          </a:p>
+        </p:txBody>
+      </p:sp>
     </p:spTree>
     <p:extLst>
       <p:ext uri="{BB962C8B-B14F-4D97-AF65-F5344CB8AC3E}">
@@ -7188,6 +7889,35 @@
           </a:p>
         </p:txBody>
       </p:sp>
+      <p:sp>
+        <p:nvSpPr>
+          <p:cNvPr id="2" name="投影片編號版面配置區 1">
+            <a:extLst>
+              <a:ext uri="{FF2B5EF4-FFF2-40B4-BE49-F238E27FC236}">
+                <a16:creationId xmlns:a16="http://schemas.microsoft.com/office/drawing/2014/main" id="{A60271CC-C89A-0CEF-F076-4EC018CA9868}"/>
+              </a:ext>
+            </a:extLst>
+          </p:cNvPr>
+          <p:cNvSpPr>
+            <a:spLocks noGrp="1"/>
+          </p:cNvSpPr>
+          <p:nvPr>
+            <p:ph type="sldNum" sz="quarter" idx="12"/>
+          </p:nvPr>
+        </p:nvSpPr>
+        <p:spPr/>
+        <p:txBody>
+          <a:bodyPr/>
+          <a:lstStyle/>
+          <a:p>
+            <a:fld id="{983C7559-4B51-43AB-8024-A24F832BBAF1}" type="slidenum">
+              <a:rPr lang="zh-TW" altLang="en-US" smtClean="0"/>
+              <a:t>6</a:t>
+            </a:fld>
+            <a:endParaRPr lang="zh-TW" altLang="en-US"/>
+          </a:p>
+        </p:txBody>
+      </p:sp>
     </p:spTree>
     <p:extLst>
       <p:ext uri="{BB962C8B-B14F-4D97-AF65-F5344CB8AC3E}">
@@ -7685,6 +8415,35 @@
               </a:rPr>
               <a:t>再次訓練</a:t>
             </a:r>
+          </a:p>
+        </p:txBody>
+      </p:sp>
+      <p:sp>
+        <p:nvSpPr>
+          <p:cNvPr id="2" name="投影片編號版面配置區 1">
+            <a:extLst>
+              <a:ext uri="{FF2B5EF4-FFF2-40B4-BE49-F238E27FC236}">
+                <a16:creationId xmlns:a16="http://schemas.microsoft.com/office/drawing/2014/main" id="{8389921A-FA6F-E9C7-B99A-2EC0B0487FB7}"/>
+              </a:ext>
+            </a:extLst>
+          </p:cNvPr>
+          <p:cNvSpPr>
+            <a:spLocks noGrp="1"/>
+          </p:cNvSpPr>
+          <p:nvPr>
+            <p:ph type="sldNum" sz="quarter" idx="12"/>
+          </p:nvPr>
+        </p:nvSpPr>
+        <p:spPr/>
+        <p:txBody>
+          <a:bodyPr/>
+          <a:lstStyle/>
+          <a:p>
+            <a:fld id="{983C7559-4B51-43AB-8024-A24F832BBAF1}" type="slidenum">
+              <a:rPr lang="zh-TW" altLang="en-US" smtClean="0"/>
+              <a:t>7</a:t>
+            </a:fld>
+            <a:endParaRPr lang="zh-TW" altLang="en-US"/>
           </a:p>
         </p:txBody>
       </p:sp>
@@ -7787,6 +8546,35 @@
           </a:p>
         </p:txBody>
       </p:sp>
+      <p:sp>
+        <p:nvSpPr>
+          <p:cNvPr id="2" name="投影片編號版面配置區 1">
+            <a:extLst>
+              <a:ext uri="{FF2B5EF4-FFF2-40B4-BE49-F238E27FC236}">
+                <a16:creationId xmlns:a16="http://schemas.microsoft.com/office/drawing/2014/main" id="{153916D5-2219-8B3D-607C-719E6E0F2C67}"/>
+              </a:ext>
+            </a:extLst>
+          </p:cNvPr>
+          <p:cNvSpPr>
+            <a:spLocks noGrp="1"/>
+          </p:cNvSpPr>
+          <p:nvPr>
+            <p:ph type="sldNum" sz="quarter" idx="12"/>
+          </p:nvPr>
+        </p:nvSpPr>
+        <p:spPr/>
+        <p:txBody>
+          <a:bodyPr/>
+          <a:lstStyle/>
+          <a:p>
+            <a:fld id="{983C7559-4B51-43AB-8024-A24F832BBAF1}" type="slidenum">
+              <a:rPr lang="zh-TW" altLang="en-US" smtClean="0"/>
+              <a:t>8</a:t>
+            </a:fld>
+            <a:endParaRPr lang="zh-TW" altLang="en-US"/>
+          </a:p>
+        </p:txBody>
+      </p:sp>
     </p:spTree>
     <p:extLst>
       <p:ext uri="{BB962C8B-B14F-4D97-AF65-F5344CB8AC3E}">
@@ -8275,6 +9063,35 @@
               <a:t>92</a:t>
             </a:r>
             <a:endParaRPr lang="zh-TW" altLang="en-US" dirty="0"/>
+          </a:p>
+        </p:txBody>
+      </p:sp>
+      <p:sp>
+        <p:nvSpPr>
+          <p:cNvPr id="2" name="投影片編號版面配置區 1">
+            <a:extLst>
+              <a:ext uri="{FF2B5EF4-FFF2-40B4-BE49-F238E27FC236}">
+                <a16:creationId xmlns:a16="http://schemas.microsoft.com/office/drawing/2014/main" id="{6CD2E108-AFB6-FBFE-13C1-84FEE2840B8C}"/>
+              </a:ext>
+            </a:extLst>
+          </p:cNvPr>
+          <p:cNvSpPr>
+            <a:spLocks noGrp="1"/>
+          </p:cNvSpPr>
+          <p:nvPr>
+            <p:ph type="sldNum" sz="quarter" idx="12"/>
+          </p:nvPr>
+        </p:nvSpPr>
+        <p:spPr/>
+        <p:txBody>
+          <a:bodyPr/>
+          <a:lstStyle/>
+          <a:p>
+            <a:fld id="{983C7559-4B51-43AB-8024-A24F832BBAF1}" type="slidenum">
+              <a:rPr lang="zh-TW" altLang="en-US" smtClean="0"/>
+              <a:t>9</a:t>
+            </a:fld>
+            <a:endParaRPr lang="zh-TW" altLang="en-US"/>
           </a:p>
         </p:txBody>
       </p:sp>
@@ -8584,4 +9401,299 @@
     </a:ext>
   </a:extLst>
 </a:theme>
+</file>
+
+<file path=ppt/theme/theme2.xml><?xml version="1.0" encoding="utf-8"?>
+<a:theme xmlns:a="http://schemas.openxmlformats.org/drawingml/2006/main" name="Office 佈景主題">
+  <a:themeElements>
+    <a:clrScheme name="Office">
+      <a:dk1>
+        <a:sysClr val="windowText" lastClr="000000"/>
+      </a:dk1>
+      <a:lt1>
+        <a:sysClr val="window" lastClr="FFFFFF"/>
+      </a:lt1>
+      <a:dk2>
+        <a:srgbClr val="44546A"/>
+      </a:dk2>
+      <a:lt2>
+        <a:srgbClr val="E7E6E6"/>
+      </a:lt2>
+      <a:accent1>
+        <a:srgbClr val="4472C4"/>
+      </a:accent1>
+      <a:accent2>
+        <a:srgbClr val="ED7D31"/>
+      </a:accent2>
+      <a:accent3>
+        <a:srgbClr val="A5A5A5"/>
+      </a:accent3>
+      <a:accent4>
+        <a:srgbClr val="FFC000"/>
+      </a:accent4>
+      <a:accent5>
+        <a:srgbClr val="5B9BD5"/>
+      </a:accent5>
+      <a:accent6>
+        <a:srgbClr val="70AD47"/>
+      </a:accent6>
+      <a:hlink>
+        <a:srgbClr val="0563C1"/>
+      </a:hlink>
+      <a:folHlink>
+        <a:srgbClr val="954F72"/>
+      </a:folHlink>
+    </a:clrScheme>
+    <a:fontScheme name="Office">
+      <a:majorFont>
+        <a:latin typeface="Calibri Light" panose="020F0302020204030204"/>
+        <a:ea typeface=""/>
+        <a:cs typeface=""/>
+        <a:font script="Jpan" typeface="游ゴシック Light"/>
+        <a:font script="Hang" typeface="맑은 고딕"/>
+        <a:font script="Hans" typeface="等线 Light"/>
+        <a:font script="Hant" typeface="新細明體"/>
+        <a:font script="Arab" typeface="Times New Roman"/>
+        <a:font script="Hebr" typeface="Times New Roman"/>
+        <a:font script="Thai" typeface="Angsana New"/>
+        <a:font script="Ethi" typeface="Nyala"/>
+        <a:font script="Beng" typeface="Vrinda"/>
+        <a:font script="Gujr" typeface="Shruti"/>
+        <a:font script="Khmr" typeface="MoolBoran"/>
+        <a:font script="Knda" typeface="Tunga"/>
+        <a:font script="Guru" typeface="Raavi"/>
+        <a:font script="Cans" typeface="Euphemia"/>
+        <a:font script="Cher" typeface="Plantagenet Cherokee"/>
+        <a:font script="Yiii" typeface="Microsoft Yi Baiti"/>
+        <a:font script="Tibt" typeface="Microsoft Himalaya"/>
+        <a:font script="Thaa" typeface="MV Boli"/>
+        <a:font script="Deva" typeface="Mangal"/>
+        <a:font script="Telu" typeface="Gautami"/>
+        <a:font script="Taml" typeface="Latha"/>
+        <a:font script="Syrc" typeface="Estrangelo Edessa"/>
+        <a:font script="Orya" typeface="Kalinga"/>
+        <a:font script="Mlym" typeface="Kartika"/>
+        <a:font script="Laoo" typeface="DokChampa"/>
+        <a:font script="Sinh" typeface="Iskoola Pota"/>
+        <a:font script="Mong" typeface="Mongolian Baiti"/>
+        <a:font script="Viet" typeface="Times New Roman"/>
+        <a:font script="Uigh" typeface="Microsoft Uighur"/>
+        <a:font script="Geor" typeface="Sylfaen"/>
+        <a:font script="Armn" typeface="Arial"/>
+        <a:font script="Bugi" typeface="Leelawadee UI"/>
+        <a:font script="Bopo" typeface="Microsoft JhengHei"/>
+        <a:font script="Java" typeface="Javanese Text"/>
+        <a:font script="Lisu" typeface="Segoe UI"/>
+        <a:font script="Mymr" typeface="Myanmar Text"/>
+        <a:font script="Nkoo" typeface="Ebrima"/>
+        <a:font script="Olck" typeface="Nirmala UI"/>
+        <a:font script="Osma" typeface="Ebrima"/>
+        <a:font script="Phag" typeface="Phagspa"/>
+        <a:font script="Syrn" typeface="Estrangelo Edessa"/>
+        <a:font script="Syrj" typeface="Estrangelo Edessa"/>
+        <a:font script="Syre" typeface="Estrangelo Edessa"/>
+        <a:font script="Sora" typeface="Nirmala UI"/>
+        <a:font script="Tale" typeface="Microsoft Tai Le"/>
+        <a:font script="Talu" typeface="Microsoft New Tai Lue"/>
+        <a:font script="Tfng" typeface="Ebrima"/>
+      </a:majorFont>
+      <a:minorFont>
+        <a:latin typeface="Calibri" panose="020F0502020204030204"/>
+        <a:ea typeface=""/>
+        <a:cs typeface=""/>
+        <a:font script="Jpan" typeface="游ゴシック"/>
+        <a:font script="Hang" typeface="맑은 고딕"/>
+        <a:font script="Hans" typeface="等线"/>
+        <a:font script="Hant" typeface="新細明體"/>
+        <a:font script="Arab" typeface="Arial"/>
+        <a:font script="Hebr" typeface="Arial"/>
+        <a:font script="Thai" typeface="Cordia New"/>
+        <a:font script="Ethi" typeface="Nyala"/>
+        <a:font script="Beng" typeface="Vrinda"/>
+        <a:font script="Gujr" typeface="Shruti"/>
+        <a:font script="Khmr" typeface="DaunPenh"/>
+        <a:font script="Knda" typeface="Tunga"/>
+        <a:font script="Guru" typeface="Raavi"/>
+        <a:font script="Cans" typeface="Euphemia"/>
+        <a:font script="Cher" typeface="Plantagenet Cherokee"/>
+        <a:font script="Yiii" typeface="Microsoft Yi Baiti"/>
+        <a:font script="Tibt" typeface="Microsoft Himalaya"/>
+        <a:font script="Thaa" typeface="MV Boli"/>
+        <a:font script="Deva" typeface="Mangal"/>
+        <a:font script="Telu" typeface="Gautami"/>
+        <a:font script="Taml" typeface="Latha"/>
+        <a:font script="Syrc" typeface="Estrangelo Edessa"/>
+        <a:font script="Orya" typeface="Kalinga"/>
+        <a:font script="Mlym" typeface="Kartika"/>
+        <a:font script="Laoo" typeface="DokChampa"/>
+        <a:font script="Sinh" typeface="Iskoola Pota"/>
+        <a:font script="Mong" typeface="Mongolian Baiti"/>
+        <a:font script="Viet" typeface="Arial"/>
+        <a:font script="Uigh" typeface="Microsoft Uighur"/>
+        <a:font script="Geor" typeface="Sylfaen"/>
+        <a:font script="Armn" typeface="Arial"/>
+        <a:font script="Bugi" typeface="Leelawadee UI"/>
+        <a:font script="Bopo" typeface="Microsoft JhengHei"/>
+        <a:font script="Java" typeface="Javanese Text"/>
+        <a:font script="Lisu" typeface="Segoe UI"/>
+        <a:font script="Mymr" typeface="Myanmar Text"/>
+        <a:font script="Nkoo" typeface="Ebrima"/>
+        <a:font script="Olck" typeface="Nirmala UI"/>
+        <a:font script="Osma" typeface="Ebrima"/>
+        <a:font script="Phag" typeface="Phagspa"/>
+        <a:font script="Syrn" typeface="Estrangelo Edessa"/>
+        <a:font script="Syrj" typeface="Estrangelo Edessa"/>
+        <a:font script="Syre" typeface="Estrangelo Edessa"/>
+        <a:font script="Sora" typeface="Nirmala UI"/>
+        <a:font script="Tale" typeface="Microsoft Tai Le"/>
+        <a:font script="Talu" typeface="Microsoft New Tai Lue"/>
+        <a:font script="Tfng" typeface="Ebrima"/>
+      </a:minorFont>
+    </a:fontScheme>
+    <a:fmtScheme name="Office">
+      <a:fillStyleLst>
+        <a:solidFill>
+          <a:schemeClr val="phClr"/>
+        </a:solidFill>
+        <a:gradFill rotWithShape="1">
+          <a:gsLst>
+            <a:gs pos="0">
+              <a:schemeClr val="phClr">
+                <a:lumMod val="110000"/>
+                <a:satMod val="105000"/>
+                <a:tint val="67000"/>
+              </a:schemeClr>
+            </a:gs>
+            <a:gs pos="50000">
+              <a:schemeClr val="phClr">
+                <a:lumMod val="105000"/>
+                <a:satMod val="103000"/>
+                <a:tint val="73000"/>
+              </a:schemeClr>
+            </a:gs>
+            <a:gs pos="100000">
+              <a:schemeClr val="phClr">
+                <a:lumMod val="105000"/>
+                <a:satMod val="109000"/>
+                <a:tint val="81000"/>
+              </a:schemeClr>
+            </a:gs>
+          </a:gsLst>
+          <a:lin ang="5400000" scaled="0"/>
+        </a:gradFill>
+        <a:gradFill rotWithShape="1">
+          <a:gsLst>
+            <a:gs pos="0">
+              <a:schemeClr val="phClr">
+                <a:satMod val="103000"/>
+                <a:lumMod val="102000"/>
+                <a:tint val="94000"/>
+              </a:schemeClr>
+            </a:gs>
+            <a:gs pos="50000">
+              <a:schemeClr val="phClr">
+                <a:satMod val="110000"/>
+                <a:lumMod val="100000"/>
+                <a:shade val="100000"/>
+              </a:schemeClr>
+            </a:gs>
+            <a:gs pos="100000">
+              <a:schemeClr val="phClr">
+                <a:lumMod val="99000"/>
+                <a:satMod val="120000"/>
+                <a:shade val="78000"/>
+              </a:schemeClr>
+            </a:gs>
+          </a:gsLst>
+          <a:lin ang="5400000" scaled="0"/>
+        </a:gradFill>
+      </a:fillStyleLst>
+      <a:lnStyleLst>
+        <a:ln w="6350" cap="flat" cmpd="sng" algn="ctr">
+          <a:solidFill>
+            <a:schemeClr val="phClr"/>
+          </a:solidFill>
+          <a:prstDash val="solid"/>
+          <a:miter lim="800000"/>
+        </a:ln>
+        <a:ln w="12700" cap="flat" cmpd="sng" algn="ctr">
+          <a:solidFill>
+            <a:schemeClr val="phClr"/>
+          </a:solidFill>
+          <a:prstDash val="solid"/>
+          <a:miter lim="800000"/>
+        </a:ln>
+        <a:ln w="19050" cap="flat" cmpd="sng" algn="ctr">
+          <a:solidFill>
+            <a:schemeClr val="phClr"/>
+          </a:solidFill>
+          <a:prstDash val="solid"/>
+          <a:miter lim="800000"/>
+        </a:ln>
+      </a:lnStyleLst>
+      <a:effectStyleLst>
+        <a:effectStyle>
+          <a:effectLst/>
+        </a:effectStyle>
+        <a:effectStyle>
+          <a:effectLst/>
+        </a:effectStyle>
+        <a:effectStyle>
+          <a:effectLst>
+            <a:outerShdw blurRad="57150" dist="19050" dir="5400000" algn="ctr" rotWithShape="0">
+              <a:srgbClr val="000000">
+                <a:alpha val="63000"/>
+              </a:srgbClr>
+            </a:outerShdw>
+          </a:effectLst>
+        </a:effectStyle>
+      </a:effectStyleLst>
+      <a:bgFillStyleLst>
+        <a:solidFill>
+          <a:schemeClr val="phClr"/>
+        </a:solidFill>
+        <a:solidFill>
+          <a:schemeClr val="phClr">
+            <a:tint val="95000"/>
+            <a:satMod val="170000"/>
+          </a:schemeClr>
+        </a:solidFill>
+        <a:gradFill rotWithShape="1">
+          <a:gsLst>
+            <a:gs pos="0">
+              <a:schemeClr val="phClr">
+                <a:tint val="93000"/>
+                <a:satMod val="150000"/>
+                <a:shade val="98000"/>
+                <a:lumMod val="102000"/>
+              </a:schemeClr>
+            </a:gs>
+            <a:gs pos="50000">
+              <a:schemeClr val="phClr">
+                <a:tint val="98000"/>
+                <a:satMod val="130000"/>
+                <a:shade val="90000"/>
+                <a:lumMod val="103000"/>
+              </a:schemeClr>
+            </a:gs>
+            <a:gs pos="100000">
+              <a:schemeClr val="phClr">
+                <a:shade val="63000"/>
+                <a:satMod val="120000"/>
+              </a:schemeClr>
+            </a:gs>
+          </a:gsLst>
+          <a:lin ang="5400000" scaled="0"/>
+        </a:gradFill>
+      </a:bgFillStyleLst>
+    </a:fmtScheme>
+  </a:themeElements>
+  <a:objectDefaults/>
+  <a:extraClrSchemeLst/>
+  <a:extLst>
+    <a:ext uri="{05A4C25C-085E-4340-85A3-A5531E510DB2}">
+      <thm15:themeFamily xmlns:thm15="http://schemas.microsoft.com/office/thememl/2012/main" name="Office Theme" id="{62F939B6-93AF-4DB8-9C6B-D6C7DFDC589F}" vid="{4A3C46E8-61CC-4603-A589-7422A47A8E4A}"/>
+    </a:ext>
+  </a:extLst>
+</a:theme>
 </file>